--- a/doc/whitepaper/images/images_source.pptx
+++ b/doc/whitepaper/images/images_source.pptx
@@ -7,20 +7,19 @@
     <p:sldMasterId id="2147483711" r:id="rId3"/>
   </p:sldMasterIdLst>
   <p:notesMasterIdLst>
-    <p:notesMasterId r:id="rId7"/>
+    <p:notesMasterId r:id="rId6"/>
   </p:notesMasterIdLst>
   <p:handoutMasterIdLst>
-    <p:handoutMasterId r:id="rId8"/>
+    <p:handoutMasterId r:id="rId7"/>
   </p:handoutMasterIdLst>
   <p:sldIdLst>
     <p:sldId id="351" r:id="rId4"/>
-    <p:sldId id="407" r:id="rId5"/>
-    <p:sldId id="406" r:id="rId6"/>
+    <p:sldId id="406" r:id="rId5"/>
   </p:sldIdLst>
   <p:sldSz cx="9144000" cy="5143500" type="screen16x9"/>
   <p:notesSz cx="10234613" cy="7104063"/>
   <p:custDataLst>
-    <p:tags r:id="rId9"/>
+    <p:tags r:id="rId8"/>
   </p:custDataLst>
   <p:defaultTextStyle>
     <a:defPPr>
@@ -385,410 +384,6 @@
 </c:chartSpace>
 </file>
 
-<file path=ppt/charts/chart10.xml><?xml version="1.0" encoding="utf-8"?>
-<c:chartSpace xmlns:c="http://schemas.openxmlformats.org/drawingml/2006/chart" xmlns:a="http://schemas.openxmlformats.org/drawingml/2006/main" xmlns:r="http://schemas.openxmlformats.org/officeDocument/2006/relationships" xmlns:c16r2="http://schemas.microsoft.com/office/drawing/2015/06/chart">
-  <c:date1904 val="0"/>
-  <c:lang val="en-US"/>
-  <c:roundedCorners val="0"/>
-  <mc:AlternateContent xmlns:mc="http://schemas.openxmlformats.org/markup-compatibility/2006">
-    <mc:Choice xmlns:c14="http://schemas.microsoft.com/office/drawing/2007/8/2/chart" Requires="c14">
-      <c14:style val="102"/>
-    </mc:Choice>
-    <mc:Fallback>
-      <c:style val="2"/>
-    </mc:Fallback>
-  </mc:AlternateContent>
-  <c:chart>
-    <c:autoTitleDeleted val="1"/>
-    <c:plotArea>
-      <c:layout/>
-      <c:pieChart>
-        <c:varyColors val="1"/>
-        <c:ser>
-          <c:idx val="0"/>
-          <c:order val="0"/>
-          <c:tx>
-            <c:strRef>
-              <c:f>Sheet1!$B$1</c:f>
-              <c:strCache>
-                <c:ptCount val="1"/>
-                <c:pt idx="0">
-                  <c:v>Sales</c:v>
-                </c:pt>
-              </c:strCache>
-            </c:strRef>
-          </c:tx>
-          <c:dPt>
-            <c:idx val="0"/>
-            <c:bubble3D val="0"/>
-            <c:spPr>
-              <a:solidFill>
-                <a:schemeClr val="accent3">
-                  <a:lumMod val="75000"/>
-                </a:schemeClr>
-              </a:solidFill>
-              <a:ln w="19050">
-                <a:solidFill>
-                  <a:schemeClr val="lt1"/>
-                </a:solidFill>
-              </a:ln>
-              <a:effectLst/>
-            </c:spPr>
-            <c:extLst>
-              <c:ext xmlns:c16="http://schemas.microsoft.com/office/drawing/2014/chart" uri="{C3380CC4-5D6E-409C-BE32-E72D297353CC}">
-                <c16:uniqueId val="{00000001-D4BD-4176-AC4A-71FAA7FA3AE4}"/>
-              </c:ext>
-            </c:extLst>
-          </c:dPt>
-          <c:dPt>
-            <c:idx val="1"/>
-            <c:bubble3D val="0"/>
-            <c:spPr>
-              <a:solidFill>
-                <a:schemeClr val="accent6"/>
-              </a:solidFill>
-              <a:ln w="19050">
-                <a:solidFill>
-                  <a:schemeClr val="lt1"/>
-                </a:solidFill>
-              </a:ln>
-              <a:effectLst/>
-            </c:spPr>
-            <c:extLst>
-              <c:ext xmlns:c16="http://schemas.microsoft.com/office/drawing/2014/chart" uri="{C3380CC4-5D6E-409C-BE32-E72D297353CC}">
-                <c16:uniqueId val="{00000003-D4BD-4176-AC4A-71FAA7FA3AE4}"/>
-              </c:ext>
-            </c:extLst>
-          </c:dPt>
-          <c:dPt>
-            <c:idx val="2"/>
-            <c:bubble3D val="0"/>
-            <c:spPr>
-              <a:solidFill>
-                <a:schemeClr val="accent5">
-                  <a:lumMod val="75000"/>
-                </a:schemeClr>
-              </a:solidFill>
-              <a:ln w="19050">
-                <a:solidFill>
-                  <a:schemeClr val="lt1"/>
-                </a:solidFill>
-              </a:ln>
-              <a:effectLst/>
-            </c:spPr>
-            <c:extLst>
-              <c:ext xmlns:c16="http://schemas.microsoft.com/office/drawing/2014/chart" uri="{C3380CC4-5D6E-409C-BE32-E72D297353CC}">
-                <c16:uniqueId val="{00000005-D4BD-4176-AC4A-71FAA7FA3AE4}"/>
-              </c:ext>
-            </c:extLst>
-          </c:dPt>
-          <c:dPt>
-            <c:idx val="3"/>
-            <c:bubble3D val="0"/>
-            <c:spPr>
-              <a:solidFill>
-                <a:srgbClr val="17375E"/>
-              </a:solidFill>
-              <a:ln w="19050">
-                <a:solidFill>
-                  <a:schemeClr val="lt1"/>
-                </a:solidFill>
-              </a:ln>
-              <a:effectLst/>
-            </c:spPr>
-            <c:extLst>
-              <c:ext xmlns:c16="http://schemas.microsoft.com/office/drawing/2014/chart" uri="{C3380CC4-5D6E-409C-BE32-E72D297353CC}">
-                <c16:uniqueId val="{00000007-DF00-4968-9DF0-BEDFB5B2D850}"/>
-              </c:ext>
-            </c:extLst>
-          </c:dPt>
-          <c:cat>
-            <c:strRef>
-              <c:f>Sheet1!$A$2:$A$5</c:f>
-              <c:strCache>
-                <c:ptCount val="4"/>
-                <c:pt idx="0">
-                  <c:v>ETH</c:v>
-                </c:pt>
-                <c:pt idx="1">
-                  <c:v>ZRX</c:v>
-                </c:pt>
-                <c:pt idx="2">
-                  <c:v>BAT</c:v>
-                </c:pt>
-                <c:pt idx="3">
-                  <c:v>MKR</c:v>
-                </c:pt>
-              </c:strCache>
-            </c:strRef>
-          </c:cat>
-          <c:val>
-            <c:numRef>
-              <c:f>Sheet1!$B$2:$B$5</c:f>
-              <c:numCache>
-                <c:formatCode>General</c:formatCode>
-                <c:ptCount val="4"/>
-                <c:pt idx="0">
-                  <c:v>50</c:v>
-                </c:pt>
-                <c:pt idx="1">
-                  <c:v>15</c:v>
-                </c:pt>
-                <c:pt idx="2">
-                  <c:v>27</c:v>
-                </c:pt>
-                <c:pt idx="3">
-                  <c:v>20</c:v>
-                </c:pt>
-              </c:numCache>
-            </c:numRef>
-          </c:val>
-          <c:extLst>
-            <c:ext xmlns:c16="http://schemas.microsoft.com/office/drawing/2014/chart" uri="{C3380CC4-5D6E-409C-BE32-E72D297353CC}">
-              <c16:uniqueId val="{00000006-D4BD-4176-AC4A-71FAA7FA3AE4}"/>
-            </c:ext>
-          </c:extLst>
-        </c:ser>
-        <c:dLbls>
-          <c:showLegendKey val="0"/>
-          <c:showVal val="0"/>
-          <c:showCatName val="0"/>
-          <c:showSerName val="0"/>
-          <c:showPercent val="0"/>
-          <c:showBubbleSize val="0"/>
-          <c:showLeaderLines val="1"/>
-        </c:dLbls>
-        <c:firstSliceAng val="0"/>
-      </c:pieChart>
-      <c:spPr>
-        <a:noFill/>
-        <a:ln>
-          <a:noFill/>
-        </a:ln>
-        <a:effectLst/>
-      </c:spPr>
-    </c:plotArea>
-    <c:plotVisOnly val="1"/>
-    <c:dispBlanksAs val="gap"/>
-    <c:extLst>
-      <c:ext xmlns:c16r3="http://schemas.microsoft.com/office/drawing/2017/03/chart" uri="{56B9EC1D-385E-4148-901F-78D8002777C0}">
-        <c16r3:dataDisplayOptions16>
-          <c16r3:dispNaAsBlank val="1"/>
-        </c16r3:dataDisplayOptions16>
-      </c:ext>
-    </c:extLst>
-    <c:showDLblsOverMax val="0"/>
-  </c:chart>
-  <c:spPr>
-    <a:noFill/>
-    <a:ln>
-      <a:noFill/>
-    </a:ln>
-    <a:effectLst/>
-  </c:spPr>
-  <c:txPr>
-    <a:bodyPr/>
-    <a:lstStyle/>
-    <a:p>
-      <a:pPr>
-        <a:defRPr/>
-      </a:pPr>
-      <a:endParaRPr lang="pt-BR"/>
-    </a:p>
-  </c:txPr>
-  <c:externalData r:id="rId3">
-    <c:autoUpdate val="0"/>
-  </c:externalData>
-</c:chartSpace>
-</file>
-
-<file path=ppt/charts/chart11.xml><?xml version="1.0" encoding="utf-8"?>
-<c:chartSpace xmlns:c="http://schemas.openxmlformats.org/drawingml/2006/chart" xmlns:a="http://schemas.openxmlformats.org/drawingml/2006/main" xmlns:r="http://schemas.openxmlformats.org/officeDocument/2006/relationships" xmlns:c16r2="http://schemas.microsoft.com/office/drawing/2015/06/chart">
-  <c:date1904 val="0"/>
-  <c:lang val="en-US"/>
-  <c:roundedCorners val="0"/>
-  <mc:AlternateContent xmlns:mc="http://schemas.openxmlformats.org/markup-compatibility/2006">
-    <mc:Choice xmlns:c14="http://schemas.microsoft.com/office/drawing/2007/8/2/chart" Requires="c14">
-      <c14:style val="102"/>
-    </mc:Choice>
-    <mc:Fallback>
-      <c:style val="2"/>
-    </mc:Fallback>
-  </mc:AlternateContent>
-  <c:chart>
-    <c:autoTitleDeleted val="1"/>
-    <c:plotArea>
-      <c:layout/>
-      <c:pieChart>
-        <c:varyColors val="1"/>
-        <c:ser>
-          <c:idx val="0"/>
-          <c:order val="0"/>
-          <c:tx>
-            <c:strRef>
-              <c:f>Sheet1!$B$1</c:f>
-              <c:strCache>
-                <c:ptCount val="1"/>
-                <c:pt idx="0">
-                  <c:v>Sales</c:v>
-                </c:pt>
-              </c:strCache>
-            </c:strRef>
-          </c:tx>
-          <c:dPt>
-            <c:idx val="0"/>
-            <c:bubble3D val="0"/>
-            <c:spPr>
-              <a:solidFill>
-                <a:schemeClr val="accent2"/>
-              </a:solidFill>
-              <a:ln w="19050">
-                <a:solidFill>
-                  <a:schemeClr val="lt1"/>
-                </a:solidFill>
-              </a:ln>
-              <a:effectLst/>
-            </c:spPr>
-            <c:extLst>
-              <c:ext xmlns:c16="http://schemas.microsoft.com/office/drawing/2014/chart" uri="{C3380CC4-5D6E-409C-BE32-E72D297353CC}">
-                <c16:uniqueId val="{00000001-D678-42EA-9B77-0631323F3A42}"/>
-              </c:ext>
-            </c:extLst>
-          </c:dPt>
-          <c:dPt>
-            <c:idx val="1"/>
-            <c:bubble3D val="0"/>
-            <c:spPr>
-              <a:solidFill>
-                <a:schemeClr val="accent4"/>
-              </a:solidFill>
-              <a:ln w="19050">
-                <a:solidFill>
-                  <a:schemeClr val="lt1"/>
-                </a:solidFill>
-              </a:ln>
-              <a:effectLst/>
-            </c:spPr>
-            <c:extLst>
-              <c:ext xmlns:c16="http://schemas.microsoft.com/office/drawing/2014/chart" uri="{C3380CC4-5D6E-409C-BE32-E72D297353CC}">
-                <c16:uniqueId val="{00000003-D678-42EA-9B77-0631323F3A42}"/>
-              </c:ext>
-            </c:extLst>
-          </c:dPt>
-          <c:dPt>
-            <c:idx val="2"/>
-            <c:bubble3D val="0"/>
-            <c:spPr>
-              <a:solidFill>
-                <a:schemeClr val="accent6"/>
-              </a:solidFill>
-              <a:ln w="19050">
-                <a:solidFill>
-                  <a:schemeClr val="lt1"/>
-                </a:solidFill>
-              </a:ln>
-              <a:effectLst/>
-            </c:spPr>
-            <c:extLst>
-              <c:ext xmlns:c16="http://schemas.microsoft.com/office/drawing/2014/chart" uri="{C3380CC4-5D6E-409C-BE32-E72D297353CC}">
-                <c16:uniqueId val="{00000005-D678-42EA-9B77-0631323F3A42}"/>
-              </c:ext>
-            </c:extLst>
-          </c:dPt>
-          <c:cat>
-            <c:strRef>
-              <c:f>Sheet1!$A$2:$A$4</c:f>
-              <c:strCache>
-                <c:ptCount val="3"/>
-                <c:pt idx="0">
-                  <c:v>ETH</c:v>
-                </c:pt>
-                <c:pt idx="1">
-                  <c:v>ZRX</c:v>
-                </c:pt>
-                <c:pt idx="2">
-                  <c:v>MKR</c:v>
-                </c:pt>
-              </c:strCache>
-            </c:strRef>
-          </c:cat>
-          <c:val>
-            <c:numRef>
-              <c:f>Sheet1!$B$2:$B$4</c:f>
-              <c:numCache>
-                <c:formatCode>General</c:formatCode>
-                <c:ptCount val="3"/>
-                <c:pt idx="0">
-                  <c:v>30</c:v>
-                </c:pt>
-                <c:pt idx="1">
-                  <c:v>30</c:v>
-                </c:pt>
-                <c:pt idx="2">
-                  <c:v>40</c:v>
-                </c:pt>
-              </c:numCache>
-            </c:numRef>
-          </c:val>
-          <c:extLst>
-            <c:ext xmlns:c16="http://schemas.microsoft.com/office/drawing/2014/chart" uri="{C3380CC4-5D6E-409C-BE32-E72D297353CC}">
-              <c16:uniqueId val="{00000006-D678-42EA-9B77-0631323F3A42}"/>
-            </c:ext>
-          </c:extLst>
-        </c:ser>
-        <c:dLbls>
-          <c:showLegendKey val="0"/>
-          <c:showVal val="0"/>
-          <c:showCatName val="0"/>
-          <c:showSerName val="0"/>
-          <c:showPercent val="0"/>
-          <c:showBubbleSize val="0"/>
-          <c:showLeaderLines val="1"/>
-        </c:dLbls>
-        <c:firstSliceAng val="0"/>
-      </c:pieChart>
-      <c:spPr>
-        <a:noFill/>
-        <a:ln>
-          <a:noFill/>
-        </a:ln>
-        <a:effectLst/>
-      </c:spPr>
-    </c:plotArea>
-    <c:plotVisOnly val="1"/>
-    <c:dispBlanksAs val="gap"/>
-    <c:extLst>
-      <c:ext xmlns:c16r3="http://schemas.microsoft.com/office/drawing/2017/03/chart" uri="{56B9EC1D-385E-4148-901F-78D8002777C0}">
-        <c16r3:dataDisplayOptions16>
-          <c16r3:dispNaAsBlank val="1"/>
-        </c16r3:dataDisplayOptions16>
-      </c:ext>
-    </c:extLst>
-    <c:showDLblsOverMax val="0"/>
-  </c:chart>
-  <c:spPr>
-    <a:noFill/>
-    <a:ln>
-      <a:noFill/>
-    </a:ln>
-    <a:effectLst/>
-  </c:spPr>
-  <c:txPr>
-    <a:bodyPr/>
-    <a:lstStyle/>
-    <a:p>
-      <a:pPr>
-        <a:defRPr/>
-      </a:pPr>
-      <a:endParaRPr lang="pt-BR"/>
-    </a:p>
-  </c:txPr>
-  <c:externalData r:id="rId3">
-    <c:autoUpdate val="0"/>
-  </c:externalData>
-</c:chartSpace>
-</file>
-
 <file path=ppt/charts/chart2.xml><?xml version="1.0" encoding="utf-8"?>
 <c:chartSpace xmlns:c="http://schemas.openxmlformats.org/drawingml/2006/chart" xmlns:a="http://schemas.openxmlformats.org/drawingml/2006/main" xmlns:r="http://schemas.openxmlformats.org/officeDocument/2006/relationships" xmlns:c16r2="http://schemas.microsoft.com/office/drawing/2015/06/chart">
   <c:date1904 val="0"/>
@@ -849,7 +444,7 @@
             <c:bubble3D val="0"/>
             <c:spPr>
               <a:solidFill>
-                <a:schemeClr val="accent2"/>
+                <a:srgbClr val="31859C"/>
               </a:solidFill>
               <a:ln w="19050">
                 <a:solidFill>
@@ -869,9 +464,7 @@
             <c:bubble3D val="0"/>
             <c:spPr>
               <a:solidFill>
-                <a:schemeClr val="accent5">
-                  <a:lumMod val="75000"/>
-                </a:schemeClr>
+                <a:srgbClr val="17375E"/>
               </a:solidFill>
               <a:ln w="19050">
                 <a:solidFill>
@@ -1245,7 +838,7 @@
             <c:bubble3D val="0"/>
             <c:spPr>
               <a:solidFill>
-                <a:schemeClr val="accent5"/>
+                <a:srgbClr val="31859C"/>
               </a:solidFill>
               <a:ln w="19050">
                 <a:solidFill>
@@ -1265,9 +858,7 @@
             <c:bubble3D val="0"/>
             <c:spPr>
               <a:solidFill>
-                <a:schemeClr val="accent1">
-                  <a:lumMod val="60000"/>
-                </a:schemeClr>
+                <a:srgbClr val="17375E"/>
               </a:solidFill>
               <a:ln w="19050">
                 <a:solidFill>
@@ -1415,7 +1006,6 @@
               </c:strCache>
             </c:strRef>
           </c:tx>
-          <c:explosion val="1"/>
           <c:dPt>
             <c:idx val="0"/>
             <c:bubble3D val="0"/>
@@ -1443,9 +1033,7 @@
             <c:bubble3D val="0"/>
             <c:spPr>
               <a:solidFill>
-                <a:schemeClr val="accent5">
-                  <a:lumMod val="75000"/>
-                </a:schemeClr>
+                <a:schemeClr val="accent6"/>
               </a:solidFill>
               <a:ln w="19050">
                 <a:solidFill>
@@ -1487,7 +1075,7 @@
             <c:bubble3D val="0"/>
             <c:spPr>
               <a:solidFill>
-                <a:schemeClr val="accent4"/>
+                <a:srgbClr val="17375E"/>
               </a:solidFill>
               <a:ln w="19050">
                 <a:solidFill>
@@ -1514,7 +1102,7 @@
                   <c:v>ZRX</c:v>
                 </c:pt>
                 <c:pt idx="2">
-                  <c:v>ZRX</c:v>
+                  <c:v>BAT</c:v>
                 </c:pt>
                 <c:pt idx="3">
                   <c:v>MKR</c:v>
@@ -1532,7 +1120,7 @@
                   <c:v>50</c:v>
                 </c:pt>
                 <c:pt idx="1">
-                  <c:v>5</c:v>
+                  <c:v>15</c:v>
                 </c:pt>
                 <c:pt idx="2">
                   <c:v>27</c:v>
@@ -1789,595 +1377,6 @@
 </c:chartSpace>
 </file>
 
-<file path=ppt/charts/chart7.xml><?xml version="1.0" encoding="utf-8"?>
-<c:chartSpace xmlns:c="http://schemas.openxmlformats.org/drawingml/2006/chart" xmlns:a="http://schemas.openxmlformats.org/drawingml/2006/main" xmlns:r="http://schemas.openxmlformats.org/officeDocument/2006/relationships" xmlns:c16r2="http://schemas.microsoft.com/office/drawing/2015/06/chart">
-  <c:date1904 val="0"/>
-  <c:lang val="en-US"/>
-  <c:roundedCorners val="0"/>
-  <mc:AlternateContent xmlns:mc="http://schemas.openxmlformats.org/markup-compatibility/2006">
-    <mc:Choice xmlns:c14="http://schemas.microsoft.com/office/drawing/2007/8/2/chart" Requires="c14">
-      <c14:style val="102"/>
-    </mc:Choice>
-    <mc:Fallback>
-      <c:style val="2"/>
-    </mc:Fallback>
-  </mc:AlternateContent>
-  <c:chart>
-    <c:autoTitleDeleted val="1"/>
-    <c:plotArea>
-      <c:layout/>
-      <c:pieChart>
-        <c:varyColors val="1"/>
-        <c:ser>
-          <c:idx val="0"/>
-          <c:order val="0"/>
-          <c:tx>
-            <c:strRef>
-              <c:f>Sheet1!$B$1</c:f>
-              <c:strCache>
-                <c:ptCount val="1"/>
-                <c:pt idx="0">
-                  <c:v>Sales</c:v>
-                </c:pt>
-              </c:strCache>
-            </c:strRef>
-          </c:tx>
-          <c:dPt>
-            <c:idx val="0"/>
-            <c:bubble3D val="0"/>
-            <c:spPr>
-              <a:solidFill>
-                <a:schemeClr val="accent3">
-                  <a:lumMod val="75000"/>
-                </a:schemeClr>
-              </a:solidFill>
-              <a:ln w="19050">
-                <a:solidFill>
-                  <a:schemeClr val="lt1"/>
-                </a:solidFill>
-              </a:ln>
-              <a:effectLst/>
-            </c:spPr>
-            <c:extLst>
-              <c:ext xmlns:c16="http://schemas.microsoft.com/office/drawing/2014/chart" uri="{C3380CC4-5D6E-409C-BE32-E72D297353CC}">
-                <c16:uniqueId val="{00000001-E400-4044-8EF7-26912D342014}"/>
-              </c:ext>
-            </c:extLst>
-          </c:dPt>
-          <c:dPt>
-            <c:idx val="1"/>
-            <c:bubble3D val="0"/>
-            <c:spPr>
-              <a:solidFill>
-                <a:srgbClr val="31859C"/>
-              </a:solidFill>
-              <a:ln w="19050">
-                <a:solidFill>
-                  <a:schemeClr val="lt1"/>
-                </a:solidFill>
-              </a:ln>
-              <a:effectLst/>
-            </c:spPr>
-            <c:extLst>
-              <c:ext xmlns:c16="http://schemas.microsoft.com/office/drawing/2014/chart" uri="{C3380CC4-5D6E-409C-BE32-E72D297353CC}">
-                <c16:uniqueId val="{00000003-31DD-4416-99F6-DD49101DEDC8}"/>
-              </c:ext>
-            </c:extLst>
-          </c:dPt>
-          <c:dPt>
-            <c:idx val="2"/>
-            <c:bubble3D val="0"/>
-            <c:spPr>
-              <a:solidFill>
-                <a:srgbClr val="17375E"/>
-              </a:solidFill>
-              <a:ln w="19050">
-                <a:solidFill>
-                  <a:schemeClr val="lt1"/>
-                </a:solidFill>
-              </a:ln>
-              <a:effectLst/>
-            </c:spPr>
-            <c:extLst>
-              <c:ext xmlns:c16="http://schemas.microsoft.com/office/drawing/2014/chart" uri="{C3380CC4-5D6E-409C-BE32-E72D297353CC}">
-                <c16:uniqueId val="{00000002-E400-4044-8EF7-26912D342014}"/>
-              </c:ext>
-            </c:extLst>
-          </c:dPt>
-          <c:cat>
-            <c:strRef>
-              <c:f>Sheet1!$A$2:$A$4</c:f>
-              <c:strCache>
-                <c:ptCount val="3"/>
-                <c:pt idx="0">
-                  <c:v>ETH</c:v>
-                </c:pt>
-                <c:pt idx="1">
-                  <c:v>ZRX</c:v>
-                </c:pt>
-                <c:pt idx="2">
-                  <c:v>MKR</c:v>
-                </c:pt>
-              </c:strCache>
-            </c:strRef>
-          </c:cat>
-          <c:val>
-            <c:numRef>
-              <c:f>Sheet1!$B$2:$B$4</c:f>
-              <c:numCache>
-                <c:formatCode>General</c:formatCode>
-                <c:ptCount val="3"/>
-                <c:pt idx="0">
-                  <c:v>50</c:v>
-                </c:pt>
-                <c:pt idx="1">
-                  <c:v>30</c:v>
-                </c:pt>
-                <c:pt idx="2">
-                  <c:v>20</c:v>
-                </c:pt>
-              </c:numCache>
-            </c:numRef>
-          </c:val>
-          <c:extLst>
-            <c:ext xmlns:c16="http://schemas.microsoft.com/office/drawing/2014/chart" uri="{C3380CC4-5D6E-409C-BE32-E72D297353CC}">
-              <c16:uniqueId val="{00000000-E400-4044-8EF7-26912D342014}"/>
-            </c:ext>
-          </c:extLst>
-        </c:ser>
-        <c:dLbls>
-          <c:showLegendKey val="0"/>
-          <c:showVal val="0"/>
-          <c:showCatName val="0"/>
-          <c:showSerName val="0"/>
-          <c:showPercent val="0"/>
-          <c:showBubbleSize val="0"/>
-          <c:showLeaderLines val="1"/>
-        </c:dLbls>
-        <c:firstSliceAng val="0"/>
-      </c:pieChart>
-      <c:spPr>
-        <a:noFill/>
-        <a:ln>
-          <a:noFill/>
-        </a:ln>
-        <a:effectLst/>
-      </c:spPr>
-    </c:plotArea>
-    <c:plotVisOnly val="1"/>
-    <c:dispBlanksAs val="gap"/>
-    <c:extLst>
-      <c:ext xmlns:c16r3="http://schemas.microsoft.com/office/drawing/2017/03/chart" uri="{56B9EC1D-385E-4148-901F-78D8002777C0}">
-        <c16r3:dataDisplayOptions16>
-          <c16r3:dispNaAsBlank val="1"/>
-        </c16r3:dataDisplayOptions16>
-      </c:ext>
-    </c:extLst>
-    <c:showDLblsOverMax val="0"/>
-  </c:chart>
-  <c:spPr>
-    <a:noFill/>
-    <a:ln>
-      <a:noFill/>
-    </a:ln>
-    <a:effectLst/>
-  </c:spPr>
-  <c:txPr>
-    <a:bodyPr/>
-    <a:lstStyle/>
-    <a:p>
-      <a:pPr>
-        <a:defRPr/>
-      </a:pPr>
-      <a:endParaRPr lang="pt-BR"/>
-    </a:p>
-  </c:txPr>
-  <c:externalData r:id="rId3">
-    <c:autoUpdate val="0"/>
-  </c:externalData>
-</c:chartSpace>
-</file>
-
-<file path=ppt/charts/chart8.xml><?xml version="1.0" encoding="utf-8"?>
-<c:chartSpace xmlns:c="http://schemas.openxmlformats.org/drawingml/2006/chart" xmlns:a="http://schemas.openxmlformats.org/drawingml/2006/main" xmlns:r="http://schemas.openxmlformats.org/officeDocument/2006/relationships" xmlns:c16r2="http://schemas.microsoft.com/office/drawing/2015/06/chart">
-  <c:date1904 val="0"/>
-  <c:lang val="en-US"/>
-  <c:roundedCorners val="0"/>
-  <mc:AlternateContent xmlns:mc="http://schemas.openxmlformats.org/markup-compatibility/2006">
-    <mc:Choice xmlns:c14="http://schemas.microsoft.com/office/drawing/2007/8/2/chart" Requires="c14">
-      <c14:style val="102"/>
-    </mc:Choice>
-    <mc:Fallback>
-      <c:style val="2"/>
-    </mc:Fallback>
-  </mc:AlternateContent>
-  <c:chart>
-    <c:autoTitleDeleted val="1"/>
-    <c:plotArea>
-      <c:layout/>
-      <c:pieChart>
-        <c:varyColors val="1"/>
-        <c:ser>
-          <c:idx val="0"/>
-          <c:order val="0"/>
-          <c:tx>
-            <c:strRef>
-              <c:f>Sheet1!$B$1</c:f>
-              <c:strCache>
-                <c:ptCount val="1"/>
-                <c:pt idx="0">
-                  <c:v>Sales</c:v>
-                </c:pt>
-              </c:strCache>
-            </c:strRef>
-          </c:tx>
-          <c:dPt>
-            <c:idx val="0"/>
-            <c:bubble3D val="0"/>
-            <c:spPr>
-              <a:solidFill>
-                <a:schemeClr val="accent6"/>
-              </a:solidFill>
-              <a:ln w="19050">
-                <a:solidFill>
-                  <a:schemeClr val="lt1"/>
-                </a:solidFill>
-              </a:ln>
-              <a:effectLst/>
-            </c:spPr>
-            <c:extLst>
-              <c:ext xmlns:c16="http://schemas.microsoft.com/office/drawing/2014/chart" uri="{C3380CC4-5D6E-409C-BE32-E72D297353CC}">
-                <c16:uniqueId val="{00000001-9CFC-4362-954B-1B29770E68F4}"/>
-              </c:ext>
-            </c:extLst>
-          </c:dPt>
-          <c:dPt>
-            <c:idx val="1"/>
-            <c:bubble3D val="0"/>
-            <c:spPr>
-              <a:solidFill>
-                <a:schemeClr val="accent5"/>
-              </a:solidFill>
-              <a:ln w="19050">
-                <a:solidFill>
-                  <a:schemeClr val="lt1"/>
-                </a:solidFill>
-              </a:ln>
-              <a:effectLst/>
-            </c:spPr>
-            <c:extLst>
-              <c:ext xmlns:c16="http://schemas.microsoft.com/office/drawing/2014/chart" uri="{C3380CC4-5D6E-409C-BE32-E72D297353CC}">
-                <c16:uniqueId val="{00000003-9CFC-4362-954B-1B29770E68F4}"/>
-              </c:ext>
-            </c:extLst>
-          </c:dPt>
-          <c:dPt>
-            <c:idx val="2"/>
-            <c:bubble3D val="0"/>
-            <c:spPr>
-              <a:solidFill>
-                <a:schemeClr val="accent4"/>
-              </a:solidFill>
-              <a:ln w="19050">
-                <a:solidFill>
-                  <a:schemeClr val="lt1"/>
-                </a:solidFill>
-              </a:ln>
-              <a:effectLst/>
-            </c:spPr>
-            <c:extLst>
-              <c:ext xmlns:c16="http://schemas.microsoft.com/office/drawing/2014/chart" uri="{C3380CC4-5D6E-409C-BE32-E72D297353CC}">
-                <c16:uniqueId val="{00000005-9CFC-4362-954B-1B29770E68F4}"/>
-              </c:ext>
-            </c:extLst>
-          </c:dPt>
-          <c:cat>
-            <c:strRef>
-              <c:f>Sheet1!$A$2:$A$4</c:f>
-              <c:strCache>
-                <c:ptCount val="3"/>
-                <c:pt idx="0">
-                  <c:v>ETH</c:v>
-                </c:pt>
-                <c:pt idx="1">
-                  <c:v>ZRX</c:v>
-                </c:pt>
-                <c:pt idx="2">
-                  <c:v>MKR</c:v>
-                </c:pt>
-              </c:strCache>
-            </c:strRef>
-          </c:cat>
-          <c:val>
-            <c:numRef>
-              <c:f>Sheet1!$B$2:$B$4</c:f>
-              <c:numCache>
-                <c:formatCode>General</c:formatCode>
-                <c:ptCount val="3"/>
-                <c:pt idx="0">
-                  <c:v>30</c:v>
-                </c:pt>
-                <c:pt idx="1">
-                  <c:v>30</c:v>
-                </c:pt>
-                <c:pt idx="2">
-                  <c:v>40</c:v>
-                </c:pt>
-              </c:numCache>
-            </c:numRef>
-          </c:val>
-          <c:extLst>
-            <c:ext xmlns:c16="http://schemas.microsoft.com/office/drawing/2014/chart" uri="{C3380CC4-5D6E-409C-BE32-E72D297353CC}">
-              <c16:uniqueId val="{00000006-9CFC-4362-954B-1B29770E68F4}"/>
-            </c:ext>
-          </c:extLst>
-        </c:ser>
-        <c:dLbls>
-          <c:showLegendKey val="0"/>
-          <c:showVal val="0"/>
-          <c:showCatName val="0"/>
-          <c:showSerName val="0"/>
-          <c:showPercent val="0"/>
-          <c:showBubbleSize val="0"/>
-          <c:showLeaderLines val="1"/>
-        </c:dLbls>
-        <c:firstSliceAng val="0"/>
-      </c:pieChart>
-      <c:spPr>
-        <a:noFill/>
-        <a:ln>
-          <a:noFill/>
-        </a:ln>
-        <a:effectLst/>
-      </c:spPr>
-    </c:plotArea>
-    <c:plotVisOnly val="1"/>
-    <c:dispBlanksAs val="gap"/>
-    <c:extLst>
-      <c:ext xmlns:c16r3="http://schemas.microsoft.com/office/drawing/2017/03/chart" uri="{56B9EC1D-385E-4148-901F-78D8002777C0}">
-        <c16r3:dataDisplayOptions16>
-          <c16r3:dispNaAsBlank val="1"/>
-        </c16r3:dataDisplayOptions16>
-      </c:ext>
-    </c:extLst>
-    <c:showDLblsOverMax val="0"/>
-  </c:chart>
-  <c:spPr>
-    <a:noFill/>
-    <a:ln>
-      <a:noFill/>
-    </a:ln>
-    <a:effectLst/>
-  </c:spPr>
-  <c:txPr>
-    <a:bodyPr/>
-    <a:lstStyle/>
-    <a:p>
-      <a:pPr>
-        <a:defRPr/>
-      </a:pPr>
-      <a:endParaRPr lang="pt-BR"/>
-    </a:p>
-  </c:txPr>
-  <c:externalData r:id="rId3">
-    <c:autoUpdate val="0"/>
-  </c:externalData>
-</c:chartSpace>
-</file>
-
-<file path=ppt/charts/chart9.xml><?xml version="1.0" encoding="utf-8"?>
-<c:chartSpace xmlns:c="http://schemas.openxmlformats.org/drawingml/2006/chart" xmlns:a="http://schemas.openxmlformats.org/drawingml/2006/main" xmlns:r="http://schemas.openxmlformats.org/officeDocument/2006/relationships" xmlns:c16r2="http://schemas.microsoft.com/office/drawing/2015/06/chart">
-  <c:date1904 val="0"/>
-  <c:lang val="en-US"/>
-  <c:roundedCorners val="0"/>
-  <mc:AlternateContent xmlns:mc="http://schemas.openxmlformats.org/markup-compatibility/2006">
-    <mc:Choice xmlns:c14="http://schemas.microsoft.com/office/drawing/2007/8/2/chart" Requires="c14">
-      <c14:style val="102"/>
-    </mc:Choice>
-    <mc:Fallback>
-      <c:style val="2"/>
-    </mc:Fallback>
-  </mc:AlternateContent>
-  <c:chart>
-    <c:autoTitleDeleted val="1"/>
-    <c:plotArea>
-      <c:layout/>
-      <c:pieChart>
-        <c:varyColors val="1"/>
-        <c:ser>
-          <c:idx val="0"/>
-          <c:order val="0"/>
-          <c:tx>
-            <c:strRef>
-              <c:f>Sheet1!$B$1</c:f>
-              <c:strCache>
-                <c:ptCount val="1"/>
-                <c:pt idx="0">
-                  <c:v>Sales</c:v>
-                </c:pt>
-              </c:strCache>
-            </c:strRef>
-          </c:tx>
-          <c:dPt>
-            <c:idx val="0"/>
-            <c:bubble3D val="0"/>
-            <c:spPr>
-              <a:solidFill>
-                <a:schemeClr val="accent1"/>
-              </a:solidFill>
-              <a:ln w="19050">
-                <a:solidFill>
-                  <a:schemeClr val="lt1"/>
-                </a:solidFill>
-              </a:ln>
-              <a:effectLst/>
-            </c:spPr>
-            <c:extLst>
-              <c:ext xmlns:c16="http://schemas.microsoft.com/office/drawing/2014/chart" uri="{C3380CC4-5D6E-409C-BE32-E72D297353CC}">
-                <c16:uniqueId val="{00000001-9CFC-4362-954B-1B29770E68F4}"/>
-              </c:ext>
-            </c:extLst>
-          </c:dPt>
-          <c:dPt>
-            <c:idx val="1"/>
-            <c:bubble3D val="0"/>
-            <c:spPr>
-              <a:solidFill>
-                <a:schemeClr val="accent3"/>
-              </a:solidFill>
-              <a:ln w="19050">
-                <a:solidFill>
-                  <a:schemeClr val="lt1"/>
-                </a:solidFill>
-              </a:ln>
-              <a:effectLst/>
-            </c:spPr>
-            <c:extLst>
-              <c:ext xmlns:c16="http://schemas.microsoft.com/office/drawing/2014/chart" uri="{C3380CC4-5D6E-409C-BE32-E72D297353CC}">
-                <c16:uniqueId val="{00000003-9CFC-4362-954B-1B29770E68F4}"/>
-              </c:ext>
-            </c:extLst>
-          </c:dPt>
-          <c:dPt>
-            <c:idx val="2"/>
-            <c:bubble3D val="0"/>
-            <c:spPr>
-              <a:solidFill>
-                <a:srgbClr val="31859C"/>
-              </a:solidFill>
-              <a:ln w="19050">
-                <a:solidFill>
-                  <a:schemeClr val="lt1"/>
-                </a:solidFill>
-              </a:ln>
-              <a:effectLst/>
-            </c:spPr>
-            <c:extLst>
-              <c:ext xmlns:c16="http://schemas.microsoft.com/office/drawing/2014/chart" uri="{C3380CC4-5D6E-409C-BE32-E72D297353CC}">
-                <c16:uniqueId val="{00000005-9CFC-4362-954B-1B29770E68F4}"/>
-              </c:ext>
-            </c:extLst>
-          </c:dPt>
-          <c:dPt>
-            <c:idx val="3"/>
-            <c:bubble3D val="0"/>
-            <c:spPr>
-              <a:solidFill>
-                <a:srgbClr val="17375E"/>
-              </a:solidFill>
-              <a:ln w="19050">
-                <a:solidFill>
-                  <a:schemeClr val="lt1"/>
-                </a:solidFill>
-              </a:ln>
-              <a:effectLst/>
-            </c:spPr>
-            <c:extLst>
-              <c:ext xmlns:c16="http://schemas.microsoft.com/office/drawing/2014/chart" uri="{C3380CC4-5D6E-409C-BE32-E72D297353CC}">
-                <c16:uniqueId val="{00000007-27F0-42DC-BC07-FED78E08BC74}"/>
-              </c:ext>
-            </c:extLst>
-          </c:dPt>
-          <c:cat>
-            <c:strRef>
-              <c:f>Sheet1!$A$2:$A$5</c:f>
-              <c:strCache>
-                <c:ptCount val="4"/>
-                <c:pt idx="0">
-                  <c:v>OMG</c:v>
-                </c:pt>
-                <c:pt idx="1">
-                  <c:v>REP</c:v>
-                </c:pt>
-                <c:pt idx="2">
-                  <c:v>BAT</c:v>
-                </c:pt>
-                <c:pt idx="3">
-                  <c:v>ETH</c:v>
-                </c:pt>
-              </c:strCache>
-            </c:strRef>
-          </c:cat>
-          <c:val>
-            <c:numRef>
-              <c:f>Sheet1!$B$2:$B$5</c:f>
-              <c:numCache>
-                <c:formatCode>General</c:formatCode>
-                <c:ptCount val="4"/>
-                <c:pt idx="0">
-                  <c:v>30</c:v>
-                </c:pt>
-                <c:pt idx="1">
-                  <c:v>30</c:v>
-                </c:pt>
-                <c:pt idx="2">
-                  <c:v>40</c:v>
-                </c:pt>
-                <c:pt idx="3">
-                  <c:v>20</c:v>
-                </c:pt>
-              </c:numCache>
-            </c:numRef>
-          </c:val>
-          <c:extLst>
-            <c:ext xmlns:c16="http://schemas.microsoft.com/office/drawing/2014/chart" uri="{C3380CC4-5D6E-409C-BE32-E72D297353CC}">
-              <c16:uniqueId val="{00000006-9CFC-4362-954B-1B29770E68F4}"/>
-            </c:ext>
-          </c:extLst>
-        </c:ser>
-        <c:dLbls>
-          <c:showLegendKey val="0"/>
-          <c:showVal val="0"/>
-          <c:showCatName val="0"/>
-          <c:showSerName val="0"/>
-          <c:showPercent val="0"/>
-          <c:showBubbleSize val="0"/>
-          <c:showLeaderLines val="1"/>
-        </c:dLbls>
-        <c:firstSliceAng val="0"/>
-      </c:pieChart>
-      <c:spPr>
-        <a:noFill/>
-        <a:ln>
-          <a:noFill/>
-        </a:ln>
-        <a:effectLst/>
-      </c:spPr>
-    </c:plotArea>
-    <c:plotVisOnly val="1"/>
-    <c:dispBlanksAs val="gap"/>
-    <c:extLst>
-      <c:ext xmlns:c16r3="http://schemas.microsoft.com/office/drawing/2017/03/chart" uri="{56B9EC1D-385E-4148-901F-78D8002777C0}">
-        <c16r3:dataDisplayOptions16>
-          <c16r3:dispNaAsBlank val="1"/>
-        </c16r3:dataDisplayOptions16>
-      </c:ext>
-    </c:extLst>
-    <c:showDLblsOverMax val="0"/>
-  </c:chart>
-  <c:spPr>
-    <a:noFill/>
-    <a:ln>
-      <a:noFill/>
-    </a:ln>
-    <a:effectLst/>
-  </c:spPr>
-  <c:txPr>
-    <a:bodyPr/>
-    <a:lstStyle/>
-    <a:p>
-      <a:pPr>
-        <a:defRPr/>
-      </a:pPr>
-      <a:endParaRPr lang="pt-BR"/>
-    </a:p>
-  </c:txPr>
-  <c:externalData r:id="rId3">
-    <c:autoUpdate val="0"/>
-  </c:externalData>
-</c:chartSpace>
-</file>
-
 <file path=ppt/charts/colors1.xml><?xml version="1.0" encoding="utf-8"?>
 <cs:colorStyle xmlns:cs="http://schemas.microsoft.com/office/drawing/2012/chartStyle" xmlns:a="http://schemas.openxmlformats.org/drawingml/2006/main" meth="cycle" id="10">
   <a:schemeClr val="accent1"/>
@@ -2385,83 +1384,6 @@
   <a:schemeClr val="accent3"/>
   <a:schemeClr val="accent4"/>
   <a:schemeClr val="accent5"/>
-  <a:schemeClr val="accent6"/>
-  <cs:variation/>
-  <cs:variation>
-    <a:lumMod val="60000"/>
-  </cs:variation>
-  <cs:variation>
-    <a:lumMod val="80000"/>
-    <a:lumOff val="20000"/>
-  </cs:variation>
-  <cs:variation>
-    <a:lumMod val="80000"/>
-  </cs:variation>
-  <cs:variation>
-    <a:lumMod val="60000"/>
-    <a:lumOff val="40000"/>
-  </cs:variation>
-  <cs:variation>
-    <a:lumMod val="50000"/>
-  </cs:variation>
-  <cs:variation>
-    <a:lumMod val="70000"/>
-    <a:lumOff val="30000"/>
-  </cs:variation>
-  <cs:variation>
-    <a:lumMod val="70000"/>
-  </cs:variation>
-  <cs:variation>
-    <a:lumMod val="50000"/>
-    <a:lumOff val="50000"/>
-  </cs:variation>
-</cs:colorStyle>
-</file>
-
-<file path=ppt/charts/colors10.xml><?xml version="1.0" encoding="utf-8"?>
-<cs:colorStyle xmlns:cs="http://schemas.microsoft.com/office/drawing/2012/chartStyle" xmlns:a="http://schemas.openxmlformats.org/drawingml/2006/main" meth="cycle" id="10">
-  <a:schemeClr val="accent1"/>
-  <a:schemeClr val="accent2"/>
-  <a:schemeClr val="accent3"/>
-  <a:schemeClr val="accent4"/>
-  <a:schemeClr val="accent5"/>
-  <a:schemeClr val="accent6"/>
-  <cs:variation/>
-  <cs:variation>
-    <a:lumMod val="60000"/>
-  </cs:variation>
-  <cs:variation>
-    <a:lumMod val="80000"/>
-    <a:lumOff val="20000"/>
-  </cs:variation>
-  <cs:variation>
-    <a:lumMod val="80000"/>
-  </cs:variation>
-  <cs:variation>
-    <a:lumMod val="60000"/>
-    <a:lumOff val="40000"/>
-  </cs:variation>
-  <cs:variation>
-    <a:lumMod val="50000"/>
-  </cs:variation>
-  <cs:variation>
-    <a:lumMod val="70000"/>
-    <a:lumOff val="30000"/>
-  </cs:variation>
-  <cs:variation>
-    <a:lumMod val="70000"/>
-  </cs:variation>
-  <cs:variation>
-    <a:lumMod val="50000"/>
-    <a:lumOff val="50000"/>
-  </cs:variation>
-</cs:colorStyle>
-</file>
-
-<file path=ppt/charts/colors11.xml><?xml version="1.0" encoding="utf-8"?>
-<cs:colorStyle xmlns:cs="http://schemas.microsoft.com/office/drawing/2012/chartStyle" xmlns:a="http://schemas.openxmlformats.org/drawingml/2006/main" meth="cycle" id="12">
-  <a:schemeClr val="accent2"/>
-  <a:schemeClr val="accent4"/>
   <a:schemeClr val="accent6"/>
   <cs:variation/>
   <cs:variation>
@@ -2686,1159 +1608,7 @@
 </cs:colorStyle>
 </file>
 
-<file path=ppt/charts/colors7.xml><?xml version="1.0" encoding="utf-8"?>
-<cs:colorStyle xmlns:cs="http://schemas.microsoft.com/office/drawing/2012/chartStyle" xmlns:a="http://schemas.openxmlformats.org/drawingml/2006/main" meth="cycle" id="10">
-  <a:schemeClr val="accent1"/>
-  <a:schemeClr val="accent2"/>
-  <a:schemeClr val="accent3"/>
-  <a:schemeClr val="accent4"/>
-  <a:schemeClr val="accent5"/>
-  <a:schemeClr val="accent6"/>
-  <cs:variation/>
-  <cs:variation>
-    <a:lumMod val="60000"/>
-  </cs:variation>
-  <cs:variation>
-    <a:lumMod val="80000"/>
-    <a:lumOff val="20000"/>
-  </cs:variation>
-  <cs:variation>
-    <a:lumMod val="80000"/>
-  </cs:variation>
-  <cs:variation>
-    <a:lumMod val="60000"/>
-    <a:lumOff val="40000"/>
-  </cs:variation>
-  <cs:variation>
-    <a:lumMod val="50000"/>
-  </cs:variation>
-  <cs:variation>
-    <a:lumMod val="70000"/>
-    <a:lumOff val="30000"/>
-  </cs:variation>
-  <cs:variation>
-    <a:lumMod val="70000"/>
-  </cs:variation>
-  <cs:variation>
-    <a:lumMod val="50000"/>
-    <a:lumOff val="50000"/>
-  </cs:variation>
-</cs:colorStyle>
-</file>
-
-<file path=ppt/charts/colors8.xml><?xml version="1.0" encoding="utf-8"?>
-<cs:colorStyle xmlns:cs="http://schemas.microsoft.com/office/drawing/2012/chartStyle" xmlns:a="http://schemas.openxmlformats.org/drawingml/2006/main" meth="cycle" id="13">
-  <a:schemeClr val="accent6"/>
-  <a:schemeClr val="accent5"/>
-  <a:schemeClr val="accent4"/>
-  <cs:variation/>
-  <cs:variation>
-    <a:lumMod val="60000"/>
-  </cs:variation>
-  <cs:variation>
-    <a:lumMod val="80000"/>
-    <a:lumOff val="20000"/>
-  </cs:variation>
-  <cs:variation>
-    <a:lumMod val="80000"/>
-  </cs:variation>
-  <cs:variation>
-    <a:lumMod val="60000"/>
-    <a:lumOff val="40000"/>
-  </cs:variation>
-  <cs:variation>
-    <a:lumMod val="50000"/>
-  </cs:variation>
-  <cs:variation>
-    <a:lumMod val="70000"/>
-    <a:lumOff val="30000"/>
-  </cs:variation>
-  <cs:variation>
-    <a:lumMod val="70000"/>
-  </cs:variation>
-  <cs:variation>
-    <a:lumMod val="50000"/>
-    <a:lumOff val="50000"/>
-  </cs:variation>
-</cs:colorStyle>
-</file>
-
-<file path=ppt/charts/colors9.xml><?xml version="1.0" encoding="utf-8"?>
-<cs:colorStyle xmlns:cs="http://schemas.microsoft.com/office/drawing/2012/chartStyle" xmlns:a="http://schemas.openxmlformats.org/drawingml/2006/main" meth="cycle" id="11">
-  <a:schemeClr val="accent1"/>
-  <a:schemeClr val="accent3"/>
-  <a:schemeClr val="accent5"/>
-  <cs:variation/>
-  <cs:variation>
-    <a:lumMod val="60000"/>
-  </cs:variation>
-  <cs:variation>
-    <a:lumMod val="80000"/>
-    <a:lumOff val="20000"/>
-  </cs:variation>
-  <cs:variation>
-    <a:lumMod val="80000"/>
-  </cs:variation>
-  <cs:variation>
-    <a:lumMod val="60000"/>
-    <a:lumOff val="40000"/>
-  </cs:variation>
-  <cs:variation>
-    <a:lumMod val="50000"/>
-  </cs:variation>
-  <cs:variation>
-    <a:lumMod val="70000"/>
-    <a:lumOff val="30000"/>
-  </cs:variation>
-  <cs:variation>
-    <a:lumMod val="70000"/>
-  </cs:variation>
-  <cs:variation>
-    <a:lumMod val="50000"/>
-    <a:lumOff val="50000"/>
-  </cs:variation>
-</cs:colorStyle>
-</file>
-
 <file path=ppt/charts/style1.xml><?xml version="1.0" encoding="utf-8"?>
-<cs:chartStyle xmlns:cs="http://schemas.microsoft.com/office/drawing/2012/chartStyle" xmlns:a="http://schemas.openxmlformats.org/drawingml/2006/main" id="251">
-  <cs:axisTitle>
-    <cs:lnRef idx="0"/>
-    <cs:fillRef idx="0"/>
-    <cs:effectRef idx="0"/>
-    <cs:fontRef idx="minor">
-      <a:schemeClr val="tx1">
-        <a:lumMod val="65000"/>
-        <a:lumOff val="35000"/>
-      </a:schemeClr>
-    </cs:fontRef>
-    <cs:defRPr sz="1330" kern="1200"/>
-  </cs:axisTitle>
-  <cs:categoryAxis>
-    <cs:lnRef idx="0"/>
-    <cs:fillRef idx="0"/>
-    <cs:effectRef idx="0"/>
-    <cs:fontRef idx="minor">
-      <a:schemeClr val="tx1">
-        <a:lumMod val="65000"/>
-        <a:lumOff val="35000"/>
-      </a:schemeClr>
-    </cs:fontRef>
-    <cs:spPr>
-      <a:ln w="9525" cap="flat" cmpd="sng" algn="ctr">
-        <a:solidFill>
-          <a:schemeClr val="tx1">
-            <a:lumMod val="15000"/>
-            <a:lumOff val="85000"/>
-          </a:schemeClr>
-        </a:solidFill>
-        <a:round/>
-      </a:ln>
-    </cs:spPr>
-    <cs:defRPr sz="1197" kern="1200"/>
-  </cs:categoryAxis>
-  <cs:chartArea mods="allowNoFillOverride allowNoLineOverride">
-    <cs:lnRef idx="0"/>
-    <cs:fillRef idx="0"/>
-    <cs:effectRef idx="0"/>
-    <cs:fontRef idx="minor">
-      <a:schemeClr val="tx1"/>
-    </cs:fontRef>
-    <cs:spPr>
-      <a:solidFill>
-        <a:schemeClr val="bg1"/>
-      </a:solidFill>
-      <a:ln w="9525" cap="flat" cmpd="sng" algn="ctr">
-        <a:solidFill>
-          <a:schemeClr val="tx1">
-            <a:lumMod val="15000"/>
-            <a:lumOff val="85000"/>
-          </a:schemeClr>
-        </a:solidFill>
-        <a:round/>
-      </a:ln>
-    </cs:spPr>
-    <cs:defRPr sz="1197" kern="1200"/>
-  </cs:chartArea>
-  <cs:dataLabel>
-    <cs:lnRef idx="0"/>
-    <cs:fillRef idx="0"/>
-    <cs:effectRef idx="0"/>
-    <cs:fontRef idx="minor">
-      <a:schemeClr val="tx1">
-        <a:lumMod val="75000"/>
-        <a:lumOff val="25000"/>
-      </a:schemeClr>
-    </cs:fontRef>
-    <cs:defRPr sz="1197" kern="1200"/>
-  </cs:dataLabel>
-  <cs:dataLabelCallout>
-    <cs:lnRef idx="0"/>
-    <cs:fillRef idx="0"/>
-    <cs:effectRef idx="0"/>
-    <cs:fontRef idx="minor">
-      <a:schemeClr val="dk1">
-        <a:lumMod val="65000"/>
-        <a:lumOff val="35000"/>
-      </a:schemeClr>
-    </cs:fontRef>
-    <cs:spPr>
-      <a:solidFill>
-        <a:schemeClr val="lt1"/>
-      </a:solidFill>
-      <a:ln>
-        <a:solidFill>
-          <a:schemeClr val="dk1">
-            <a:lumMod val="25000"/>
-            <a:lumOff val="75000"/>
-          </a:schemeClr>
-        </a:solidFill>
-      </a:ln>
-    </cs:spPr>
-    <cs:defRPr sz="1197" kern="1200"/>
-    <cs:bodyPr rot="0" spcFirstLastPara="1" vertOverflow="clip" horzOverflow="clip" vert="horz" wrap="square" lIns="36576" tIns="18288" rIns="36576" bIns="18288" anchor="ctr" anchorCtr="1">
-      <a:spAutoFit/>
-    </cs:bodyPr>
-  </cs:dataLabelCallout>
-  <cs:dataPoint>
-    <cs:lnRef idx="0"/>
-    <cs:fillRef idx="1">
-      <cs:styleClr val="auto"/>
-    </cs:fillRef>
-    <cs:effectRef idx="0"/>
-    <cs:fontRef idx="minor">
-      <a:schemeClr val="tx1"/>
-    </cs:fontRef>
-    <cs:spPr>
-      <a:ln w="19050">
-        <a:solidFill>
-          <a:schemeClr val="lt1"/>
-        </a:solidFill>
-      </a:ln>
-    </cs:spPr>
-  </cs:dataPoint>
-  <cs:dataPoint3D>
-    <cs:lnRef idx="0"/>
-    <cs:fillRef idx="1">
-      <cs:styleClr val="auto"/>
-    </cs:fillRef>
-    <cs:effectRef idx="0"/>
-    <cs:fontRef idx="minor">
-      <a:schemeClr val="tx1"/>
-    </cs:fontRef>
-    <cs:spPr>
-      <a:ln w="25400">
-        <a:solidFill>
-          <a:schemeClr val="lt1"/>
-        </a:solidFill>
-      </a:ln>
-    </cs:spPr>
-  </cs:dataPoint3D>
-  <cs:dataPointLine>
-    <cs:lnRef idx="0">
-      <cs:styleClr val="auto"/>
-    </cs:lnRef>
-    <cs:fillRef idx="0"/>
-    <cs:effectRef idx="0"/>
-    <cs:fontRef idx="minor">
-      <a:schemeClr val="tx1"/>
-    </cs:fontRef>
-    <cs:spPr>
-      <a:ln w="28575" cap="rnd">
-        <a:solidFill>
-          <a:schemeClr val="phClr"/>
-        </a:solidFill>
-        <a:round/>
-      </a:ln>
-    </cs:spPr>
-  </cs:dataPointLine>
-  <cs:dataPointMarker>
-    <cs:lnRef idx="0">
-      <cs:styleClr val="auto"/>
-    </cs:lnRef>
-    <cs:fillRef idx="1">
-      <cs:styleClr val="auto"/>
-    </cs:fillRef>
-    <cs:effectRef idx="0"/>
-    <cs:fontRef idx="minor">
-      <a:schemeClr val="tx1"/>
-    </cs:fontRef>
-    <cs:spPr>
-      <a:ln w="9525">
-        <a:solidFill>
-          <a:schemeClr val="phClr"/>
-        </a:solidFill>
-      </a:ln>
-    </cs:spPr>
-  </cs:dataPointMarker>
-  <cs:dataPointMarkerLayout symbol="circle" size="5"/>
-  <cs:dataPointWireframe>
-    <cs:lnRef idx="0">
-      <cs:styleClr val="auto"/>
-    </cs:lnRef>
-    <cs:fillRef idx="0"/>
-    <cs:effectRef idx="0"/>
-    <cs:fontRef idx="minor">
-      <a:schemeClr val="tx1"/>
-    </cs:fontRef>
-    <cs:spPr>
-      <a:ln w="9525" cap="rnd">
-        <a:solidFill>
-          <a:schemeClr val="phClr"/>
-        </a:solidFill>
-        <a:round/>
-      </a:ln>
-    </cs:spPr>
-  </cs:dataPointWireframe>
-  <cs:dataTable>
-    <cs:lnRef idx="0"/>
-    <cs:fillRef idx="0"/>
-    <cs:effectRef idx="0"/>
-    <cs:fontRef idx="minor">
-      <a:schemeClr val="tx1">
-        <a:lumMod val="65000"/>
-        <a:lumOff val="35000"/>
-      </a:schemeClr>
-    </cs:fontRef>
-    <cs:spPr>
-      <a:noFill/>
-      <a:ln w="9525" cap="flat" cmpd="sng" algn="ctr">
-        <a:solidFill>
-          <a:schemeClr val="tx1">
-            <a:lumMod val="15000"/>
-            <a:lumOff val="85000"/>
-          </a:schemeClr>
-        </a:solidFill>
-        <a:round/>
-      </a:ln>
-    </cs:spPr>
-    <cs:defRPr sz="1197" kern="1200"/>
-  </cs:dataTable>
-  <cs:downBar>
-    <cs:lnRef idx="0"/>
-    <cs:fillRef idx="0"/>
-    <cs:effectRef idx="0"/>
-    <cs:fontRef idx="minor">
-      <a:schemeClr val="tx1"/>
-    </cs:fontRef>
-    <cs:spPr>
-      <a:solidFill>
-        <a:schemeClr val="dk1">
-          <a:lumMod val="75000"/>
-          <a:lumOff val="25000"/>
-        </a:schemeClr>
-      </a:solidFill>
-      <a:ln w="9525" cap="flat" cmpd="sng" algn="ctr">
-        <a:solidFill>
-          <a:schemeClr val="tx1">
-            <a:lumMod val="65000"/>
-            <a:lumOff val="35000"/>
-          </a:schemeClr>
-        </a:solidFill>
-        <a:round/>
-      </a:ln>
-    </cs:spPr>
-  </cs:downBar>
-  <cs:dropLine>
-    <cs:lnRef idx="0"/>
-    <cs:fillRef idx="0"/>
-    <cs:effectRef idx="0"/>
-    <cs:fontRef idx="minor">
-      <a:schemeClr val="tx1"/>
-    </cs:fontRef>
-    <cs:spPr>
-      <a:ln w="9525" cap="flat" cmpd="sng" algn="ctr">
-        <a:solidFill>
-          <a:schemeClr val="tx1">
-            <a:lumMod val="35000"/>
-            <a:lumOff val="65000"/>
-          </a:schemeClr>
-        </a:solidFill>
-        <a:round/>
-      </a:ln>
-    </cs:spPr>
-  </cs:dropLine>
-  <cs:errorBar>
-    <cs:lnRef idx="0"/>
-    <cs:fillRef idx="0"/>
-    <cs:effectRef idx="0"/>
-    <cs:fontRef idx="minor">
-      <a:schemeClr val="tx1"/>
-    </cs:fontRef>
-    <cs:spPr>
-      <a:ln w="9525" cap="flat" cmpd="sng" algn="ctr">
-        <a:solidFill>
-          <a:schemeClr val="tx1">
-            <a:lumMod val="65000"/>
-            <a:lumOff val="35000"/>
-          </a:schemeClr>
-        </a:solidFill>
-        <a:round/>
-      </a:ln>
-    </cs:spPr>
-  </cs:errorBar>
-  <cs:floor>
-    <cs:lnRef idx="0"/>
-    <cs:fillRef idx="0"/>
-    <cs:effectRef idx="0"/>
-    <cs:fontRef idx="minor">
-      <a:schemeClr val="tx1"/>
-    </cs:fontRef>
-    <cs:spPr>
-      <a:noFill/>
-      <a:ln>
-        <a:noFill/>
-      </a:ln>
-    </cs:spPr>
-  </cs:floor>
-  <cs:gridlineMajor>
-    <cs:lnRef idx="0"/>
-    <cs:fillRef idx="0"/>
-    <cs:effectRef idx="0"/>
-    <cs:fontRef idx="minor">
-      <a:schemeClr val="tx1"/>
-    </cs:fontRef>
-    <cs:spPr>
-      <a:ln w="9525" cap="flat" cmpd="sng" algn="ctr">
-        <a:solidFill>
-          <a:schemeClr val="tx1">
-            <a:lumMod val="15000"/>
-            <a:lumOff val="85000"/>
-          </a:schemeClr>
-        </a:solidFill>
-        <a:round/>
-      </a:ln>
-    </cs:spPr>
-  </cs:gridlineMajor>
-  <cs:gridlineMinor>
-    <cs:lnRef idx="0"/>
-    <cs:fillRef idx="0"/>
-    <cs:effectRef idx="0"/>
-    <cs:fontRef idx="minor">
-      <a:schemeClr val="tx1"/>
-    </cs:fontRef>
-    <cs:spPr>
-      <a:ln w="9525" cap="flat" cmpd="sng" algn="ctr">
-        <a:solidFill>
-          <a:schemeClr val="tx1">
-            <a:lumMod val="5000"/>
-            <a:lumOff val="95000"/>
-          </a:schemeClr>
-        </a:solidFill>
-        <a:round/>
-      </a:ln>
-    </cs:spPr>
-  </cs:gridlineMinor>
-  <cs:hiLoLine>
-    <cs:lnRef idx="0"/>
-    <cs:fillRef idx="0"/>
-    <cs:effectRef idx="0"/>
-    <cs:fontRef idx="minor">
-      <a:schemeClr val="tx1"/>
-    </cs:fontRef>
-    <cs:spPr>
-      <a:ln w="9525" cap="flat" cmpd="sng" algn="ctr">
-        <a:solidFill>
-          <a:schemeClr val="tx1">
-            <a:lumMod val="50000"/>
-            <a:lumOff val="50000"/>
-          </a:schemeClr>
-        </a:solidFill>
-        <a:round/>
-      </a:ln>
-    </cs:spPr>
-  </cs:hiLoLine>
-  <cs:leaderLine>
-    <cs:lnRef idx="0"/>
-    <cs:fillRef idx="0"/>
-    <cs:effectRef idx="0"/>
-    <cs:fontRef idx="minor">
-      <a:schemeClr val="tx1"/>
-    </cs:fontRef>
-    <cs:spPr>
-      <a:ln w="9525" cap="flat" cmpd="sng" algn="ctr">
-        <a:solidFill>
-          <a:schemeClr val="tx1">
-            <a:lumMod val="35000"/>
-            <a:lumOff val="65000"/>
-          </a:schemeClr>
-        </a:solidFill>
-        <a:round/>
-      </a:ln>
-    </cs:spPr>
-  </cs:leaderLine>
-  <cs:legend>
-    <cs:lnRef idx="0"/>
-    <cs:fillRef idx="0"/>
-    <cs:effectRef idx="0"/>
-    <cs:fontRef idx="minor">
-      <a:schemeClr val="tx1">
-        <a:lumMod val="65000"/>
-        <a:lumOff val="35000"/>
-      </a:schemeClr>
-    </cs:fontRef>
-    <cs:defRPr sz="1197" kern="1200"/>
-  </cs:legend>
-  <cs:plotArea mods="allowNoFillOverride allowNoLineOverride">
-    <cs:lnRef idx="0"/>
-    <cs:fillRef idx="0"/>
-    <cs:effectRef idx="0"/>
-    <cs:fontRef idx="minor">
-      <a:schemeClr val="tx1"/>
-    </cs:fontRef>
-  </cs:plotArea>
-  <cs:plotArea3D mods="allowNoFillOverride allowNoLineOverride">
-    <cs:lnRef idx="0"/>
-    <cs:fillRef idx="0"/>
-    <cs:effectRef idx="0"/>
-    <cs:fontRef idx="minor">
-      <a:schemeClr val="tx1"/>
-    </cs:fontRef>
-  </cs:plotArea3D>
-  <cs:seriesAxis>
-    <cs:lnRef idx="0"/>
-    <cs:fillRef idx="0"/>
-    <cs:effectRef idx="0"/>
-    <cs:fontRef idx="minor">
-      <a:schemeClr val="tx1">
-        <a:lumMod val="65000"/>
-        <a:lumOff val="35000"/>
-      </a:schemeClr>
-    </cs:fontRef>
-    <cs:defRPr sz="1197" kern="1200"/>
-  </cs:seriesAxis>
-  <cs:seriesLine>
-    <cs:lnRef idx="0"/>
-    <cs:fillRef idx="0"/>
-    <cs:effectRef idx="0"/>
-    <cs:fontRef idx="minor">
-      <a:schemeClr val="tx1"/>
-    </cs:fontRef>
-    <cs:spPr>
-      <a:ln w="9525" cap="flat" cmpd="sng" algn="ctr">
-        <a:solidFill>
-          <a:schemeClr val="tx1">
-            <a:lumMod val="35000"/>
-            <a:lumOff val="65000"/>
-          </a:schemeClr>
-        </a:solidFill>
-        <a:round/>
-      </a:ln>
-    </cs:spPr>
-  </cs:seriesLine>
-  <cs:title>
-    <cs:lnRef idx="0"/>
-    <cs:fillRef idx="0"/>
-    <cs:effectRef idx="0"/>
-    <cs:fontRef idx="minor">
-      <a:schemeClr val="tx1">
-        <a:lumMod val="65000"/>
-        <a:lumOff val="35000"/>
-      </a:schemeClr>
-    </cs:fontRef>
-    <cs:defRPr sz="1862" b="0" kern="1200" spc="0" baseline="0"/>
-  </cs:title>
-  <cs:trendline>
-    <cs:lnRef idx="0">
-      <cs:styleClr val="auto"/>
-    </cs:lnRef>
-    <cs:fillRef idx="0"/>
-    <cs:effectRef idx="0"/>
-    <cs:fontRef idx="minor">
-      <a:schemeClr val="tx1"/>
-    </cs:fontRef>
-    <cs:spPr>
-      <a:ln w="19050" cap="rnd">
-        <a:solidFill>
-          <a:schemeClr val="phClr"/>
-        </a:solidFill>
-        <a:prstDash val="sysDot"/>
-      </a:ln>
-    </cs:spPr>
-  </cs:trendline>
-  <cs:trendlineLabel>
-    <cs:lnRef idx="0"/>
-    <cs:fillRef idx="0"/>
-    <cs:effectRef idx="0"/>
-    <cs:fontRef idx="minor">
-      <a:schemeClr val="tx1">
-        <a:lumMod val="65000"/>
-        <a:lumOff val="35000"/>
-      </a:schemeClr>
-    </cs:fontRef>
-    <cs:defRPr sz="1197" kern="1200"/>
-  </cs:trendlineLabel>
-  <cs:upBar>
-    <cs:lnRef idx="0"/>
-    <cs:fillRef idx="0"/>
-    <cs:effectRef idx="0"/>
-    <cs:fontRef idx="minor">
-      <a:schemeClr val="tx1"/>
-    </cs:fontRef>
-    <cs:spPr>
-      <a:solidFill>
-        <a:schemeClr val="lt1"/>
-      </a:solidFill>
-      <a:ln w="9525" cap="flat" cmpd="sng" algn="ctr">
-        <a:solidFill>
-          <a:schemeClr val="tx1">
-            <a:lumMod val="65000"/>
-            <a:lumOff val="35000"/>
-          </a:schemeClr>
-        </a:solidFill>
-        <a:round/>
-      </a:ln>
-    </cs:spPr>
-  </cs:upBar>
-  <cs:valueAxis>
-    <cs:lnRef idx="0"/>
-    <cs:fillRef idx="0"/>
-    <cs:effectRef idx="0"/>
-    <cs:fontRef idx="minor">
-      <a:schemeClr val="tx1">
-        <a:lumMod val="65000"/>
-        <a:lumOff val="35000"/>
-      </a:schemeClr>
-    </cs:fontRef>
-    <cs:defRPr sz="1197" kern="1200"/>
-  </cs:valueAxis>
-  <cs:wall>
-    <cs:lnRef idx="0"/>
-    <cs:fillRef idx="0"/>
-    <cs:effectRef idx="0"/>
-    <cs:fontRef idx="minor">
-      <a:schemeClr val="tx1"/>
-    </cs:fontRef>
-    <cs:spPr>
-      <a:noFill/>
-      <a:ln>
-        <a:noFill/>
-      </a:ln>
-    </cs:spPr>
-  </cs:wall>
-</cs:chartStyle>
-</file>
-
-<file path=ppt/charts/style10.xml><?xml version="1.0" encoding="utf-8"?>
-<cs:chartStyle xmlns:cs="http://schemas.microsoft.com/office/drawing/2012/chartStyle" xmlns:a="http://schemas.openxmlformats.org/drawingml/2006/main" id="251">
-  <cs:axisTitle>
-    <cs:lnRef idx="0"/>
-    <cs:fillRef idx="0"/>
-    <cs:effectRef idx="0"/>
-    <cs:fontRef idx="minor">
-      <a:schemeClr val="tx1">
-        <a:lumMod val="65000"/>
-        <a:lumOff val="35000"/>
-      </a:schemeClr>
-    </cs:fontRef>
-    <cs:defRPr sz="1330" kern="1200"/>
-  </cs:axisTitle>
-  <cs:categoryAxis>
-    <cs:lnRef idx="0"/>
-    <cs:fillRef idx="0"/>
-    <cs:effectRef idx="0"/>
-    <cs:fontRef idx="minor">
-      <a:schemeClr val="tx1">
-        <a:lumMod val="65000"/>
-        <a:lumOff val="35000"/>
-      </a:schemeClr>
-    </cs:fontRef>
-    <cs:spPr>
-      <a:ln w="9525" cap="flat" cmpd="sng" algn="ctr">
-        <a:solidFill>
-          <a:schemeClr val="tx1">
-            <a:lumMod val="15000"/>
-            <a:lumOff val="85000"/>
-          </a:schemeClr>
-        </a:solidFill>
-        <a:round/>
-      </a:ln>
-    </cs:spPr>
-    <cs:defRPr sz="1197" kern="1200"/>
-  </cs:categoryAxis>
-  <cs:chartArea mods="allowNoFillOverride allowNoLineOverride">
-    <cs:lnRef idx="0"/>
-    <cs:fillRef idx="0"/>
-    <cs:effectRef idx="0"/>
-    <cs:fontRef idx="minor">
-      <a:schemeClr val="tx1"/>
-    </cs:fontRef>
-    <cs:spPr>
-      <a:solidFill>
-        <a:schemeClr val="bg1"/>
-      </a:solidFill>
-      <a:ln w="9525" cap="flat" cmpd="sng" algn="ctr">
-        <a:solidFill>
-          <a:schemeClr val="tx1">
-            <a:lumMod val="15000"/>
-            <a:lumOff val="85000"/>
-          </a:schemeClr>
-        </a:solidFill>
-        <a:round/>
-      </a:ln>
-    </cs:spPr>
-    <cs:defRPr sz="1197" kern="1200"/>
-  </cs:chartArea>
-  <cs:dataLabel>
-    <cs:lnRef idx="0"/>
-    <cs:fillRef idx="0"/>
-    <cs:effectRef idx="0"/>
-    <cs:fontRef idx="minor">
-      <a:schemeClr val="tx1">
-        <a:lumMod val="75000"/>
-        <a:lumOff val="25000"/>
-      </a:schemeClr>
-    </cs:fontRef>
-    <cs:defRPr sz="1197" kern="1200"/>
-  </cs:dataLabel>
-  <cs:dataLabelCallout>
-    <cs:lnRef idx="0"/>
-    <cs:fillRef idx="0"/>
-    <cs:effectRef idx="0"/>
-    <cs:fontRef idx="minor">
-      <a:schemeClr val="dk1">
-        <a:lumMod val="65000"/>
-        <a:lumOff val="35000"/>
-      </a:schemeClr>
-    </cs:fontRef>
-    <cs:spPr>
-      <a:solidFill>
-        <a:schemeClr val="lt1"/>
-      </a:solidFill>
-      <a:ln>
-        <a:solidFill>
-          <a:schemeClr val="dk1">
-            <a:lumMod val="25000"/>
-            <a:lumOff val="75000"/>
-          </a:schemeClr>
-        </a:solidFill>
-      </a:ln>
-    </cs:spPr>
-    <cs:defRPr sz="1197" kern="1200"/>
-    <cs:bodyPr rot="0" spcFirstLastPara="1" vertOverflow="clip" horzOverflow="clip" vert="horz" wrap="square" lIns="36576" tIns="18288" rIns="36576" bIns="18288" anchor="ctr" anchorCtr="1">
-      <a:spAutoFit/>
-    </cs:bodyPr>
-  </cs:dataLabelCallout>
-  <cs:dataPoint>
-    <cs:lnRef idx="0"/>
-    <cs:fillRef idx="1">
-      <cs:styleClr val="auto"/>
-    </cs:fillRef>
-    <cs:effectRef idx="0"/>
-    <cs:fontRef idx="minor">
-      <a:schemeClr val="tx1"/>
-    </cs:fontRef>
-    <cs:spPr>
-      <a:ln w="19050">
-        <a:solidFill>
-          <a:schemeClr val="lt1"/>
-        </a:solidFill>
-      </a:ln>
-    </cs:spPr>
-  </cs:dataPoint>
-  <cs:dataPoint3D>
-    <cs:lnRef idx="0"/>
-    <cs:fillRef idx="1">
-      <cs:styleClr val="auto"/>
-    </cs:fillRef>
-    <cs:effectRef idx="0"/>
-    <cs:fontRef idx="minor">
-      <a:schemeClr val="tx1"/>
-    </cs:fontRef>
-    <cs:spPr>
-      <a:ln w="25400">
-        <a:solidFill>
-          <a:schemeClr val="lt1"/>
-        </a:solidFill>
-      </a:ln>
-    </cs:spPr>
-  </cs:dataPoint3D>
-  <cs:dataPointLine>
-    <cs:lnRef idx="0">
-      <cs:styleClr val="auto"/>
-    </cs:lnRef>
-    <cs:fillRef idx="0"/>
-    <cs:effectRef idx="0"/>
-    <cs:fontRef idx="minor">
-      <a:schemeClr val="tx1"/>
-    </cs:fontRef>
-    <cs:spPr>
-      <a:ln w="28575" cap="rnd">
-        <a:solidFill>
-          <a:schemeClr val="phClr"/>
-        </a:solidFill>
-        <a:round/>
-      </a:ln>
-    </cs:spPr>
-  </cs:dataPointLine>
-  <cs:dataPointMarker>
-    <cs:lnRef idx="0">
-      <cs:styleClr val="auto"/>
-    </cs:lnRef>
-    <cs:fillRef idx="1">
-      <cs:styleClr val="auto"/>
-    </cs:fillRef>
-    <cs:effectRef idx="0"/>
-    <cs:fontRef idx="minor">
-      <a:schemeClr val="tx1"/>
-    </cs:fontRef>
-    <cs:spPr>
-      <a:ln w="9525">
-        <a:solidFill>
-          <a:schemeClr val="phClr"/>
-        </a:solidFill>
-      </a:ln>
-    </cs:spPr>
-  </cs:dataPointMarker>
-  <cs:dataPointMarkerLayout symbol="circle" size="5"/>
-  <cs:dataPointWireframe>
-    <cs:lnRef idx="0">
-      <cs:styleClr val="auto"/>
-    </cs:lnRef>
-    <cs:fillRef idx="0"/>
-    <cs:effectRef idx="0"/>
-    <cs:fontRef idx="minor">
-      <a:schemeClr val="tx1"/>
-    </cs:fontRef>
-    <cs:spPr>
-      <a:ln w="9525" cap="rnd">
-        <a:solidFill>
-          <a:schemeClr val="phClr"/>
-        </a:solidFill>
-        <a:round/>
-      </a:ln>
-    </cs:spPr>
-  </cs:dataPointWireframe>
-  <cs:dataTable>
-    <cs:lnRef idx="0"/>
-    <cs:fillRef idx="0"/>
-    <cs:effectRef idx="0"/>
-    <cs:fontRef idx="minor">
-      <a:schemeClr val="tx1">
-        <a:lumMod val="65000"/>
-        <a:lumOff val="35000"/>
-      </a:schemeClr>
-    </cs:fontRef>
-    <cs:spPr>
-      <a:noFill/>
-      <a:ln w="9525" cap="flat" cmpd="sng" algn="ctr">
-        <a:solidFill>
-          <a:schemeClr val="tx1">
-            <a:lumMod val="15000"/>
-            <a:lumOff val="85000"/>
-          </a:schemeClr>
-        </a:solidFill>
-        <a:round/>
-      </a:ln>
-    </cs:spPr>
-    <cs:defRPr sz="1197" kern="1200"/>
-  </cs:dataTable>
-  <cs:downBar>
-    <cs:lnRef idx="0"/>
-    <cs:fillRef idx="0"/>
-    <cs:effectRef idx="0"/>
-    <cs:fontRef idx="minor">
-      <a:schemeClr val="tx1"/>
-    </cs:fontRef>
-    <cs:spPr>
-      <a:solidFill>
-        <a:schemeClr val="dk1">
-          <a:lumMod val="75000"/>
-          <a:lumOff val="25000"/>
-        </a:schemeClr>
-      </a:solidFill>
-      <a:ln w="9525" cap="flat" cmpd="sng" algn="ctr">
-        <a:solidFill>
-          <a:schemeClr val="tx1">
-            <a:lumMod val="65000"/>
-            <a:lumOff val="35000"/>
-          </a:schemeClr>
-        </a:solidFill>
-        <a:round/>
-      </a:ln>
-    </cs:spPr>
-  </cs:downBar>
-  <cs:dropLine>
-    <cs:lnRef idx="0"/>
-    <cs:fillRef idx="0"/>
-    <cs:effectRef idx="0"/>
-    <cs:fontRef idx="minor">
-      <a:schemeClr val="tx1"/>
-    </cs:fontRef>
-    <cs:spPr>
-      <a:ln w="9525" cap="flat" cmpd="sng" algn="ctr">
-        <a:solidFill>
-          <a:schemeClr val="tx1">
-            <a:lumMod val="35000"/>
-            <a:lumOff val="65000"/>
-          </a:schemeClr>
-        </a:solidFill>
-        <a:round/>
-      </a:ln>
-    </cs:spPr>
-  </cs:dropLine>
-  <cs:errorBar>
-    <cs:lnRef idx="0"/>
-    <cs:fillRef idx="0"/>
-    <cs:effectRef idx="0"/>
-    <cs:fontRef idx="minor">
-      <a:schemeClr val="tx1"/>
-    </cs:fontRef>
-    <cs:spPr>
-      <a:ln w="9525" cap="flat" cmpd="sng" algn="ctr">
-        <a:solidFill>
-          <a:schemeClr val="tx1">
-            <a:lumMod val="65000"/>
-            <a:lumOff val="35000"/>
-          </a:schemeClr>
-        </a:solidFill>
-        <a:round/>
-      </a:ln>
-    </cs:spPr>
-  </cs:errorBar>
-  <cs:floor>
-    <cs:lnRef idx="0"/>
-    <cs:fillRef idx="0"/>
-    <cs:effectRef idx="0"/>
-    <cs:fontRef idx="minor">
-      <a:schemeClr val="tx1"/>
-    </cs:fontRef>
-    <cs:spPr>
-      <a:noFill/>
-      <a:ln>
-        <a:noFill/>
-      </a:ln>
-    </cs:spPr>
-  </cs:floor>
-  <cs:gridlineMajor>
-    <cs:lnRef idx="0"/>
-    <cs:fillRef idx="0"/>
-    <cs:effectRef idx="0"/>
-    <cs:fontRef idx="minor">
-      <a:schemeClr val="tx1"/>
-    </cs:fontRef>
-    <cs:spPr>
-      <a:ln w="9525" cap="flat" cmpd="sng" algn="ctr">
-        <a:solidFill>
-          <a:schemeClr val="tx1">
-            <a:lumMod val="15000"/>
-            <a:lumOff val="85000"/>
-          </a:schemeClr>
-        </a:solidFill>
-        <a:round/>
-      </a:ln>
-    </cs:spPr>
-  </cs:gridlineMajor>
-  <cs:gridlineMinor>
-    <cs:lnRef idx="0"/>
-    <cs:fillRef idx="0"/>
-    <cs:effectRef idx="0"/>
-    <cs:fontRef idx="minor">
-      <a:schemeClr val="tx1"/>
-    </cs:fontRef>
-    <cs:spPr>
-      <a:ln w="9525" cap="flat" cmpd="sng" algn="ctr">
-        <a:solidFill>
-          <a:schemeClr val="tx1">
-            <a:lumMod val="5000"/>
-            <a:lumOff val="95000"/>
-          </a:schemeClr>
-        </a:solidFill>
-        <a:round/>
-      </a:ln>
-    </cs:spPr>
-  </cs:gridlineMinor>
-  <cs:hiLoLine>
-    <cs:lnRef idx="0"/>
-    <cs:fillRef idx="0"/>
-    <cs:effectRef idx="0"/>
-    <cs:fontRef idx="minor">
-      <a:schemeClr val="tx1"/>
-    </cs:fontRef>
-    <cs:spPr>
-      <a:ln w="9525" cap="flat" cmpd="sng" algn="ctr">
-        <a:solidFill>
-          <a:schemeClr val="tx1">
-            <a:lumMod val="50000"/>
-            <a:lumOff val="50000"/>
-          </a:schemeClr>
-        </a:solidFill>
-        <a:round/>
-      </a:ln>
-    </cs:spPr>
-  </cs:hiLoLine>
-  <cs:leaderLine>
-    <cs:lnRef idx="0"/>
-    <cs:fillRef idx="0"/>
-    <cs:effectRef idx="0"/>
-    <cs:fontRef idx="minor">
-      <a:schemeClr val="tx1"/>
-    </cs:fontRef>
-    <cs:spPr>
-      <a:ln w="9525" cap="flat" cmpd="sng" algn="ctr">
-        <a:solidFill>
-          <a:schemeClr val="tx1">
-            <a:lumMod val="35000"/>
-            <a:lumOff val="65000"/>
-          </a:schemeClr>
-        </a:solidFill>
-        <a:round/>
-      </a:ln>
-    </cs:spPr>
-  </cs:leaderLine>
-  <cs:legend>
-    <cs:lnRef idx="0"/>
-    <cs:fillRef idx="0"/>
-    <cs:effectRef idx="0"/>
-    <cs:fontRef idx="minor">
-      <a:schemeClr val="tx1">
-        <a:lumMod val="65000"/>
-        <a:lumOff val="35000"/>
-      </a:schemeClr>
-    </cs:fontRef>
-    <cs:defRPr sz="1197" kern="1200"/>
-  </cs:legend>
-  <cs:plotArea mods="allowNoFillOverride allowNoLineOverride">
-    <cs:lnRef idx="0"/>
-    <cs:fillRef idx="0"/>
-    <cs:effectRef idx="0"/>
-    <cs:fontRef idx="minor">
-      <a:schemeClr val="tx1"/>
-    </cs:fontRef>
-  </cs:plotArea>
-  <cs:plotArea3D mods="allowNoFillOverride allowNoLineOverride">
-    <cs:lnRef idx="0"/>
-    <cs:fillRef idx="0"/>
-    <cs:effectRef idx="0"/>
-    <cs:fontRef idx="minor">
-      <a:schemeClr val="tx1"/>
-    </cs:fontRef>
-  </cs:plotArea3D>
-  <cs:seriesAxis>
-    <cs:lnRef idx="0"/>
-    <cs:fillRef idx="0"/>
-    <cs:effectRef idx="0"/>
-    <cs:fontRef idx="minor">
-      <a:schemeClr val="tx1">
-        <a:lumMod val="65000"/>
-        <a:lumOff val="35000"/>
-      </a:schemeClr>
-    </cs:fontRef>
-    <cs:defRPr sz="1197" kern="1200"/>
-  </cs:seriesAxis>
-  <cs:seriesLine>
-    <cs:lnRef idx="0"/>
-    <cs:fillRef idx="0"/>
-    <cs:effectRef idx="0"/>
-    <cs:fontRef idx="minor">
-      <a:schemeClr val="tx1"/>
-    </cs:fontRef>
-    <cs:spPr>
-      <a:ln w="9525" cap="flat" cmpd="sng" algn="ctr">
-        <a:solidFill>
-          <a:schemeClr val="tx1">
-            <a:lumMod val="35000"/>
-            <a:lumOff val="65000"/>
-          </a:schemeClr>
-        </a:solidFill>
-        <a:round/>
-      </a:ln>
-    </cs:spPr>
-  </cs:seriesLine>
-  <cs:title>
-    <cs:lnRef idx="0"/>
-    <cs:fillRef idx="0"/>
-    <cs:effectRef idx="0"/>
-    <cs:fontRef idx="minor">
-      <a:schemeClr val="tx1">
-        <a:lumMod val="65000"/>
-        <a:lumOff val="35000"/>
-      </a:schemeClr>
-    </cs:fontRef>
-    <cs:defRPr sz="1862" b="0" kern="1200" spc="0" baseline="0"/>
-  </cs:title>
-  <cs:trendline>
-    <cs:lnRef idx="0">
-      <cs:styleClr val="auto"/>
-    </cs:lnRef>
-    <cs:fillRef idx="0"/>
-    <cs:effectRef idx="0"/>
-    <cs:fontRef idx="minor">
-      <a:schemeClr val="tx1"/>
-    </cs:fontRef>
-    <cs:spPr>
-      <a:ln w="19050" cap="rnd">
-        <a:solidFill>
-          <a:schemeClr val="phClr"/>
-        </a:solidFill>
-        <a:prstDash val="sysDot"/>
-      </a:ln>
-    </cs:spPr>
-  </cs:trendline>
-  <cs:trendlineLabel>
-    <cs:lnRef idx="0"/>
-    <cs:fillRef idx="0"/>
-    <cs:effectRef idx="0"/>
-    <cs:fontRef idx="minor">
-      <a:schemeClr val="tx1">
-        <a:lumMod val="65000"/>
-        <a:lumOff val="35000"/>
-      </a:schemeClr>
-    </cs:fontRef>
-    <cs:defRPr sz="1197" kern="1200"/>
-  </cs:trendlineLabel>
-  <cs:upBar>
-    <cs:lnRef idx="0"/>
-    <cs:fillRef idx="0"/>
-    <cs:effectRef idx="0"/>
-    <cs:fontRef idx="minor">
-      <a:schemeClr val="tx1"/>
-    </cs:fontRef>
-    <cs:spPr>
-      <a:solidFill>
-        <a:schemeClr val="lt1"/>
-      </a:solidFill>
-      <a:ln w="9525" cap="flat" cmpd="sng" algn="ctr">
-        <a:solidFill>
-          <a:schemeClr val="tx1">
-            <a:lumMod val="65000"/>
-            <a:lumOff val="35000"/>
-          </a:schemeClr>
-        </a:solidFill>
-        <a:round/>
-      </a:ln>
-    </cs:spPr>
-  </cs:upBar>
-  <cs:valueAxis>
-    <cs:lnRef idx="0"/>
-    <cs:fillRef idx="0"/>
-    <cs:effectRef idx="0"/>
-    <cs:fontRef idx="minor">
-      <a:schemeClr val="tx1">
-        <a:lumMod val="65000"/>
-        <a:lumOff val="35000"/>
-      </a:schemeClr>
-    </cs:fontRef>
-    <cs:defRPr sz="1197" kern="1200"/>
-  </cs:valueAxis>
-  <cs:wall>
-    <cs:lnRef idx="0"/>
-    <cs:fillRef idx="0"/>
-    <cs:effectRef idx="0"/>
-    <cs:fontRef idx="minor">
-      <a:schemeClr val="tx1"/>
-    </cs:fontRef>
-    <cs:spPr>
-      <a:noFill/>
-      <a:ln>
-        <a:noFill/>
-      </a:ln>
-    </cs:spPr>
-  </cs:wall>
-</cs:chartStyle>
-</file>
-
-<file path=ppt/charts/style11.xml><?xml version="1.0" encoding="utf-8"?>
 <cs:chartStyle xmlns:cs="http://schemas.microsoft.com/office/drawing/2012/chartStyle" xmlns:a="http://schemas.openxmlformats.org/drawingml/2006/main" id="251">
   <cs:axisTitle>
     <cs:lnRef idx="0"/>
@@ -6952,1563 +4722,6 @@
 </cs:chartStyle>
 </file>
 
-<file path=ppt/charts/style7.xml><?xml version="1.0" encoding="utf-8"?>
-<cs:chartStyle xmlns:cs="http://schemas.microsoft.com/office/drawing/2012/chartStyle" xmlns:a="http://schemas.openxmlformats.org/drawingml/2006/main" id="251">
-  <cs:axisTitle>
-    <cs:lnRef idx="0"/>
-    <cs:fillRef idx="0"/>
-    <cs:effectRef idx="0"/>
-    <cs:fontRef idx="minor">
-      <a:schemeClr val="tx1">
-        <a:lumMod val="65000"/>
-        <a:lumOff val="35000"/>
-      </a:schemeClr>
-    </cs:fontRef>
-    <cs:defRPr sz="1330" kern="1200"/>
-  </cs:axisTitle>
-  <cs:categoryAxis>
-    <cs:lnRef idx="0"/>
-    <cs:fillRef idx="0"/>
-    <cs:effectRef idx="0"/>
-    <cs:fontRef idx="minor">
-      <a:schemeClr val="tx1">
-        <a:lumMod val="65000"/>
-        <a:lumOff val="35000"/>
-      </a:schemeClr>
-    </cs:fontRef>
-    <cs:spPr>
-      <a:ln w="9525" cap="flat" cmpd="sng" algn="ctr">
-        <a:solidFill>
-          <a:schemeClr val="tx1">
-            <a:lumMod val="15000"/>
-            <a:lumOff val="85000"/>
-          </a:schemeClr>
-        </a:solidFill>
-        <a:round/>
-      </a:ln>
-    </cs:spPr>
-    <cs:defRPr sz="1197" kern="1200"/>
-  </cs:categoryAxis>
-  <cs:chartArea mods="allowNoFillOverride allowNoLineOverride">
-    <cs:lnRef idx="0"/>
-    <cs:fillRef idx="0"/>
-    <cs:effectRef idx="0"/>
-    <cs:fontRef idx="minor">
-      <a:schemeClr val="tx1"/>
-    </cs:fontRef>
-    <cs:spPr>
-      <a:solidFill>
-        <a:schemeClr val="bg1"/>
-      </a:solidFill>
-      <a:ln w="9525" cap="flat" cmpd="sng" algn="ctr">
-        <a:solidFill>
-          <a:schemeClr val="tx1">
-            <a:lumMod val="15000"/>
-            <a:lumOff val="85000"/>
-          </a:schemeClr>
-        </a:solidFill>
-        <a:round/>
-      </a:ln>
-    </cs:spPr>
-    <cs:defRPr sz="1197" kern="1200"/>
-  </cs:chartArea>
-  <cs:dataLabel>
-    <cs:lnRef idx="0"/>
-    <cs:fillRef idx="0"/>
-    <cs:effectRef idx="0"/>
-    <cs:fontRef idx="minor">
-      <a:schemeClr val="tx1">
-        <a:lumMod val="75000"/>
-        <a:lumOff val="25000"/>
-      </a:schemeClr>
-    </cs:fontRef>
-    <cs:defRPr sz="1197" kern="1200"/>
-  </cs:dataLabel>
-  <cs:dataLabelCallout>
-    <cs:lnRef idx="0"/>
-    <cs:fillRef idx="0"/>
-    <cs:effectRef idx="0"/>
-    <cs:fontRef idx="minor">
-      <a:schemeClr val="dk1">
-        <a:lumMod val="65000"/>
-        <a:lumOff val="35000"/>
-      </a:schemeClr>
-    </cs:fontRef>
-    <cs:spPr>
-      <a:solidFill>
-        <a:schemeClr val="lt1"/>
-      </a:solidFill>
-      <a:ln>
-        <a:solidFill>
-          <a:schemeClr val="dk1">
-            <a:lumMod val="25000"/>
-            <a:lumOff val="75000"/>
-          </a:schemeClr>
-        </a:solidFill>
-      </a:ln>
-    </cs:spPr>
-    <cs:defRPr sz="1197" kern="1200"/>
-    <cs:bodyPr rot="0" spcFirstLastPara="1" vertOverflow="clip" horzOverflow="clip" vert="horz" wrap="square" lIns="36576" tIns="18288" rIns="36576" bIns="18288" anchor="ctr" anchorCtr="1">
-      <a:spAutoFit/>
-    </cs:bodyPr>
-  </cs:dataLabelCallout>
-  <cs:dataPoint>
-    <cs:lnRef idx="0"/>
-    <cs:fillRef idx="1">
-      <cs:styleClr val="auto"/>
-    </cs:fillRef>
-    <cs:effectRef idx="0"/>
-    <cs:fontRef idx="minor">
-      <a:schemeClr val="tx1"/>
-    </cs:fontRef>
-    <cs:spPr>
-      <a:ln w="19050">
-        <a:solidFill>
-          <a:schemeClr val="lt1"/>
-        </a:solidFill>
-      </a:ln>
-    </cs:spPr>
-  </cs:dataPoint>
-  <cs:dataPoint3D>
-    <cs:lnRef idx="0"/>
-    <cs:fillRef idx="1">
-      <cs:styleClr val="auto"/>
-    </cs:fillRef>
-    <cs:effectRef idx="0"/>
-    <cs:fontRef idx="minor">
-      <a:schemeClr val="tx1"/>
-    </cs:fontRef>
-    <cs:spPr>
-      <a:ln w="25400">
-        <a:solidFill>
-          <a:schemeClr val="lt1"/>
-        </a:solidFill>
-      </a:ln>
-    </cs:spPr>
-  </cs:dataPoint3D>
-  <cs:dataPointLine>
-    <cs:lnRef idx="0">
-      <cs:styleClr val="auto"/>
-    </cs:lnRef>
-    <cs:fillRef idx="0"/>
-    <cs:effectRef idx="0"/>
-    <cs:fontRef idx="minor">
-      <a:schemeClr val="tx1"/>
-    </cs:fontRef>
-    <cs:spPr>
-      <a:ln w="28575" cap="rnd">
-        <a:solidFill>
-          <a:schemeClr val="phClr"/>
-        </a:solidFill>
-        <a:round/>
-      </a:ln>
-    </cs:spPr>
-  </cs:dataPointLine>
-  <cs:dataPointMarker>
-    <cs:lnRef idx="0">
-      <cs:styleClr val="auto"/>
-    </cs:lnRef>
-    <cs:fillRef idx="1">
-      <cs:styleClr val="auto"/>
-    </cs:fillRef>
-    <cs:effectRef idx="0"/>
-    <cs:fontRef idx="minor">
-      <a:schemeClr val="tx1"/>
-    </cs:fontRef>
-    <cs:spPr>
-      <a:ln w="9525">
-        <a:solidFill>
-          <a:schemeClr val="phClr"/>
-        </a:solidFill>
-      </a:ln>
-    </cs:spPr>
-  </cs:dataPointMarker>
-  <cs:dataPointMarkerLayout symbol="circle" size="5"/>
-  <cs:dataPointWireframe>
-    <cs:lnRef idx="0">
-      <cs:styleClr val="auto"/>
-    </cs:lnRef>
-    <cs:fillRef idx="0"/>
-    <cs:effectRef idx="0"/>
-    <cs:fontRef idx="minor">
-      <a:schemeClr val="tx1"/>
-    </cs:fontRef>
-    <cs:spPr>
-      <a:ln w="9525" cap="rnd">
-        <a:solidFill>
-          <a:schemeClr val="phClr"/>
-        </a:solidFill>
-        <a:round/>
-      </a:ln>
-    </cs:spPr>
-  </cs:dataPointWireframe>
-  <cs:dataTable>
-    <cs:lnRef idx="0"/>
-    <cs:fillRef idx="0"/>
-    <cs:effectRef idx="0"/>
-    <cs:fontRef idx="minor">
-      <a:schemeClr val="tx1">
-        <a:lumMod val="65000"/>
-        <a:lumOff val="35000"/>
-      </a:schemeClr>
-    </cs:fontRef>
-    <cs:spPr>
-      <a:noFill/>
-      <a:ln w="9525" cap="flat" cmpd="sng" algn="ctr">
-        <a:solidFill>
-          <a:schemeClr val="tx1">
-            <a:lumMod val="15000"/>
-            <a:lumOff val="85000"/>
-          </a:schemeClr>
-        </a:solidFill>
-        <a:round/>
-      </a:ln>
-    </cs:spPr>
-    <cs:defRPr sz="1197" kern="1200"/>
-  </cs:dataTable>
-  <cs:downBar>
-    <cs:lnRef idx="0"/>
-    <cs:fillRef idx="0"/>
-    <cs:effectRef idx="0"/>
-    <cs:fontRef idx="minor">
-      <a:schemeClr val="tx1"/>
-    </cs:fontRef>
-    <cs:spPr>
-      <a:solidFill>
-        <a:schemeClr val="dk1">
-          <a:lumMod val="75000"/>
-          <a:lumOff val="25000"/>
-        </a:schemeClr>
-      </a:solidFill>
-      <a:ln w="9525" cap="flat" cmpd="sng" algn="ctr">
-        <a:solidFill>
-          <a:schemeClr val="tx1">
-            <a:lumMod val="65000"/>
-            <a:lumOff val="35000"/>
-          </a:schemeClr>
-        </a:solidFill>
-        <a:round/>
-      </a:ln>
-    </cs:spPr>
-  </cs:downBar>
-  <cs:dropLine>
-    <cs:lnRef idx="0"/>
-    <cs:fillRef idx="0"/>
-    <cs:effectRef idx="0"/>
-    <cs:fontRef idx="minor">
-      <a:schemeClr val="tx1"/>
-    </cs:fontRef>
-    <cs:spPr>
-      <a:ln w="9525" cap="flat" cmpd="sng" algn="ctr">
-        <a:solidFill>
-          <a:schemeClr val="tx1">
-            <a:lumMod val="35000"/>
-            <a:lumOff val="65000"/>
-          </a:schemeClr>
-        </a:solidFill>
-        <a:round/>
-      </a:ln>
-    </cs:spPr>
-  </cs:dropLine>
-  <cs:errorBar>
-    <cs:lnRef idx="0"/>
-    <cs:fillRef idx="0"/>
-    <cs:effectRef idx="0"/>
-    <cs:fontRef idx="minor">
-      <a:schemeClr val="tx1"/>
-    </cs:fontRef>
-    <cs:spPr>
-      <a:ln w="9525" cap="flat" cmpd="sng" algn="ctr">
-        <a:solidFill>
-          <a:schemeClr val="tx1">
-            <a:lumMod val="65000"/>
-            <a:lumOff val="35000"/>
-          </a:schemeClr>
-        </a:solidFill>
-        <a:round/>
-      </a:ln>
-    </cs:spPr>
-  </cs:errorBar>
-  <cs:floor>
-    <cs:lnRef idx="0"/>
-    <cs:fillRef idx="0"/>
-    <cs:effectRef idx="0"/>
-    <cs:fontRef idx="minor">
-      <a:schemeClr val="tx1"/>
-    </cs:fontRef>
-    <cs:spPr>
-      <a:noFill/>
-      <a:ln>
-        <a:noFill/>
-      </a:ln>
-    </cs:spPr>
-  </cs:floor>
-  <cs:gridlineMajor>
-    <cs:lnRef idx="0"/>
-    <cs:fillRef idx="0"/>
-    <cs:effectRef idx="0"/>
-    <cs:fontRef idx="minor">
-      <a:schemeClr val="tx1"/>
-    </cs:fontRef>
-    <cs:spPr>
-      <a:ln w="9525" cap="flat" cmpd="sng" algn="ctr">
-        <a:solidFill>
-          <a:schemeClr val="tx1">
-            <a:lumMod val="15000"/>
-            <a:lumOff val="85000"/>
-          </a:schemeClr>
-        </a:solidFill>
-        <a:round/>
-      </a:ln>
-    </cs:spPr>
-  </cs:gridlineMajor>
-  <cs:gridlineMinor>
-    <cs:lnRef idx="0"/>
-    <cs:fillRef idx="0"/>
-    <cs:effectRef idx="0"/>
-    <cs:fontRef idx="minor">
-      <a:schemeClr val="tx1"/>
-    </cs:fontRef>
-    <cs:spPr>
-      <a:ln w="9525" cap="flat" cmpd="sng" algn="ctr">
-        <a:solidFill>
-          <a:schemeClr val="tx1">
-            <a:lumMod val="5000"/>
-            <a:lumOff val="95000"/>
-          </a:schemeClr>
-        </a:solidFill>
-        <a:round/>
-      </a:ln>
-    </cs:spPr>
-  </cs:gridlineMinor>
-  <cs:hiLoLine>
-    <cs:lnRef idx="0"/>
-    <cs:fillRef idx="0"/>
-    <cs:effectRef idx="0"/>
-    <cs:fontRef idx="minor">
-      <a:schemeClr val="tx1"/>
-    </cs:fontRef>
-    <cs:spPr>
-      <a:ln w="9525" cap="flat" cmpd="sng" algn="ctr">
-        <a:solidFill>
-          <a:schemeClr val="tx1">
-            <a:lumMod val="50000"/>
-            <a:lumOff val="50000"/>
-          </a:schemeClr>
-        </a:solidFill>
-        <a:round/>
-      </a:ln>
-    </cs:spPr>
-  </cs:hiLoLine>
-  <cs:leaderLine>
-    <cs:lnRef idx="0"/>
-    <cs:fillRef idx="0"/>
-    <cs:effectRef idx="0"/>
-    <cs:fontRef idx="minor">
-      <a:schemeClr val="tx1"/>
-    </cs:fontRef>
-    <cs:spPr>
-      <a:ln w="9525" cap="flat" cmpd="sng" algn="ctr">
-        <a:solidFill>
-          <a:schemeClr val="tx1">
-            <a:lumMod val="35000"/>
-            <a:lumOff val="65000"/>
-          </a:schemeClr>
-        </a:solidFill>
-        <a:round/>
-      </a:ln>
-    </cs:spPr>
-  </cs:leaderLine>
-  <cs:legend>
-    <cs:lnRef idx="0"/>
-    <cs:fillRef idx="0"/>
-    <cs:effectRef idx="0"/>
-    <cs:fontRef idx="minor">
-      <a:schemeClr val="tx1">
-        <a:lumMod val="65000"/>
-        <a:lumOff val="35000"/>
-      </a:schemeClr>
-    </cs:fontRef>
-    <cs:defRPr sz="1197" kern="1200"/>
-  </cs:legend>
-  <cs:plotArea mods="allowNoFillOverride allowNoLineOverride">
-    <cs:lnRef idx="0"/>
-    <cs:fillRef idx="0"/>
-    <cs:effectRef idx="0"/>
-    <cs:fontRef idx="minor">
-      <a:schemeClr val="tx1"/>
-    </cs:fontRef>
-  </cs:plotArea>
-  <cs:plotArea3D mods="allowNoFillOverride allowNoLineOverride">
-    <cs:lnRef idx="0"/>
-    <cs:fillRef idx="0"/>
-    <cs:effectRef idx="0"/>
-    <cs:fontRef idx="minor">
-      <a:schemeClr val="tx1"/>
-    </cs:fontRef>
-  </cs:plotArea3D>
-  <cs:seriesAxis>
-    <cs:lnRef idx="0"/>
-    <cs:fillRef idx="0"/>
-    <cs:effectRef idx="0"/>
-    <cs:fontRef idx="minor">
-      <a:schemeClr val="tx1">
-        <a:lumMod val="65000"/>
-        <a:lumOff val="35000"/>
-      </a:schemeClr>
-    </cs:fontRef>
-    <cs:defRPr sz="1197" kern="1200"/>
-  </cs:seriesAxis>
-  <cs:seriesLine>
-    <cs:lnRef idx="0"/>
-    <cs:fillRef idx="0"/>
-    <cs:effectRef idx="0"/>
-    <cs:fontRef idx="minor">
-      <a:schemeClr val="tx1"/>
-    </cs:fontRef>
-    <cs:spPr>
-      <a:ln w="9525" cap="flat" cmpd="sng" algn="ctr">
-        <a:solidFill>
-          <a:schemeClr val="tx1">
-            <a:lumMod val="35000"/>
-            <a:lumOff val="65000"/>
-          </a:schemeClr>
-        </a:solidFill>
-        <a:round/>
-      </a:ln>
-    </cs:spPr>
-  </cs:seriesLine>
-  <cs:title>
-    <cs:lnRef idx="0"/>
-    <cs:fillRef idx="0"/>
-    <cs:effectRef idx="0"/>
-    <cs:fontRef idx="minor">
-      <a:schemeClr val="tx1">
-        <a:lumMod val="65000"/>
-        <a:lumOff val="35000"/>
-      </a:schemeClr>
-    </cs:fontRef>
-    <cs:defRPr sz="1862" b="0" kern="1200" spc="0" baseline="0"/>
-  </cs:title>
-  <cs:trendline>
-    <cs:lnRef idx="0">
-      <cs:styleClr val="auto"/>
-    </cs:lnRef>
-    <cs:fillRef idx="0"/>
-    <cs:effectRef idx="0"/>
-    <cs:fontRef idx="minor">
-      <a:schemeClr val="tx1"/>
-    </cs:fontRef>
-    <cs:spPr>
-      <a:ln w="19050" cap="rnd">
-        <a:solidFill>
-          <a:schemeClr val="phClr"/>
-        </a:solidFill>
-        <a:prstDash val="sysDot"/>
-      </a:ln>
-    </cs:spPr>
-  </cs:trendline>
-  <cs:trendlineLabel>
-    <cs:lnRef idx="0"/>
-    <cs:fillRef idx="0"/>
-    <cs:effectRef idx="0"/>
-    <cs:fontRef idx="minor">
-      <a:schemeClr val="tx1">
-        <a:lumMod val="65000"/>
-        <a:lumOff val="35000"/>
-      </a:schemeClr>
-    </cs:fontRef>
-    <cs:defRPr sz="1197" kern="1200"/>
-  </cs:trendlineLabel>
-  <cs:upBar>
-    <cs:lnRef idx="0"/>
-    <cs:fillRef idx="0"/>
-    <cs:effectRef idx="0"/>
-    <cs:fontRef idx="minor">
-      <a:schemeClr val="tx1"/>
-    </cs:fontRef>
-    <cs:spPr>
-      <a:solidFill>
-        <a:schemeClr val="lt1"/>
-      </a:solidFill>
-      <a:ln w="9525" cap="flat" cmpd="sng" algn="ctr">
-        <a:solidFill>
-          <a:schemeClr val="tx1">
-            <a:lumMod val="65000"/>
-            <a:lumOff val="35000"/>
-          </a:schemeClr>
-        </a:solidFill>
-        <a:round/>
-      </a:ln>
-    </cs:spPr>
-  </cs:upBar>
-  <cs:valueAxis>
-    <cs:lnRef idx="0"/>
-    <cs:fillRef idx="0"/>
-    <cs:effectRef idx="0"/>
-    <cs:fontRef idx="minor">
-      <a:schemeClr val="tx1">
-        <a:lumMod val="65000"/>
-        <a:lumOff val="35000"/>
-      </a:schemeClr>
-    </cs:fontRef>
-    <cs:defRPr sz="1197" kern="1200"/>
-  </cs:valueAxis>
-  <cs:wall>
-    <cs:lnRef idx="0"/>
-    <cs:fillRef idx="0"/>
-    <cs:effectRef idx="0"/>
-    <cs:fontRef idx="minor">
-      <a:schemeClr val="tx1"/>
-    </cs:fontRef>
-    <cs:spPr>
-      <a:noFill/>
-      <a:ln>
-        <a:noFill/>
-      </a:ln>
-    </cs:spPr>
-  </cs:wall>
-</cs:chartStyle>
-</file>
-
-<file path=ppt/charts/style8.xml><?xml version="1.0" encoding="utf-8"?>
-<cs:chartStyle xmlns:cs="http://schemas.microsoft.com/office/drawing/2012/chartStyle" xmlns:a="http://schemas.openxmlformats.org/drawingml/2006/main" id="251">
-  <cs:axisTitle>
-    <cs:lnRef idx="0"/>
-    <cs:fillRef idx="0"/>
-    <cs:effectRef idx="0"/>
-    <cs:fontRef idx="minor">
-      <a:schemeClr val="tx1">
-        <a:lumMod val="65000"/>
-        <a:lumOff val="35000"/>
-      </a:schemeClr>
-    </cs:fontRef>
-    <cs:defRPr sz="1330" kern="1200"/>
-  </cs:axisTitle>
-  <cs:categoryAxis>
-    <cs:lnRef idx="0"/>
-    <cs:fillRef idx="0"/>
-    <cs:effectRef idx="0"/>
-    <cs:fontRef idx="minor">
-      <a:schemeClr val="tx1">
-        <a:lumMod val="65000"/>
-        <a:lumOff val="35000"/>
-      </a:schemeClr>
-    </cs:fontRef>
-    <cs:spPr>
-      <a:ln w="9525" cap="flat" cmpd="sng" algn="ctr">
-        <a:solidFill>
-          <a:schemeClr val="tx1">
-            <a:lumMod val="15000"/>
-            <a:lumOff val="85000"/>
-          </a:schemeClr>
-        </a:solidFill>
-        <a:round/>
-      </a:ln>
-    </cs:spPr>
-    <cs:defRPr sz="1197" kern="1200"/>
-  </cs:categoryAxis>
-  <cs:chartArea mods="allowNoFillOverride allowNoLineOverride">
-    <cs:lnRef idx="0"/>
-    <cs:fillRef idx="0"/>
-    <cs:effectRef idx="0"/>
-    <cs:fontRef idx="minor">
-      <a:schemeClr val="tx1"/>
-    </cs:fontRef>
-    <cs:spPr>
-      <a:solidFill>
-        <a:schemeClr val="bg1"/>
-      </a:solidFill>
-      <a:ln w="9525" cap="flat" cmpd="sng" algn="ctr">
-        <a:solidFill>
-          <a:schemeClr val="tx1">
-            <a:lumMod val="15000"/>
-            <a:lumOff val="85000"/>
-          </a:schemeClr>
-        </a:solidFill>
-        <a:round/>
-      </a:ln>
-    </cs:spPr>
-    <cs:defRPr sz="1197" kern="1200"/>
-  </cs:chartArea>
-  <cs:dataLabel>
-    <cs:lnRef idx="0"/>
-    <cs:fillRef idx="0"/>
-    <cs:effectRef idx="0"/>
-    <cs:fontRef idx="minor">
-      <a:schemeClr val="tx1">
-        <a:lumMod val="75000"/>
-        <a:lumOff val="25000"/>
-      </a:schemeClr>
-    </cs:fontRef>
-    <cs:defRPr sz="1197" kern="1200"/>
-  </cs:dataLabel>
-  <cs:dataLabelCallout>
-    <cs:lnRef idx="0"/>
-    <cs:fillRef idx="0"/>
-    <cs:effectRef idx="0"/>
-    <cs:fontRef idx="minor">
-      <a:schemeClr val="dk1">
-        <a:lumMod val="65000"/>
-        <a:lumOff val="35000"/>
-      </a:schemeClr>
-    </cs:fontRef>
-    <cs:spPr>
-      <a:solidFill>
-        <a:schemeClr val="lt1"/>
-      </a:solidFill>
-      <a:ln>
-        <a:solidFill>
-          <a:schemeClr val="dk1">
-            <a:lumMod val="25000"/>
-            <a:lumOff val="75000"/>
-          </a:schemeClr>
-        </a:solidFill>
-      </a:ln>
-    </cs:spPr>
-    <cs:defRPr sz="1197" kern="1200"/>
-    <cs:bodyPr rot="0" spcFirstLastPara="1" vertOverflow="clip" horzOverflow="clip" vert="horz" wrap="square" lIns="36576" tIns="18288" rIns="36576" bIns="18288" anchor="ctr" anchorCtr="1">
-      <a:spAutoFit/>
-    </cs:bodyPr>
-  </cs:dataLabelCallout>
-  <cs:dataPoint>
-    <cs:lnRef idx="0"/>
-    <cs:fillRef idx="1">
-      <cs:styleClr val="auto"/>
-    </cs:fillRef>
-    <cs:effectRef idx="0"/>
-    <cs:fontRef idx="minor">
-      <a:schemeClr val="tx1"/>
-    </cs:fontRef>
-    <cs:spPr>
-      <a:ln w="19050">
-        <a:solidFill>
-          <a:schemeClr val="lt1"/>
-        </a:solidFill>
-      </a:ln>
-    </cs:spPr>
-  </cs:dataPoint>
-  <cs:dataPoint3D>
-    <cs:lnRef idx="0"/>
-    <cs:fillRef idx="1">
-      <cs:styleClr val="auto"/>
-    </cs:fillRef>
-    <cs:effectRef idx="0"/>
-    <cs:fontRef idx="minor">
-      <a:schemeClr val="tx1"/>
-    </cs:fontRef>
-    <cs:spPr>
-      <a:ln w="25400">
-        <a:solidFill>
-          <a:schemeClr val="lt1"/>
-        </a:solidFill>
-      </a:ln>
-    </cs:spPr>
-  </cs:dataPoint3D>
-  <cs:dataPointLine>
-    <cs:lnRef idx="0">
-      <cs:styleClr val="auto"/>
-    </cs:lnRef>
-    <cs:fillRef idx="0"/>
-    <cs:effectRef idx="0"/>
-    <cs:fontRef idx="minor">
-      <a:schemeClr val="tx1"/>
-    </cs:fontRef>
-    <cs:spPr>
-      <a:ln w="28575" cap="rnd">
-        <a:solidFill>
-          <a:schemeClr val="phClr"/>
-        </a:solidFill>
-        <a:round/>
-      </a:ln>
-    </cs:spPr>
-  </cs:dataPointLine>
-  <cs:dataPointMarker>
-    <cs:lnRef idx="0">
-      <cs:styleClr val="auto"/>
-    </cs:lnRef>
-    <cs:fillRef idx="1">
-      <cs:styleClr val="auto"/>
-    </cs:fillRef>
-    <cs:effectRef idx="0"/>
-    <cs:fontRef idx="minor">
-      <a:schemeClr val="tx1"/>
-    </cs:fontRef>
-    <cs:spPr>
-      <a:ln w="9525">
-        <a:solidFill>
-          <a:schemeClr val="phClr"/>
-        </a:solidFill>
-      </a:ln>
-    </cs:spPr>
-  </cs:dataPointMarker>
-  <cs:dataPointMarkerLayout symbol="circle" size="5"/>
-  <cs:dataPointWireframe>
-    <cs:lnRef idx="0">
-      <cs:styleClr val="auto"/>
-    </cs:lnRef>
-    <cs:fillRef idx="0"/>
-    <cs:effectRef idx="0"/>
-    <cs:fontRef idx="minor">
-      <a:schemeClr val="tx1"/>
-    </cs:fontRef>
-    <cs:spPr>
-      <a:ln w="9525" cap="rnd">
-        <a:solidFill>
-          <a:schemeClr val="phClr"/>
-        </a:solidFill>
-        <a:round/>
-      </a:ln>
-    </cs:spPr>
-  </cs:dataPointWireframe>
-  <cs:dataTable>
-    <cs:lnRef idx="0"/>
-    <cs:fillRef idx="0"/>
-    <cs:effectRef idx="0"/>
-    <cs:fontRef idx="minor">
-      <a:schemeClr val="tx1">
-        <a:lumMod val="65000"/>
-        <a:lumOff val="35000"/>
-      </a:schemeClr>
-    </cs:fontRef>
-    <cs:spPr>
-      <a:noFill/>
-      <a:ln w="9525" cap="flat" cmpd="sng" algn="ctr">
-        <a:solidFill>
-          <a:schemeClr val="tx1">
-            <a:lumMod val="15000"/>
-            <a:lumOff val="85000"/>
-          </a:schemeClr>
-        </a:solidFill>
-        <a:round/>
-      </a:ln>
-    </cs:spPr>
-    <cs:defRPr sz="1197" kern="1200"/>
-  </cs:dataTable>
-  <cs:downBar>
-    <cs:lnRef idx="0"/>
-    <cs:fillRef idx="0"/>
-    <cs:effectRef idx="0"/>
-    <cs:fontRef idx="minor">
-      <a:schemeClr val="tx1"/>
-    </cs:fontRef>
-    <cs:spPr>
-      <a:solidFill>
-        <a:schemeClr val="dk1">
-          <a:lumMod val="75000"/>
-          <a:lumOff val="25000"/>
-        </a:schemeClr>
-      </a:solidFill>
-      <a:ln w="9525" cap="flat" cmpd="sng" algn="ctr">
-        <a:solidFill>
-          <a:schemeClr val="tx1">
-            <a:lumMod val="65000"/>
-            <a:lumOff val="35000"/>
-          </a:schemeClr>
-        </a:solidFill>
-        <a:round/>
-      </a:ln>
-    </cs:spPr>
-  </cs:downBar>
-  <cs:dropLine>
-    <cs:lnRef idx="0"/>
-    <cs:fillRef idx="0"/>
-    <cs:effectRef idx="0"/>
-    <cs:fontRef idx="minor">
-      <a:schemeClr val="tx1"/>
-    </cs:fontRef>
-    <cs:spPr>
-      <a:ln w="9525" cap="flat" cmpd="sng" algn="ctr">
-        <a:solidFill>
-          <a:schemeClr val="tx1">
-            <a:lumMod val="35000"/>
-            <a:lumOff val="65000"/>
-          </a:schemeClr>
-        </a:solidFill>
-        <a:round/>
-      </a:ln>
-    </cs:spPr>
-  </cs:dropLine>
-  <cs:errorBar>
-    <cs:lnRef idx="0"/>
-    <cs:fillRef idx="0"/>
-    <cs:effectRef idx="0"/>
-    <cs:fontRef idx="minor">
-      <a:schemeClr val="tx1"/>
-    </cs:fontRef>
-    <cs:spPr>
-      <a:ln w="9525" cap="flat" cmpd="sng" algn="ctr">
-        <a:solidFill>
-          <a:schemeClr val="tx1">
-            <a:lumMod val="65000"/>
-            <a:lumOff val="35000"/>
-          </a:schemeClr>
-        </a:solidFill>
-        <a:round/>
-      </a:ln>
-    </cs:spPr>
-  </cs:errorBar>
-  <cs:floor>
-    <cs:lnRef idx="0"/>
-    <cs:fillRef idx="0"/>
-    <cs:effectRef idx="0"/>
-    <cs:fontRef idx="minor">
-      <a:schemeClr val="tx1"/>
-    </cs:fontRef>
-    <cs:spPr>
-      <a:noFill/>
-      <a:ln>
-        <a:noFill/>
-      </a:ln>
-    </cs:spPr>
-  </cs:floor>
-  <cs:gridlineMajor>
-    <cs:lnRef idx="0"/>
-    <cs:fillRef idx="0"/>
-    <cs:effectRef idx="0"/>
-    <cs:fontRef idx="minor">
-      <a:schemeClr val="tx1"/>
-    </cs:fontRef>
-    <cs:spPr>
-      <a:ln w="9525" cap="flat" cmpd="sng" algn="ctr">
-        <a:solidFill>
-          <a:schemeClr val="tx1">
-            <a:lumMod val="15000"/>
-            <a:lumOff val="85000"/>
-          </a:schemeClr>
-        </a:solidFill>
-        <a:round/>
-      </a:ln>
-    </cs:spPr>
-  </cs:gridlineMajor>
-  <cs:gridlineMinor>
-    <cs:lnRef idx="0"/>
-    <cs:fillRef idx="0"/>
-    <cs:effectRef idx="0"/>
-    <cs:fontRef idx="minor">
-      <a:schemeClr val="tx1"/>
-    </cs:fontRef>
-    <cs:spPr>
-      <a:ln w="9525" cap="flat" cmpd="sng" algn="ctr">
-        <a:solidFill>
-          <a:schemeClr val="tx1">
-            <a:lumMod val="5000"/>
-            <a:lumOff val="95000"/>
-          </a:schemeClr>
-        </a:solidFill>
-        <a:round/>
-      </a:ln>
-    </cs:spPr>
-  </cs:gridlineMinor>
-  <cs:hiLoLine>
-    <cs:lnRef idx="0"/>
-    <cs:fillRef idx="0"/>
-    <cs:effectRef idx="0"/>
-    <cs:fontRef idx="minor">
-      <a:schemeClr val="tx1"/>
-    </cs:fontRef>
-    <cs:spPr>
-      <a:ln w="9525" cap="flat" cmpd="sng" algn="ctr">
-        <a:solidFill>
-          <a:schemeClr val="tx1">
-            <a:lumMod val="50000"/>
-            <a:lumOff val="50000"/>
-          </a:schemeClr>
-        </a:solidFill>
-        <a:round/>
-      </a:ln>
-    </cs:spPr>
-  </cs:hiLoLine>
-  <cs:leaderLine>
-    <cs:lnRef idx="0"/>
-    <cs:fillRef idx="0"/>
-    <cs:effectRef idx="0"/>
-    <cs:fontRef idx="minor">
-      <a:schemeClr val="tx1"/>
-    </cs:fontRef>
-    <cs:spPr>
-      <a:ln w="9525" cap="flat" cmpd="sng" algn="ctr">
-        <a:solidFill>
-          <a:schemeClr val="tx1">
-            <a:lumMod val="35000"/>
-            <a:lumOff val="65000"/>
-          </a:schemeClr>
-        </a:solidFill>
-        <a:round/>
-      </a:ln>
-    </cs:spPr>
-  </cs:leaderLine>
-  <cs:legend>
-    <cs:lnRef idx="0"/>
-    <cs:fillRef idx="0"/>
-    <cs:effectRef idx="0"/>
-    <cs:fontRef idx="minor">
-      <a:schemeClr val="tx1">
-        <a:lumMod val="65000"/>
-        <a:lumOff val="35000"/>
-      </a:schemeClr>
-    </cs:fontRef>
-    <cs:defRPr sz="1197" kern="1200"/>
-  </cs:legend>
-  <cs:plotArea mods="allowNoFillOverride allowNoLineOverride">
-    <cs:lnRef idx="0"/>
-    <cs:fillRef idx="0"/>
-    <cs:effectRef idx="0"/>
-    <cs:fontRef idx="minor">
-      <a:schemeClr val="tx1"/>
-    </cs:fontRef>
-  </cs:plotArea>
-  <cs:plotArea3D mods="allowNoFillOverride allowNoLineOverride">
-    <cs:lnRef idx="0"/>
-    <cs:fillRef idx="0"/>
-    <cs:effectRef idx="0"/>
-    <cs:fontRef idx="minor">
-      <a:schemeClr val="tx1"/>
-    </cs:fontRef>
-  </cs:plotArea3D>
-  <cs:seriesAxis>
-    <cs:lnRef idx="0"/>
-    <cs:fillRef idx="0"/>
-    <cs:effectRef idx="0"/>
-    <cs:fontRef idx="minor">
-      <a:schemeClr val="tx1">
-        <a:lumMod val="65000"/>
-        <a:lumOff val="35000"/>
-      </a:schemeClr>
-    </cs:fontRef>
-    <cs:defRPr sz="1197" kern="1200"/>
-  </cs:seriesAxis>
-  <cs:seriesLine>
-    <cs:lnRef idx="0"/>
-    <cs:fillRef idx="0"/>
-    <cs:effectRef idx="0"/>
-    <cs:fontRef idx="minor">
-      <a:schemeClr val="tx1"/>
-    </cs:fontRef>
-    <cs:spPr>
-      <a:ln w="9525" cap="flat" cmpd="sng" algn="ctr">
-        <a:solidFill>
-          <a:schemeClr val="tx1">
-            <a:lumMod val="35000"/>
-            <a:lumOff val="65000"/>
-          </a:schemeClr>
-        </a:solidFill>
-        <a:round/>
-      </a:ln>
-    </cs:spPr>
-  </cs:seriesLine>
-  <cs:title>
-    <cs:lnRef idx="0"/>
-    <cs:fillRef idx="0"/>
-    <cs:effectRef idx="0"/>
-    <cs:fontRef idx="minor">
-      <a:schemeClr val="tx1">
-        <a:lumMod val="65000"/>
-        <a:lumOff val="35000"/>
-      </a:schemeClr>
-    </cs:fontRef>
-    <cs:defRPr sz="1862" b="0" kern="1200" spc="0" baseline="0"/>
-  </cs:title>
-  <cs:trendline>
-    <cs:lnRef idx="0">
-      <cs:styleClr val="auto"/>
-    </cs:lnRef>
-    <cs:fillRef idx="0"/>
-    <cs:effectRef idx="0"/>
-    <cs:fontRef idx="minor">
-      <a:schemeClr val="tx1"/>
-    </cs:fontRef>
-    <cs:spPr>
-      <a:ln w="19050" cap="rnd">
-        <a:solidFill>
-          <a:schemeClr val="phClr"/>
-        </a:solidFill>
-        <a:prstDash val="sysDot"/>
-      </a:ln>
-    </cs:spPr>
-  </cs:trendline>
-  <cs:trendlineLabel>
-    <cs:lnRef idx="0"/>
-    <cs:fillRef idx="0"/>
-    <cs:effectRef idx="0"/>
-    <cs:fontRef idx="minor">
-      <a:schemeClr val="tx1">
-        <a:lumMod val="65000"/>
-        <a:lumOff val="35000"/>
-      </a:schemeClr>
-    </cs:fontRef>
-    <cs:defRPr sz="1197" kern="1200"/>
-  </cs:trendlineLabel>
-  <cs:upBar>
-    <cs:lnRef idx="0"/>
-    <cs:fillRef idx="0"/>
-    <cs:effectRef idx="0"/>
-    <cs:fontRef idx="minor">
-      <a:schemeClr val="tx1"/>
-    </cs:fontRef>
-    <cs:spPr>
-      <a:solidFill>
-        <a:schemeClr val="lt1"/>
-      </a:solidFill>
-      <a:ln w="9525" cap="flat" cmpd="sng" algn="ctr">
-        <a:solidFill>
-          <a:schemeClr val="tx1">
-            <a:lumMod val="65000"/>
-            <a:lumOff val="35000"/>
-          </a:schemeClr>
-        </a:solidFill>
-        <a:round/>
-      </a:ln>
-    </cs:spPr>
-  </cs:upBar>
-  <cs:valueAxis>
-    <cs:lnRef idx="0"/>
-    <cs:fillRef idx="0"/>
-    <cs:effectRef idx="0"/>
-    <cs:fontRef idx="minor">
-      <a:schemeClr val="tx1">
-        <a:lumMod val="65000"/>
-        <a:lumOff val="35000"/>
-      </a:schemeClr>
-    </cs:fontRef>
-    <cs:defRPr sz="1197" kern="1200"/>
-  </cs:valueAxis>
-  <cs:wall>
-    <cs:lnRef idx="0"/>
-    <cs:fillRef idx="0"/>
-    <cs:effectRef idx="0"/>
-    <cs:fontRef idx="minor">
-      <a:schemeClr val="tx1"/>
-    </cs:fontRef>
-    <cs:spPr>
-      <a:noFill/>
-      <a:ln>
-        <a:noFill/>
-      </a:ln>
-    </cs:spPr>
-  </cs:wall>
-</cs:chartStyle>
-</file>
-
-<file path=ppt/charts/style9.xml><?xml version="1.0" encoding="utf-8"?>
-<cs:chartStyle xmlns:cs="http://schemas.microsoft.com/office/drawing/2012/chartStyle" xmlns:a="http://schemas.openxmlformats.org/drawingml/2006/main" id="251">
-  <cs:axisTitle>
-    <cs:lnRef idx="0"/>
-    <cs:fillRef idx="0"/>
-    <cs:effectRef idx="0"/>
-    <cs:fontRef idx="minor">
-      <a:schemeClr val="tx1">
-        <a:lumMod val="65000"/>
-        <a:lumOff val="35000"/>
-      </a:schemeClr>
-    </cs:fontRef>
-    <cs:defRPr sz="1330" kern="1200"/>
-  </cs:axisTitle>
-  <cs:categoryAxis>
-    <cs:lnRef idx="0"/>
-    <cs:fillRef idx="0"/>
-    <cs:effectRef idx="0"/>
-    <cs:fontRef idx="minor">
-      <a:schemeClr val="tx1">
-        <a:lumMod val="65000"/>
-        <a:lumOff val="35000"/>
-      </a:schemeClr>
-    </cs:fontRef>
-    <cs:spPr>
-      <a:ln w="9525" cap="flat" cmpd="sng" algn="ctr">
-        <a:solidFill>
-          <a:schemeClr val="tx1">
-            <a:lumMod val="15000"/>
-            <a:lumOff val="85000"/>
-          </a:schemeClr>
-        </a:solidFill>
-        <a:round/>
-      </a:ln>
-    </cs:spPr>
-    <cs:defRPr sz="1197" kern="1200"/>
-  </cs:categoryAxis>
-  <cs:chartArea mods="allowNoFillOverride allowNoLineOverride">
-    <cs:lnRef idx="0"/>
-    <cs:fillRef idx="0"/>
-    <cs:effectRef idx="0"/>
-    <cs:fontRef idx="minor">
-      <a:schemeClr val="tx1"/>
-    </cs:fontRef>
-    <cs:spPr>
-      <a:solidFill>
-        <a:schemeClr val="bg1"/>
-      </a:solidFill>
-      <a:ln w="9525" cap="flat" cmpd="sng" algn="ctr">
-        <a:solidFill>
-          <a:schemeClr val="tx1">
-            <a:lumMod val="15000"/>
-            <a:lumOff val="85000"/>
-          </a:schemeClr>
-        </a:solidFill>
-        <a:round/>
-      </a:ln>
-    </cs:spPr>
-    <cs:defRPr sz="1197" kern="1200"/>
-  </cs:chartArea>
-  <cs:dataLabel>
-    <cs:lnRef idx="0"/>
-    <cs:fillRef idx="0"/>
-    <cs:effectRef idx="0"/>
-    <cs:fontRef idx="minor">
-      <a:schemeClr val="tx1">
-        <a:lumMod val="75000"/>
-        <a:lumOff val="25000"/>
-      </a:schemeClr>
-    </cs:fontRef>
-    <cs:defRPr sz="1197" kern="1200"/>
-  </cs:dataLabel>
-  <cs:dataLabelCallout>
-    <cs:lnRef idx="0"/>
-    <cs:fillRef idx="0"/>
-    <cs:effectRef idx="0"/>
-    <cs:fontRef idx="minor">
-      <a:schemeClr val="dk1">
-        <a:lumMod val="65000"/>
-        <a:lumOff val="35000"/>
-      </a:schemeClr>
-    </cs:fontRef>
-    <cs:spPr>
-      <a:solidFill>
-        <a:schemeClr val="lt1"/>
-      </a:solidFill>
-      <a:ln>
-        <a:solidFill>
-          <a:schemeClr val="dk1">
-            <a:lumMod val="25000"/>
-            <a:lumOff val="75000"/>
-          </a:schemeClr>
-        </a:solidFill>
-      </a:ln>
-    </cs:spPr>
-    <cs:defRPr sz="1197" kern="1200"/>
-    <cs:bodyPr rot="0" spcFirstLastPara="1" vertOverflow="clip" horzOverflow="clip" vert="horz" wrap="square" lIns="36576" tIns="18288" rIns="36576" bIns="18288" anchor="ctr" anchorCtr="1">
-      <a:spAutoFit/>
-    </cs:bodyPr>
-  </cs:dataLabelCallout>
-  <cs:dataPoint>
-    <cs:lnRef idx="0"/>
-    <cs:fillRef idx="1">
-      <cs:styleClr val="auto"/>
-    </cs:fillRef>
-    <cs:effectRef idx="0"/>
-    <cs:fontRef idx="minor">
-      <a:schemeClr val="tx1"/>
-    </cs:fontRef>
-    <cs:spPr>
-      <a:ln w="19050">
-        <a:solidFill>
-          <a:schemeClr val="lt1"/>
-        </a:solidFill>
-      </a:ln>
-    </cs:spPr>
-  </cs:dataPoint>
-  <cs:dataPoint3D>
-    <cs:lnRef idx="0"/>
-    <cs:fillRef idx="1">
-      <cs:styleClr val="auto"/>
-    </cs:fillRef>
-    <cs:effectRef idx="0"/>
-    <cs:fontRef idx="minor">
-      <a:schemeClr val="tx1"/>
-    </cs:fontRef>
-    <cs:spPr>
-      <a:ln w="25400">
-        <a:solidFill>
-          <a:schemeClr val="lt1"/>
-        </a:solidFill>
-      </a:ln>
-    </cs:spPr>
-  </cs:dataPoint3D>
-  <cs:dataPointLine>
-    <cs:lnRef idx="0">
-      <cs:styleClr val="auto"/>
-    </cs:lnRef>
-    <cs:fillRef idx="0"/>
-    <cs:effectRef idx="0"/>
-    <cs:fontRef idx="minor">
-      <a:schemeClr val="tx1"/>
-    </cs:fontRef>
-    <cs:spPr>
-      <a:ln w="28575" cap="rnd">
-        <a:solidFill>
-          <a:schemeClr val="phClr"/>
-        </a:solidFill>
-        <a:round/>
-      </a:ln>
-    </cs:spPr>
-  </cs:dataPointLine>
-  <cs:dataPointMarker>
-    <cs:lnRef idx="0">
-      <cs:styleClr val="auto"/>
-    </cs:lnRef>
-    <cs:fillRef idx="1">
-      <cs:styleClr val="auto"/>
-    </cs:fillRef>
-    <cs:effectRef idx="0"/>
-    <cs:fontRef idx="minor">
-      <a:schemeClr val="tx1"/>
-    </cs:fontRef>
-    <cs:spPr>
-      <a:ln w="9525">
-        <a:solidFill>
-          <a:schemeClr val="phClr"/>
-        </a:solidFill>
-      </a:ln>
-    </cs:spPr>
-  </cs:dataPointMarker>
-  <cs:dataPointMarkerLayout symbol="circle" size="5"/>
-  <cs:dataPointWireframe>
-    <cs:lnRef idx="0">
-      <cs:styleClr val="auto"/>
-    </cs:lnRef>
-    <cs:fillRef idx="0"/>
-    <cs:effectRef idx="0"/>
-    <cs:fontRef idx="minor">
-      <a:schemeClr val="tx1"/>
-    </cs:fontRef>
-    <cs:spPr>
-      <a:ln w="9525" cap="rnd">
-        <a:solidFill>
-          <a:schemeClr val="phClr"/>
-        </a:solidFill>
-        <a:round/>
-      </a:ln>
-    </cs:spPr>
-  </cs:dataPointWireframe>
-  <cs:dataTable>
-    <cs:lnRef idx="0"/>
-    <cs:fillRef idx="0"/>
-    <cs:effectRef idx="0"/>
-    <cs:fontRef idx="minor">
-      <a:schemeClr val="tx1">
-        <a:lumMod val="65000"/>
-        <a:lumOff val="35000"/>
-      </a:schemeClr>
-    </cs:fontRef>
-    <cs:spPr>
-      <a:noFill/>
-      <a:ln w="9525" cap="flat" cmpd="sng" algn="ctr">
-        <a:solidFill>
-          <a:schemeClr val="tx1">
-            <a:lumMod val="15000"/>
-            <a:lumOff val="85000"/>
-          </a:schemeClr>
-        </a:solidFill>
-        <a:round/>
-      </a:ln>
-    </cs:spPr>
-    <cs:defRPr sz="1197" kern="1200"/>
-  </cs:dataTable>
-  <cs:downBar>
-    <cs:lnRef idx="0"/>
-    <cs:fillRef idx="0"/>
-    <cs:effectRef idx="0"/>
-    <cs:fontRef idx="minor">
-      <a:schemeClr val="tx1"/>
-    </cs:fontRef>
-    <cs:spPr>
-      <a:solidFill>
-        <a:schemeClr val="dk1">
-          <a:lumMod val="75000"/>
-          <a:lumOff val="25000"/>
-        </a:schemeClr>
-      </a:solidFill>
-      <a:ln w="9525" cap="flat" cmpd="sng" algn="ctr">
-        <a:solidFill>
-          <a:schemeClr val="tx1">
-            <a:lumMod val="65000"/>
-            <a:lumOff val="35000"/>
-          </a:schemeClr>
-        </a:solidFill>
-        <a:round/>
-      </a:ln>
-    </cs:spPr>
-  </cs:downBar>
-  <cs:dropLine>
-    <cs:lnRef idx="0"/>
-    <cs:fillRef idx="0"/>
-    <cs:effectRef idx="0"/>
-    <cs:fontRef idx="minor">
-      <a:schemeClr val="tx1"/>
-    </cs:fontRef>
-    <cs:spPr>
-      <a:ln w="9525" cap="flat" cmpd="sng" algn="ctr">
-        <a:solidFill>
-          <a:schemeClr val="tx1">
-            <a:lumMod val="35000"/>
-            <a:lumOff val="65000"/>
-          </a:schemeClr>
-        </a:solidFill>
-        <a:round/>
-      </a:ln>
-    </cs:spPr>
-  </cs:dropLine>
-  <cs:errorBar>
-    <cs:lnRef idx="0"/>
-    <cs:fillRef idx="0"/>
-    <cs:effectRef idx="0"/>
-    <cs:fontRef idx="minor">
-      <a:schemeClr val="tx1"/>
-    </cs:fontRef>
-    <cs:spPr>
-      <a:ln w="9525" cap="flat" cmpd="sng" algn="ctr">
-        <a:solidFill>
-          <a:schemeClr val="tx1">
-            <a:lumMod val="65000"/>
-            <a:lumOff val="35000"/>
-          </a:schemeClr>
-        </a:solidFill>
-        <a:round/>
-      </a:ln>
-    </cs:spPr>
-  </cs:errorBar>
-  <cs:floor>
-    <cs:lnRef idx="0"/>
-    <cs:fillRef idx="0"/>
-    <cs:effectRef idx="0"/>
-    <cs:fontRef idx="minor">
-      <a:schemeClr val="tx1"/>
-    </cs:fontRef>
-    <cs:spPr>
-      <a:noFill/>
-      <a:ln>
-        <a:noFill/>
-      </a:ln>
-    </cs:spPr>
-  </cs:floor>
-  <cs:gridlineMajor>
-    <cs:lnRef idx="0"/>
-    <cs:fillRef idx="0"/>
-    <cs:effectRef idx="0"/>
-    <cs:fontRef idx="minor">
-      <a:schemeClr val="tx1"/>
-    </cs:fontRef>
-    <cs:spPr>
-      <a:ln w="9525" cap="flat" cmpd="sng" algn="ctr">
-        <a:solidFill>
-          <a:schemeClr val="tx1">
-            <a:lumMod val="15000"/>
-            <a:lumOff val="85000"/>
-          </a:schemeClr>
-        </a:solidFill>
-        <a:round/>
-      </a:ln>
-    </cs:spPr>
-  </cs:gridlineMajor>
-  <cs:gridlineMinor>
-    <cs:lnRef idx="0"/>
-    <cs:fillRef idx="0"/>
-    <cs:effectRef idx="0"/>
-    <cs:fontRef idx="minor">
-      <a:schemeClr val="tx1"/>
-    </cs:fontRef>
-    <cs:spPr>
-      <a:ln w="9525" cap="flat" cmpd="sng" algn="ctr">
-        <a:solidFill>
-          <a:schemeClr val="tx1">
-            <a:lumMod val="5000"/>
-            <a:lumOff val="95000"/>
-          </a:schemeClr>
-        </a:solidFill>
-        <a:round/>
-      </a:ln>
-    </cs:spPr>
-  </cs:gridlineMinor>
-  <cs:hiLoLine>
-    <cs:lnRef idx="0"/>
-    <cs:fillRef idx="0"/>
-    <cs:effectRef idx="0"/>
-    <cs:fontRef idx="minor">
-      <a:schemeClr val="tx1"/>
-    </cs:fontRef>
-    <cs:spPr>
-      <a:ln w="9525" cap="flat" cmpd="sng" algn="ctr">
-        <a:solidFill>
-          <a:schemeClr val="tx1">
-            <a:lumMod val="50000"/>
-            <a:lumOff val="50000"/>
-          </a:schemeClr>
-        </a:solidFill>
-        <a:round/>
-      </a:ln>
-    </cs:spPr>
-  </cs:hiLoLine>
-  <cs:leaderLine>
-    <cs:lnRef idx="0"/>
-    <cs:fillRef idx="0"/>
-    <cs:effectRef idx="0"/>
-    <cs:fontRef idx="minor">
-      <a:schemeClr val="tx1"/>
-    </cs:fontRef>
-    <cs:spPr>
-      <a:ln w="9525" cap="flat" cmpd="sng" algn="ctr">
-        <a:solidFill>
-          <a:schemeClr val="tx1">
-            <a:lumMod val="35000"/>
-            <a:lumOff val="65000"/>
-          </a:schemeClr>
-        </a:solidFill>
-        <a:round/>
-      </a:ln>
-    </cs:spPr>
-  </cs:leaderLine>
-  <cs:legend>
-    <cs:lnRef idx="0"/>
-    <cs:fillRef idx="0"/>
-    <cs:effectRef idx="0"/>
-    <cs:fontRef idx="minor">
-      <a:schemeClr val="tx1">
-        <a:lumMod val="65000"/>
-        <a:lumOff val="35000"/>
-      </a:schemeClr>
-    </cs:fontRef>
-    <cs:defRPr sz="1197" kern="1200"/>
-  </cs:legend>
-  <cs:plotArea mods="allowNoFillOverride allowNoLineOverride">
-    <cs:lnRef idx="0"/>
-    <cs:fillRef idx="0"/>
-    <cs:effectRef idx="0"/>
-    <cs:fontRef idx="minor">
-      <a:schemeClr val="tx1"/>
-    </cs:fontRef>
-  </cs:plotArea>
-  <cs:plotArea3D mods="allowNoFillOverride allowNoLineOverride">
-    <cs:lnRef idx="0"/>
-    <cs:fillRef idx="0"/>
-    <cs:effectRef idx="0"/>
-    <cs:fontRef idx="minor">
-      <a:schemeClr val="tx1"/>
-    </cs:fontRef>
-  </cs:plotArea3D>
-  <cs:seriesAxis>
-    <cs:lnRef idx="0"/>
-    <cs:fillRef idx="0"/>
-    <cs:effectRef idx="0"/>
-    <cs:fontRef idx="minor">
-      <a:schemeClr val="tx1">
-        <a:lumMod val="65000"/>
-        <a:lumOff val="35000"/>
-      </a:schemeClr>
-    </cs:fontRef>
-    <cs:defRPr sz="1197" kern="1200"/>
-  </cs:seriesAxis>
-  <cs:seriesLine>
-    <cs:lnRef idx="0"/>
-    <cs:fillRef idx="0"/>
-    <cs:effectRef idx="0"/>
-    <cs:fontRef idx="minor">
-      <a:schemeClr val="tx1"/>
-    </cs:fontRef>
-    <cs:spPr>
-      <a:ln w="9525" cap="flat" cmpd="sng" algn="ctr">
-        <a:solidFill>
-          <a:schemeClr val="tx1">
-            <a:lumMod val="35000"/>
-            <a:lumOff val="65000"/>
-          </a:schemeClr>
-        </a:solidFill>
-        <a:round/>
-      </a:ln>
-    </cs:spPr>
-  </cs:seriesLine>
-  <cs:title>
-    <cs:lnRef idx="0"/>
-    <cs:fillRef idx="0"/>
-    <cs:effectRef idx="0"/>
-    <cs:fontRef idx="minor">
-      <a:schemeClr val="tx1">
-        <a:lumMod val="65000"/>
-        <a:lumOff val="35000"/>
-      </a:schemeClr>
-    </cs:fontRef>
-    <cs:defRPr sz="1862" b="0" kern="1200" spc="0" baseline="0"/>
-  </cs:title>
-  <cs:trendline>
-    <cs:lnRef idx="0">
-      <cs:styleClr val="auto"/>
-    </cs:lnRef>
-    <cs:fillRef idx="0"/>
-    <cs:effectRef idx="0"/>
-    <cs:fontRef idx="minor">
-      <a:schemeClr val="tx1"/>
-    </cs:fontRef>
-    <cs:spPr>
-      <a:ln w="19050" cap="rnd">
-        <a:solidFill>
-          <a:schemeClr val="phClr"/>
-        </a:solidFill>
-        <a:prstDash val="sysDot"/>
-      </a:ln>
-    </cs:spPr>
-  </cs:trendline>
-  <cs:trendlineLabel>
-    <cs:lnRef idx="0"/>
-    <cs:fillRef idx="0"/>
-    <cs:effectRef idx="0"/>
-    <cs:fontRef idx="minor">
-      <a:schemeClr val="tx1">
-        <a:lumMod val="65000"/>
-        <a:lumOff val="35000"/>
-      </a:schemeClr>
-    </cs:fontRef>
-    <cs:defRPr sz="1197" kern="1200"/>
-  </cs:trendlineLabel>
-  <cs:upBar>
-    <cs:lnRef idx="0"/>
-    <cs:fillRef idx="0"/>
-    <cs:effectRef idx="0"/>
-    <cs:fontRef idx="minor">
-      <a:schemeClr val="tx1"/>
-    </cs:fontRef>
-    <cs:spPr>
-      <a:solidFill>
-        <a:schemeClr val="lt1"/>
-      </a:solidFill>
-      <a:ln w="9525" cap="flat" cmpd="sng" algn="ctr">
-        <a:solidFill>
-          <a:schemeClr val="tx1">
-            <a:lumMod val="65000"/>
-            <a:lumOff val="35000"/>
-          </a:schemeClr>
-        </a:solidFill>
-        <a:round/>
-      </a:ln>
-    </cs:spPr>
-  </cs:upBar>
-  <cs:valueAxis>
-    <cs:lnRef idx="0"/>
-    <cs:fillRef idx="0"/>
-    <cs:effectRef idx="0"/>
-    <cs:fontRef idx="minor">
-      <a:schemeClr val="tx1">
-        <a:lumMod val="65000"/>
-        <a:lumOff val="35000"/>
-      </a:schemeClr>
-    </cs:fontRef>
-    <cs:defRPr sz="1197" kern="1200"/>
-  </cs:valueAxis>
-  <cs:wall>
-    <cs:lnRef idx="0"/>
-    <cs:fillRef idx="0"/>
-    <cs:effectRef idx="0"/>
-    <cs:fontRef idx="minor">
-      <a:schemeClr val="tx1"/>
-    </cs:fontRef>
-    <cs:spPr>
-      <a:noFill/>
-      <a:ln>
-        <a:noFill/>
-      </a:ln>
-    </cs:spPr>
-  </cs:wall>
-</cs:chartStyle>
-</file>
-
 <file path=ppt/handoutMasters/handoutMaster1.xml><?xml version="1.0" encoding="utf-8"?>
 <p:handoutMaster xmlns:a="http://schemas.openxmlformats.org/drawingml/2006/main" xmlns:r="http://schemas.openxmlformats.org/officeDocument/2006/relationships" xmlns:p="http://schemas.openxmlformats.org/presentationml/2006/main">
   <p:cSld>
@@ -8591,7 +4804,7 @@
           <a:p>
             <a:fld id="{5EA3D135-E2E4-4277-B1D4-865BF53A1D41}" type="datetimeFigureOut">
               <a:rPr lang="en-IN" smtClean="0"/>
-              <a:t>07-08-2019</a:t>
+              <a:t>08-08-2019</a:t>
             </a:fld>
             <a:endParaRPr lang="en-IN" dirty="0"/>
           </a:p>
@@ -8756,7 +4969,7 @@
           <a:p>
             <a:fld id="{743F3D5C-8B60-414A-B36D-4EAC08F89814}" type="datetimeFigureOut">
               <a:rPr lang="en-GB" smtClean="0"/>
-              <a:t>07/08/2019</a:t>
+              <a:t>08/08/2019</a:t>
             </a:fld>
             <a:endParaRPr lang="en-GB" dirty="0"/>
           </a:p>
@@ -9220,109 +5433,6 @@
     </p:spTree>
     <p:extLst>
       <p:ext uri="{BB962C8B-B14F-4D97-AF65-F5344CB8AC3E}">
-        <p14:creationId xmlns:p14="http://schemas.microsoft.com/office/powerpoint/2010/main" val="599377594"/>
-      </p:ext>
-    </p:extLst>
-  </p:cSld>
-  <p:clrMapOvr>
-    <a:masterClrMapping/>
-  </p:clrMapOvr>
-</p:notes>
-</file>
-
-<file path=ppt/notesSlides/notesSlide3.xml><?xml version="1.0" encoding="utf-8"?>
-<p:notes xmlns:a="http://schemas.openxmlformats.org/drawingml/2006/main" xmlns:r="http://schemas.openxmlformats.org/officeDocument/2006/relationships" xmlns:p="http://schemas.openxmlformats.org/presentationml/2006/main">
-  <p:cSld>
-    <p:spTree>
-      <p:nvGrpSpPr>
-        <p:cNvPr id="1" name=""/>
-        <p:cNvGrpSpPr/>
-        <p:nvPr/>
-      </p:nvGrpSpPr>
-      <p:grpSpPr>
-        <a:xfrm>
-          <a:off x="0" y="0"/>
-          <a:ext cx="0" cy="0"/>
-          <a:chOff x="0" y="0"/>
-          <a:chExt cx="0" cy="0"/>
-        </a:xfrm>
-      </p:grpSpPr>
-      <p:sp>
-        <p:nvSpPr>
-          <p:cNvPr id="2" name="Slide Image Placeholder 1"/>
-          <p:cNvSpPr>
-            <a:spLocks noGrp="1" noRot="1" noChangeAspect="1"/>
-          </p:cNvSpPr>
-          <p:nvPr>
-            <p:ph type="sldImg"/>
-          </p:nvPr>
-        </p:nvSpPr>
-        <p:spPr/>
-      </p:sp>
-      <p:sp>
-        <p:nvSpPr>
-          <p:cNvPr id="3" name="Notes Placeholder 2"/>
-          <p:cNvSpPr>
-            <a:spLocks noGrp="1"/>
-          </p:cNvSpPr>
-          <p:nvPr>
-            <p:ph type="body" idx="1"/>
-          </p:nvPr>
-        </p:nvSpPr>
-        <p:spPr/>
-        <p:txBody>
-          <a:bodyPr/>
-          <a:lstStyle/>
-          <a:p>
-            <a:r>
-              <a:rPr lang="de-DE" dirty="0"/>
-              <a:t>Left: Liquidity supply side and value accrual mechanism to Fund Managers and ourselves</a:t>
-            </a:r>
-          </a:p>
-          <a:p>
-            <a:r>
-              <a:rPr lang="de-DE" dirty="0"/>
-              <a:t>Right: Liquidity demand side and auto-rebalancing mechanism this is all about</a:t>
-            </a:r>
-          </a:p>
-          <a:p>
-            <a:endParaRPr lang="de-DE" dirty="0"/>
-          </a:p>
-          <a:p>
-            <a:r>
-              <a:rPr lang="de-DE" dirty="0"/>
-              <a:t>Balancer protocol could enable the go-to structure of index funds for the smart contract era because it not only allows liquidity providers to put their diversified portfolios on cruise-control (which is what index funds do), but ads to it a very powerful revenue generating mechanism (like a decentralized exchange), which itself has a wider significance for the industry as we will see.</a:t>
-            </a:r>
-            <a:endParaRPr lang="LID4096" dirty="0"/>
-          </a:p>
-        </p:txBody>
-      </p:sp>
-      <p:sp>
-        <p:nvSpPr>
-          <p:cNvPr id="4" name="Slide Number Placeholder 3"/>
-          <p:cNvSpPr>
-            <a:spLocks noGrp="1"/>
-          </p:cNvSpPr>
-          <p:nvPr>
-            <p:ph type="sldNum" sz="quarter" idx="5"/>
-          </p:nvPr>
-        </p:nvSpPr>
-        <p:spPr/>
-        <p:txBody>
-          <a:bodyPr/>
-          <a:lstStyle/>
-          <a:p>
-            <a:fld id="{63470BAF-594A-4B93-AFAB-4E4ADD836AD7}" type="slidenum">
-              <a:rPr lang="en-GB" smtClean="0"/>
-              <a:t>3</a:t>
-            </a:fld>
-            <a:endParaRPr lang="en-GB" dirty="0"/>
-          </a:p>
-        </p:txBody>
-      </p:sp>
-    </p:spTree>
-    <p:extLst>
-      <p:ext uri="{BB962C8B-B14F-4D97-AF65-F5344CB8AC3E}">
         <p14:creationId xmlns:p14="http://schemas.microsoft.com/office/powerpoint/2010/main" val="2966570929"/>
       </p:ext>
     </p:extLst>
@@ -9422,7 +5532,7 @@
           <a:graphicData uri="http://schemas.openxmlformats.org/presentationml/2006/ole">
             <mc:AlternateContent xmlns:mc="http://schemas.openxmlformats.org/markup-compatibility/2006">
               <mc:Choice xmlns:v="urn:schemas-microsoft-com:vml" Requires="v">
-                <p:oleObj spid="_x0000_s1697" name="think-cell Slide" r:id="rId5" imgW="270" imgH="270" progId="TCLayout.ActiveDocument.1">
+                <p:oleObj spid="_x0000_s1696" name="think-cell Slide" r:id="rId5" imgW="270" imgH="270" progId="TCLayout.ActiveDocument.1">
                   <p:embed/>
                 </p:oleObj>
               </mc:Choice>
@@ -9810,7 +5920,7 @@
           <a:graphicData uri="http://schemas.openxmlformats.org/presentationml/2006/ole">
             <mc:AlternateContent xmlns:mc="http://schemas.openxmlformats.org/markup-compatibility/2006">
               <mc:Choice xmlns:v="urn:schemas-microsoft-com:vml" Requires="v">
-                <p:oleObj spid="_x0000_s39561" name="think-cell Slide" r:id="rId5" imgW="270" imgH="270" progId="TCLayout.ActiveDocument.1">
+                <p:oleObj spid="_x0000_s39560" name="think-cell Slide" r:id="rId5" imgW="270" imgH="270" progId="TCLayout.ActiveDocument.1">
                   <p:embed/>
                 </p:oleObj>
               </mc:Choice>
@@ -10283,7 +6393,7 @@
           <a:graphicData uri="http://schemas.openxmlformats.org/presentationml/2006/ole">
             <mc:AlternateContent xmlns:mc="http://schemas.openxmlformats.org/markup-compatibility/2006">
               <mc:Choice xmlns:v="urn:schemas-microsoft-com:vml" Requires="v">
-                <p:oleObj spid="_x0000_s40584" name="think-cell Slide" r:id="rId5" imgW="270" imgH="270" progId="TCLayout.ActiveDocument.1">
+                <p:oleObj spid="_x0000_s40583" name="think-cell Slide" r:id="rId5" imgW="270" imgH="270" progId="TCLayout.ActiveDocument.1">
                   <p:embed/>
                 </p:oleObj>
               </mc:Choice>
@@ -10682,7 +6792,7 @@
           <a:graphicData uri="http://schemas.openxmlformats.org/presentationml/2006/ole">
             <mc:AlternateContent xmlns:mc="http://schemas.openxmlformats.org/markup-compatibility/2006">
               <mc:Choice xmlns:v="urn:schemas-microsoft-com:vml" Requires="v">
-                <p:oleObj spid="_x0000_s41606" name="think-cell Slide" r:id="rId5" imgW="270" imgH="270" progId="TCLayout.ActiveDocument.1">
+                <p:oleObj spid="_x0000_s41605" name="think-cell Slide" r:id="rId5" imgW="270" imgH="270" progId="TCLayout.ActiveDocument.1">
                   <p:embed/>
                 </p:oleObj>
               </mc:Choice>
@@ -11034,7 +7144,7 @@
           <a:graphicData uri="http://schemas.openxmlformats.org/presentationml/2006/ole">
             <mc:AlternateContent xmlns:mc="http://schemas.openxmlformats.org/markup-compatibility/2006">
               <mc:Choice xmlns:v="urn:schemas-microsoft-com:vml" Requires="v">
-                <p:oleObj spid="_x0000_s42632" name="think-cell Slide" r:id="rId5" imgW="270" imgH="270" progId="TCLayout.ActiveDocument.1">
+                <p:oleObj spid="_x0000_s42631" name="think-cell Slide" r:id="rId5" imgW="270" imgH="270" progId="TCLayout.ActiveDocument.1">
                   <p:embed/>
                 </p:oleObj>
               </mc:Choice>
@@ -11344,7 +7454,7 @@
           <a:graphicData uri="http://schemas.openxmlformats.org/presentationml/2006/ole">
             <mc:AlternateContent xmlns:mc="http://schemas.openxmlformats.org/markup-compatibility/2006">
               <mc:Choice xmlns:v="urn:schemas-microsoft-com:vml" Requires="v">
-                <p:oleObj spid="_x0000_s83591" name="think-cell Slide" r:id="rId6" imgW="270" imgH="270" progId="TCLayout.ActiveDocument.1">
+                <p:oleObj spid="_x0000_s83590" name="think-cell Slide" r:id="rId6" imgW="270" imgH="270" progId="TCLayout.ActiveDocument.1">
                   <p:embed/>
                 </p:oleObj>
               </mc:Choice>
@@ -11648,7 +7758,7 @@
           <a:graphicData uri="http://schemas.openxmlformats.org/presentationml/2006/ole">
             <mc:AlternateContent xmlns:mc="http://schemas.openxmlformats.org/markup-compatibility/2006">
               <mc:Choice xmlns:v="urn:schemas-microsoft-com:vml" Requires="v">
-                <p:oleObj spid="_x0000_s43655" name="think-cell Slide" r:id="rId5" imgW="270" imgH="270" progId="TCLayout.ActiveDocument.1">
+                <p:oleObj spid="_x0000_s43654" name="think-cell Slide" r:id="rId5" imgW="270" imgH="270" progId="TCLayout.ActiveDocument.1">
                   <p:embed/>
                 </p:oleObj>
               </mc:Choice>
@@ -11948,7 +8058,7 @@
           <a:graphicData uri="http://schemas.openxmlformats.org/presentationml/2006/ole">
             <mc:AlternateContent xmlns:mc="http://schemas.openxmlformats.org/markup-compatibility/2006">
               <mc:Choice xmlns:v="urn:schemas-microsoft-com:vml" Requires="v">
-                <p:oleObj spid="_x0000_s44680" name="think-cell Slide" r:id="rId5" imgW="270" imgH="270" progId="TCLayout.ActiveDocument.1">
+                <p:oleObj spid="_x0000_s44679" name="think-cell Slide" r:id="rId5" imgW="270" imgH="270" progId="TCLayout.ActiveDocument.1">
                   <p:embed/>
                 </p:oleObj>
               </mc:Choice>
@@ -12337,7 +8447,7 @@
           <a:graphicData uri="http://schemas.openxmlformats.org/presentationml/2006/ole">
             <mc:AlternateContent xmlns:mc="http://schemas.openxmlformats.org/markup-compatibility/2006">
               <mc:Choice xmlns:v="urn:schemas-microsoft-com:vml" Requires="v">
-                <p:oleObj spid="_x0000_s45703" name="think-cell Slide" r:id="rId5" imgW="270" imgH="270" progId="TCLayout.ActiveDocument.1">
+                <p:oleObj spid="_x0000_s45702" name="think-cell Slide" r:id="rId5" imgW="270" imgH="270" progId="TCLayout.ActiveDocument.1">
                   <p:embed/>
                 </p:oleObj>
               </mc:Choice>
@@ -12615,7 +8725,7 @@
           <a:graphicData uri="http://schemas.openxmlformats.org/presentationml/2006/ole">
             <mc:AlternateContent xmlns:mc="http://schemas.openxmlformats.org/markup-compatibility/2006">
               <mc:Choice xmlns:v="urn:schemas-microsoft-com:vml" Requires="v">
-                <p:oleObj spid="_x0000_s46725" name="think-cell Slide" r:id="rId6" imgW="270" imgH="270" progId="TCLayout.ActiveDocument.1">
+                <p:oleObj spid="_x0000_s46724" name="think-cell Slide" r:id="rId6" imgW="270" imgH="270" progId="TCLayout.ActiveDocument.1">
                   <p:embed/>
                 </p:oleObj>
               </mc:Choice>
@@ -12932,7 +9042,7 @@
           <a:graphicData uri="http://schemas.openxmlformats.org/presentationml/2006/ole">
             <mc:AlternateContent xmlns:mc="http://schemas.openxmlformats.org/markup-compatibility/2006">
               <mc:Choice xmlns:v="urn:schemas-microsoft-com:vml" Requires="v">
-                <p:oleObj spid="_x0000_s87681" name="think-cell Slide" r:id="rId7" imgW="270" imgH="270" progId="TCLayout.ActiveDocument.1">
+                <p:oleObj spid="_x0000_s87680" name="think-cell Slide" r:id="rId7" imgW="270" imgH="270" progId="TCLayout.ActiveDocument.1">
                   <p:embed/>
                 </p:oleObj>
               </mc:Choice>
@@ -13162,7 +9272,7 @@
           <a:graphicData uri="http://schemas.openxmlformats.org/presentationml/2006/ole">
             <mc:AlternateContent xmlns:mc="http://schemas.openxmlformats.org/markup-compatibility/2006">
               <mc:Choice xmlns:v="urn:schemas-microsoft-com:vml" Requires="v">
-                <p:oleObj spid="_x0000_s20117" name="think-cell Slide" r:id="rId5" imgW="270" imgH="270" progId="TCLayout.ActiveDocument.1">
+                <p:oleObj spid="_x0000_s20116" name="think-cell Slide" r:id="rId5" imgW="270" imgH="270" progId="TCLayout.ActiveDocument.1">
                   <p:embed/>
                 </p:oleObj>
               </mc:Choice>
@@ -13458,7 +9568,7 @@
           <a:graphicData uri="http://schemas.openxmlformats.org/presentationml/2006/ole">
             <mc:AlternateContent xmlns:mc="http://schemas.openxmlformats.org/markup-compatibility/2006">
               <mc:Choice xmlns:v="urn:schemas-microsoft-com:vml" Requires="v">
-                <p:oleObj spid="_x0000_s49800" name="think-cell Slide" r:id="rId6" imgW="270" imgH="270" progId="TCLayout.ActiveDocument.1">
+                <p:oleObj spid="_x0000_s49799" name="think-cell Slide" r:id="rId6" imgW="270" imgH="270" progId="TCLayout.ActiveDocument.1">
                   <p:embed/>
                 </p:oleObj>
               </mc:Choice>
@@ -13924,7 +10034,7 @@
           <a:graphicData uri="http://schemas.openxmlformats.org/presentationml/2006/ole">
             <mc:AlternateContent xmlns:mc="http://schemas.openxmlformats.org/markup-compatibility/2006">
               <mc:Choice xmlns:v="urn:schemas-microsoft-com:vml" Requires="v">
-                <p:oleObj spid="_x0000_s88707" name="think-cell Slide" r:id="rId7" imgW="270" imgH="270" progId="TCLayout.ActiveDocument.1">
+                <p:oleObj spid="_x0000_s88706" name="think-cell Slide" r:id="rId7" imgW="270" imgH="270" progId="TCLayout.ActiveDocument.1">
                   <p:embed/>
                 </p:oleObj>
               </mc:Choice>
@@ -14334,7 +10444,7 @@
           <a:graphicData uri="http://schemas.openxmlformats.org/presentationml/2006/ole">
             <mc:AlternateContent xmlns:mc="http://schemas.openxmlformats.org/markup-compatibility/2006">
               <mc:Choice xmlns:v="urn:schemas-microsoft-com:vml" Requires="v">
-                <p:oleObj spid="_x0000_s90542" name="think-cell Slide" r:id="rId7" imgW="270" imgH="270" progId="TCLayout.ActiveDocument.1">
+                <p:oleObj spid="_x0000_s90541" name="think-cell Slide" r:id="rId7" imgW="270" imgH="270" progId="TCLayout.ActiveDocument.1">
                   <p:embed/>
                 </p:oleObj>
               </mc:Choice>
@@ -14712,7 +10822,7 @@
           <a:graphicData uri="http://schemas.openxmlformats.org/presentationml/2006/ole">
             <mc:AlternateContent xmlns:mc="http://schemas.openxmlformats.org/markup-compatibility/2006">
               <mc:Choice xmlns:v="urn:schemas-microsoft-com:vml" Requires="v">
-                <p:oleObj spid="_x0000_s86662" name="think-cell Slide" r:id="rId7" imgW="270" imgH="270" progId="TCLayout.ActiveDocument.1">
+                <p:oleObj spid="_x0000_s86661" name="think-cell Slide" r:id="rId7" imgW="270" imgH="270" progId="TCLayout.ActiveDocument.1">
                   <p:embed/>
                 </p:oleObj>
               </mc:Choice>
@@ -15093,7 +11203,7 @@
           <a:graphicData uri="http://schemas.openxmlformats.org/presentationml/2006/ole">
             <mc:AlternateContent xmlns:mc="http://schemas.openxmlformats.org/markup-compatibility/2006">
               <mc:Choice xmlns:v="urn:schemas-microsoft-com:vml" Requires="v">
-                <p:oleObj spid="_x0000_s95460" name="think-cell Slide" r:id="rId5" imgW="270" imgH="270" progId="TCLayout.ActiveDocument.1">
+                <p:oleObj spid="_x0000_s95459" name="think-cell Slide" r:id="rId5" imgW="270" imgH="270" progId="TCLayout.ActiveDocument.1">
                   <p:embed/>
                 </p:oleObj>
               </mc:Choice>
@@ -15519,7 +11629,7 @@
           <a:graphicData uri="http://schemas.openxmlformats.org/presentationml/2006/ole">
             <mc:AlternateContent xmlns:mc="http://schemas.openxmlformats.org/markup-compatibility/2006">
               <mc:Choice xmlns:v="urn:schemas-microsoft-com:vml" Requires="v">
-                <p:oleObj spid="_x0000_s96484" name="think-cell Slide" r:id="rId5" imgW="270" imgH="270" progId="TCLayout.ActiveDocument.1">
+                <p:oleObj spid="_x0000_s96483" name="think-cell Slide" r:id="rId5" imgW="270" imgH="270" progId="TCLayout.ActiveDocument.1">
                   <p:embed/>
                 </p:oleObj>
               </mc:Choice>
@@ -15913,7 +12023,7 @@
           <a:graphicData uri="http://schemas.openxmlformats.org/presentationml/2006/ole">
             <mc:AlternateContent xmlns:mc="http://schemas.openxmlformats.org/markup-compatibility/2006">
               <mc:Choice xmlns:v="urn:schemas-microsoft-com:vml" Requires="v">
-                <p:oleObj spid="_x0000_s97508" name="think-cell Slide" r:id="rId5" imgW="270" imgH="270" progId="TCLayout.ActiveDocument.1">
+                <p:oleObj spid="_x0000_s97507" name="think-cell Slide" r:id="rId5" imgW="270" imgH="270" progId="TCLayout.ActiveDocument.1">
                   <p:embed/>
                 </p:oleObj>
               </mc:Choice>
@@ -16260,7 +12370,7 @@
           <a:graphicData uri="http://schemas.openxmlformats.org/presentationml/2006/ole">
             <mc:AlternateContent xmlns:mc="http://schemas.openxmlformats.org/markup-compatibility/2006">
               <mc:Choice xmlns:v="urn:schemas-microsoft-com:vml" Requires="v">
-                <p:oleObj spid="_x0000_s98532" name="think-cell Slide" r:id="rId5" imgW="270" imgH="270" progId="TCLayout.ActiveDocument.1">
+                <p:oleObj spid="_x0000_s98531" name="think-cell Slide" r:id="rId5" imgW="270" imgH="270" progId="TCLayout.ActiveDocument.1">
                   <p:embed/>
                 </p:oleObj>
               </mc:Choice>
@@ -16561,7 +12671,7 @@
           <a:graphicData uri="http://schemas.openxmlformats.org/presentationml/2006/ole">
             <mc:AlternateContent xmlns:mc="http://schemas.openxmlformats.org/markup-compatibility/2006">
               <mc:Choice xmlns:v="urn:schemas-microsoft-com:vml" Requires="v">
-                <p:oleObj spid="_x0000_s99556" name="think-cell Slide" r:id="rId6" imgW="270" imgH="270" progId="TCLayout.ActiveDocument.1">
+                <p:oleObj spid="_x0000_s99555" name="think-cell Slide" r:id="rId6" imgW="270" imgH="270" progId="TCLayout.ActiveDocument.1">
                   <p:embed/>
                 </p:oleObj>
               </mc:Choice>
@@ -16860,7 +12970,7 @@
           <a:graphicData uri="http://schemas.openxmlformats.org/presentationml/2006/ole">
             <mc:AlternateContent xmlns:mc="http://schemas.openxmlformats.org/markup-compatibility/2006">
               <mc:Choice xmlns:v="urn:schemas-microsoft-com:vml" Requires="v">
-                <p:oleObj spid="_x0000_s100580" name="think-cell Slide" r:id="rId5" imgW="270" imgH="270" progId="TCLayout.ActiveDocument.1">
+                <p:oleObj spid="_x0000_s100579" name="think-cell Slide" r:id="rId5" imgW="270" imgH="270" progId="TCLayout.ActiveDocument.1">
                   <p:embed/>
                 </p:oleObj>
               </mc:Choice>
@@ -17207,7 +13317,7 @@
           <a:graphicData uri="http://schemas.openxmlformats.org/presentationml/2006/ole">
             <mc:AlternateContent xmlns:mc="http://schemas.openxmlformats.org/markup-compatibility/2006">
               <mc:Choice xmlns:v="urn:schemas-microsoft-com:vml" Requires="v">
-                <p:oleObj spid="_x0000_s21141" name="think-cell Slide" r:id="rId5" imgW="270" imgH="270" progId="TCLayout.ActiveDocument.1">
+                <p:oleObj spid="_x0000_s21140" name="think-cell Slide" r:id="rId5" imgW="270" imgH="270" progId="TCLayout.ActiveDocument.1">
                   <p:embed/>
                 </p:oleObj>
               </mc:Choice>
@@ -17488,7 +13598,7 @@
           <a:graphicData uri="http://schemas.openxmlformats.org/presentationml/2006/ole">
             <mc:AlternateContent xmlns:mc="http://schemas.openxmlformats.org/markup-compatibility/2006">
               <mc:Choice xmlns:v="urn:schemas-microsoft-com:vml" Requires="v">
-                <p:oleObj spid="_x0000_s101604" name="think-cell Slide" r:id="rId5" imgW="270" imgH="270" progId="TCLayout.ActiveDocument.1">
+                <p:oleObj spid="_x0000_s101603" name="think-cell Slide" r:id="rId5" imgW="270" imgH="270" progId="TCLayout.ActiveDocument.1">
                   <p:embed/>
                 </p:oleObj>
               </mc:Choice>
@@ -17872,7 +13982,7 @@
           <a:graphicData uri="http://schemas.openxmlformats.org/presentationml/2006/ole">
             <mc:AlternateContent xmlns:mc="http://schemas.openxmlformats.org/markup-compatibility/2006">
               <mc:Choice xmlns:v="urn:schemas-microsoft-com:vml" Requires="v">
-                <p:oleObj spid="_x0000_s102628" name="think-cell Slide" r:id="rId5" imgW="270" imgH="270" progId="TCLayout.ActiveDocument.1">
+                <p:oleObj spid="_x0000_s102627" name="think-cell Slide" r:id="rId5" imgW="270" imgH="270" progId="TCLayout.ActiveDocument.1">
                   <p:embed/>
                 </p:oleObj>
               </mc:Choice>
@@ -18145,7 +14255,7 @@
           <a:graphicData uri="http://schemas.openxmlformats.org/presentationml/2006/ole">
             <mc:AlternateContent xmlns:mc="http://schemas.openxmlformats.org/markup-compatibility/2006">
               <mc:Choice xmlns:v="urn:schemas-microsoft-com:vml" Requires="v">
-                <p:oleObj spid="_x0000_s103652" name="think-cell Slide" r:id="rId6" imgW="270" imgH="270" progId="TCLayout.ActiveDocument.1">
+                <p:oleObj spid="_x0000_s103651" name="think-cell Slide" r:id="rId6" imgW="270" imgH="270" progId="TCLayout.ActiveDocument.1">
                   <p:embed/>
                 </p:oleObj>
               </mc:Choice>
@@ -18457,7 +14567,7 @@
           <a:graphicData uri="http://schemas.openxmlformats.org/presentationml/2006/ole">
             <mc:AlternateContent xmlns:mc="http://schemas.openxmlformats.org/markup-compatibility/2006">
               <mc:Choice xmlns:v="urn:schemas-microsoft-com:vml" Requires="v">
-                <p:oleObj spid="_x0000_s104676" name="think-cell Slide" r:id="rId7" imgW="270" imgH="270" progId="TCLayout.ActiveDocument.1">
+                <p:oleObj spid="_x0000_s104675" name="think-cell Slide" r:id="rId7" imgW="270" imgH="270" progId="TCLayout.ActiveDocument.1">
                   <p:embed/>
                 </p:oleObj>
               </mc:Choice>
@@ -18682,7 +14792,7 @@
           <a:graphicData uri="http://schemas.openxmlformats.org/presentationml/2006/ole">
             <mc:AlternateContent xmlns:mc="http://schemas.openxmlformats.org/markup-compatibility/2006">
               <mc:Choice xmlns:v="urn:schemas-microsoft-com:vml" Requires="v">
-                <p:oleObj spid="_x0000_s105700" name="think-cell Slide" r:id="rId6" imgW="270" imgH="270" progId="TCLayout.ActiveDocument.1">
+                <p:oleObj spid="_x0000_s105699" name="think-cell Slide" r:id="rId6" imgW="270" imgH="270" progId="TCLayout.ActiveDocument.1">
                   <p:embed/>
                 </p:oleObj>
               </mc:Choice>
@@ -19143,7 +15253,7 @@
           <a:graphicData uri="http://schemas.openxmlformats.org/presentationml/2006/ole">
             <mc:AlternateContent xmlns:mc="http://schemas.openxmlformats.org/markup-compatibility/2006">
               <mc:Choice xmlns:v="urn:schemas-microsoft-com:vml" Requires="v">
-                <p:oleObj spid="_x0000_s106724" name="think-cell Slide" r:id="rId7" imgW="270" imgH="270" progId="TCLayout.ActiveDocument.1">
+                <p:oleObj spid="_x0000_s106723" name="think-cell Slide" r:id="rId7" imgW="270" imgH="270" progId="TCLayout.ActiveDocument.1">
                   <p:embed/>
                 </p:oleObj>
               </mc:Choice>
@@ -19548,7 +15658,7 @@
           <a:graphicData uri="http://schemas.openxmlformats.org/presentationml/2006/ole">
             <mc:AlternateContent xmlns:mc="http://schemas.openxmlformats.org/markup-compatibility/2006">
               <mc:Choice xmlns:v="urn:schemas-microsoft-com:vml" Requires="v">
-                <p:oleObj spid="_x0000_s107748" name="think-cell Slide" r:id="rId7" imgW="270" imgH="270" progId="TCLayout.ActiveDocument.1">
+                <p:oleObj spid="_x0000_s107747" name="think-cell Slide" r:id="rId7" imgW="270" imgH="270" progId="TCLayout.ActiveDocument.1">
                   <p:embed/>
                 </p:oleObj>
               </mc:Choice>
@@ -19921,7 +16031,7 @@
           <a:graphicData uri="http://schemas.openxmlformats.org/presentationml/2006/ole">
             <mc:AlternateContent xmlns:mc="http://schemas.openxmlformats.org/markup-compatibility/2006">
               <mc:Choice xmlns:v="urn:schemas-microsoft-com:vml" Requires="v">
-                <p:oleObj spid="_x0000_s108772" name="think-cell Slide" r:id="rId7" imgW="270" imgH="270" progId="TCLayout.ActiveDocument.1">
+                <p:oleObj spid="_x0000_s108771" name="think-cell Slide" r:id="rId7" imgW="270" imgH="270" progId="TCLayout.ActiveDocument.1">
                   <p:embed/>
                 </p:oleObj>
               </mc:Choice>
@@ -20260,7 +16370,7 @@
           <a:graphicData uri="http://schemas.openxmlformats.org/presentationml/2006/ole">
             <mc:AlternateContent xmlns:mc="http://schemas.openxmlformats.org/markup-compatibility/2006">
               <mc:Choice xmlns:v="urn:schemas-microsoft-com:vml" Requires="v">
-                <p:oleObj spid="_x0000_s6819" name="think-cell Slide" r:id="rId5" imgW="270" imgH="270" progId="TCLayout.ActiveDocument.1">
+                <p:oleObj spid="_x0000_s6818" name="think-cell Slide" r:id="rId5" imgW="270" imgH="270" progId="TCLayout.ActiveDocument.1">
                   <p:embed/>
                 </p:oleObj>
               </mc:Choice>
@@ -20660,7 +16770,7 @@
           <a:graphicData uri="http://schemas.openxmlformats.org/presentationml/2006/ole">
             <mc:AlternateContent xmlns:mc="http://schemas.openxmlformats.org/markup-compatibility/2006">
               <mc:Choice xmlns:v="urn:schemas-microsoft-com:vml" Requires="v">
-                <p:oleObj spid="_x0000_s28302" name="think-cell Slide" r:id="rId6" imgW="270" imgH="270" progId="TCLayout.ActiveDocument.1">
+                <p:oleObj spid="_x0000_s28301" name="think-cell Slide" r:id="rId6" imgW="270" imgH="270" progId="TCLayout.ActiveDocument.1">
                   <p:embed/>
                 </p:oleObj>
               </mc:Choice>
@@ -21058,7 +17168,7 @@
           <a:graphicData uri="http://schemas.openxmlformats.org/presentationml/2006/ole">
             <mc:AlternateContent xmlns:mc="http://schemas.openxmlformats.org/markup-compatibility/2006">
               <mc:Choice xmlns:v="urn:schemas-microsoft-com:vml" Requires="v">
-                <p:oleObj spid="_x0000_s29326" name="think-cell Slide" r:id="rId6" imgW="270" imgH="270" progId="TCLayout.ActiveDocument.1">
+                <p:oleObj spid="_x0000_s29325" name="think-cell Slide" r:id="rId6" imgW="270" imgH="270" progId="TCLayout.ActiveDocument.1">
                   <p:embed/>
                 </p:oleObj>
               </mc:Choice>
@@ -21488,7 +17598,7 @@
           <a:graphicData uri="http://schemas.openxmlformats.org/presentationml/2006/ole">
             <mc:AlternateContent xmlns:mc="http://schemas.openxmlformats.org/markup-compatibility/2006">
               <mc:Choice xmlns:v="urn:schemas-microsoft-com:vml" Requires="v">
-                <p:oleObj spid="_x0000_s30347" name="think-cell Slide" r:id="rId6" imgW="270" imgH="270" progId="TCLayout.ActiveDocument.1">
+                <p:oleObj spid="_x0000_s30346" name="think-cell Slide" r:id="rId6" imgW="270" imgH="270" progId="TCLayout.ActiveDocument.1">
                   <p:embed/>
                 </p:oleObj>
               </mc:Choice>
@@ -21757,7 +17867,7 @@
           <a:graphicData uri="http://schemas.openxmlformats.org/presentationml/2006/ole">
             <mc:AlternateContent xmlns:mc="http://schemas.openxmlformats.org/markup-compatibility/2006">
               <mc:Choice xmlns:v="urn:schemas-microsoft-com:vml" Requires="v">
-                <p:oleObj spid="_x0000_s8861" name="think-cell Slide" r:id="rId6" imgW="270" imgH="270" progId="TCLayout.ActiveDocument.1">
+                <p:oleObj spid="_x0000_s8860" name="think-cell Slide" r:id="rId6" imgW="270" imgH="270" progId="TCLayout.ActiveDocument.1">
                   <p:embed/>
                 </p:oleObj>
               </mc:Choice>
@@ -22028,7 +18138,7 @@
           <a:graphicData uri="http://schemas.openxmlformats.org/presentationml/2006/ole">
             <mc:AlternateContent xmlns:mc="http://schemas.openxmlformats.org/markup-compatibility/2006">
               <mc:Choice xmlns:v="urn:schemas-microsoft-com:vml" Requires="v">
-                <p:oleObj spid="_x0000_s10910" name="think-cell Slide" r:id="rId6" imgW="270" imgH="270" progId="TCLayout.ActiveDocument.1">
+                <p:oleObj spid="_x0000_s10909" name="think-cell Slide" r:id="rId6" imgW="270" imgH="270" progId="TCLayout.ActiveDocument.1">
                   <p:embed/>
                 </p:oleObj>
               </mc:Choice>
@@ -22405,7 +18515,7 @@
           <a:graphicData uri="http://schemas.openxmlformats.org/presentationml/2006/ole">
             <mc:AlternateContent xmlns:mc="http://schemas.openxmlformats.org/markup-compatibility/2006">
               <mc:Choice xmlns:v="urn:schemas-microsoft-com:vml" Requires="v">
-                <p:oleObj spid="_x0000_s2734" name="think-cell Slide" r:id="rId14" imgW="270" imgH="270" progId="TCLayout.ActiveDocument.1">
+                <p:oleObj spid="_x0000_s2733" name="think-cell Slide" r:id="rId14" imgW="270" imgH="270" progId="TCLayout.ActiveDocument.1">
                   <p:embed/>
                 </p:oleObj>
               </mc:Choice>
@@ -23022,7 +19132,7 @@
           <a:graphicData uri="http://schemas.openxmlformats.org/presentationml/2006/ole">
             <mc:AlternateContent xmlns:mc="http://schemas.openxmlformats.org/markup-compatibility/2006">
               <mc:Choice xmlns:v="urn:schemas-microsoft-com:vml" Requires="v">
-                <p:oleObj spid="_x0000_s38541" name="think-cell Slide" r:id="rId20" imgW="270" imgH="270" progId="TCLayout.ActiveDocument.1">
+                <p:oleObj spid="_x0000_s38540" name="think-cell Slide" r:id="rId20" imgW="270" imgH="270" progId="TCLayout.ActiveDocument.1">
                   <p:embed/>
                 </p:oleObj>
               </mc:Choice>
@@ -23641,7 +19751,7 @@
           <a:graphicData uri="http://schemas.openxmlformats.org/presentationml/2006/ole">
             <mc:AlternateContent xmlns:mc="http://schemas.openxmlformats.org/markup-compatibility/2006">
               <mc:Choice xmlns:v="urn:schemas-microsoft-com:vml" Requires="v">
-                <p:oleObj spid="_x0000_s94437" name="think-cell Slide" r:id="rId20" imgW="270" imgH="270" progId="TCLayout.ActiveDocument.1">
+                <p:oleObj spid="_x0000_s94436" name="think-cell Slide" r:id="rId20" imgW="270" imgH="270" progId="TCLayout.ActiveDocument.1">
                   <p:embed/>
                 </p:oleObj>
               </mc:Choice>
@@ -25453,6 +21563,40 @@
           </p:txBody>
         </p:sp>
       </p:grpSp>
+      <p:sp>
+        <p:nvSpPr>
+          <p:cNvPr id="21" name="Title 1">
+            <a:extLst>
+              <a:ext uri="{FF2B5EF4-FFF2-40B4-BE49-F238E27FC236}">
+                <a16:creationId xmlns:a16="http://schemas.microsoft.com/office/drawing/2014/main" id="{51E63306-62FD-4F28-86B1-694AC08E286B}"/>
+              </a:ext>
+            </a:extLst>
+          </p:cNvPr>
+          <p:cNvSpPr>
+            <a:spLocks noGrp="1"/>
+          </p:cNvSpPr>
+          <p:nvPr>
+            <p:ph type="title"/>
+          </p:nvPr>
+        </p:nvSpPr>
+        <p:spPr>
+          <a:xfrm>
+            <a:off x="709441" y="444371"/>
+            <a:ext cx="7777170" cy="353943"/>
+          </a:xfrm>
+        </p:spPr>
+        <p:txBody>
+          <a:bodyPr/>
+          <a:lstStyle/>
+          <a:p>
+            <a:r>
+              <a:rPr lang="de-DE" dirty="0"/>
+              <a:t>Balancer pools</a:t>
+            </a:r>
+            <a:endParaRPr lang="LID4096" dirty="0"/>
+          </a:p>
+        </p:txBody>
+      </p:sp>
     </p:spTree>
     <p:extLst>
       <p:ext uri="{BB962C8B-B14F-4D97-AF65-F5344CB8AC3E}">
@@ -25467,1409 +21611,6 @@
 </file>
 
 <file path=ppt/slides/slide2.xml><?xml version="1.0" encoding="utf-8"?>
-<p:sld xmlns:a="http://schemas.openxmlformats.org/drawingml/2006/main" xmlns:r="http://schemas.openxmlformats.org/officeDocument/2006/relationships" xmlns:p="http://schemas.openxmlformats.org/presentationml/2006/main">
-  <p:cSld>
-    <p:spTree>
-      <p:nvGrpSpPr>
-        <p:cNvPr id="1" name=""/>
-        <p:cNvGrpSpPr/>
-        <p:nvPr/>
-      </p:nvGrpSpPr>
-      <p:grpSpPr>
-        <a:xfrm>
-          <a:off x="0" y="0"/>
-          <a:ext cx="0" cy="0"/>
-          <a:chOff x="0" y="0"/>
-          <a:chExt cx="0" cy="0"/>
-        </a:xfrm>
-      </p:grpSpPr>
-      <p:sp>
-        <p:nvSpPr>
-          <p:cNvPr id="3" name="Slide Number Placeholder 2">
-            <a:extLst>
-              <a:ext uri="{FF2B5EF4-FFF2-40B4-BE49-F238E27FC236}">
-                <a16:creationId xmlns:a16="http://schemas.microsoft.com/office/drawing/2014/main" id="{17B7944E-F85E-4DAD-A84C-97DB0957FC78}"/>
-              </a:ext>
-            </a:extLst>
-          </p:cNvPr>
-          <p:cNvSpPr>
-            <a:spLocks noGrp="1"/>
-          </p:cNvSpPr>
-          <p:nvPr>
-            <p:ph type="sldNum" sz="quarter" idx="11"/>
-          </p:nvPr>
-        </p:nvSpPr>
-        <p:spPr/>
-        <p:txBody>
-          <a:bodyPr/>
-          <a:lstStyle/>
-          <a:p>
-            <a:fld id="{1CD8CD30-02E3-43BF-9B50-B3A65A7C9611}" type="slidenum">
-              <a:rPr lang="LID4096" smtClean="0"/>
-              <a:t>2</a:t>
-            </a:fld>
-            <a:endParaRPr lang="LID4096"/>
-          </a:p>
-        </p:txBody>
-      </p:sp>
-      <p:pic>
-        <p:nvPicPr>
-          <p:cNvPr id="26" name="Graphic 25" descr="User">
-            <a:extLst>
-              <a:ext uri="{FF2B5EF4-FFF2-40B4-BE49-F238E27FC236}">
-                <a16:creationId xmlns:a16="http://schemas.microsoft.com/office/drawing/2014/main" id="{00BDCF85-C58B-4B33-8B96-2A5E296BA507}"/>
-              </a:ext>
-            </a:extLst>
-          </p:cNvPr>
-          <p:cNvPicPr>
-            <a:picLocks noChangeAspect="1"/>
-          </p:cNvPicPr>
-          <p:nvPr/>
-        </p:nvPicPr>
-        <p:blipFill>
-          <a:blip r:embed="rId3">
-            <a:extLst>
-              <a:ext uri="{28A0092B-C50C-407E-A947-70E740481C1C}">
-                <a14:useLocalDpi xmlns:a14="http://schemas.microsoft.com/office/drawing/2010/main" val="0"/>
-              </a:ext>
-              <a:ext uri="{96DAC541-7B7A-43D3-8B79-37D633B846F1}">
-                <asvg:svgBlip xmlns:asvg="http://schemas.microsoft.com/office/drawing/2016/SVG/main" r:embed="rId4"/>
-              </a:ext>
-            </a:extLst>
-          </a:blip>
-          <a:stretch>
-            <a:fillRect/>
-          </a:stretch>
-        </p:blipFill>
-        <p:spPr>
-          <a:xfrm>
-            <a:off x="5656692" y="3591183"/>
-            <a:ext cx="668162" cy="668162"/>
-          </a:xfrm>
-          <a:prstGeom prst="rect">
-            <a:avLst/>
-          </a:prstGeom>
-        </p:spPr>
-      </p:pic>
-      <p:sp>
-        <p:nvSpPr>
-          <p:cNvPr id="52" name="Text Placeholder 2">
-            <a:extLst>
-              <a:ext uri="{FF2B5EF4-FFF2-40B4-BE49-F238E27FC236}">
-                <a16:creationId xmlns:a16="http://schemas.microsoft.com/office/drawing/2014/main" id="{CECDC7D4-CD3D-4804-A03D-1E19314DDD4A}"/>
-              </a:ext>
-            </a:extLst>
-          </p:cNvPr>
-          <p:cNvSpPr txBox="1">
-            <a:spLocks/>
-          </p:cNvSpPr>
-          <p:nvPr/>
-        </p:nvSpPr>
-        <p:spPr>
-          <a:xfrm>
-            <a:off x="6217200" y="3803624"/>
-            <a:ext cx="598692" cy="300030"/>
-          </a:xfrm>
-          <a:prstGeom prst="rect">
-            <a:avLst/>
-          </a:prstGeom>
-        </p:spPr>
-        <p:txBody>
-          <a:bodyPr vert="horz" lIns="0" tIns="0" rIns="0" bIns="0" rtlCol="0">
-            <a:noAutofit/>
-          </a:bodyPr>
-          <a:lstStyle>
-            <a:lvl1pPr marL="252000" indent="-252000">
-              <a:spcBef>
-                <a:spcPts val="600"/>
-              </a:spcBef>
-              <a:buFontTx/>
-              <a:buBlip>
-                <a:blip r:embed="rId5"/>
-              </a:buBlip>
-              <a:defRPr sz="1800">
-                <a:solidFill>
-                  <a:srgbClr val="130F40"/>
-                </a:solidFill>
-                <a:latin typeface="+mn-lt"/>
-                <a:ea typeface="+mn-ea"/>
-                <a:cs typeface="+mn-cs"/>
-              </a:defRPr>
-            </a:lvl1pPr>
-            <a:lvl2pPr marL="504000" indent="-252000">
-              <a:spcBef>
-                <a:spcPts val="600"/>
-              </a:spcBef>
-              <a:buFont typeface="Arial" panose="020B0604020202020204" pitchFamily="34" charset="0"/>
-              <a:buChar char="•"/>
-              <a:defRPr sz="1800">
-                <a:solidFill>
-                  <a:srgbClr val="130F40"/>
-                </a:solidFill>
-                <a:latin typeface="+mn-lt"/>
-                <a:ea typeface="+mn-ea"/>
-                <a:cs typeface="+mn-cs"/>
-              </a:defRPr>
-            </a:lvl2pPr>
-            <a:lvl3pPr marL="756000" indent="-252000">
-              <a:spcBef>
-                <a:spcPts val="600"/>
-              </a:spcBef>
-              <a:buFont typeface="Avenir" panose="02000503040000020003" pitchFamily="2" charset="0"/>
-              <a:buChar char="Ð"/>
-              <a:defRPr sz="1800">
-                <a:solidFill>
-                  <a:srgbClr val="130F40"/>
-                </a:solidFill>
-                <a:latin typeface="+mn-lt"/>
-                <a:ea typeface="+mn-ea"/>
-                <a:cs typeface="+mn-cs"/>
-              </a:defRPr>
-            </a:lvl3pPr>
-            <a:lvl4pPr marL="1008000" indent="-252000">
-              <a:spcBef>
-                <a:spcPts val="600"/>
-              </a:spcBef>
-              <a:buFont typeface="Wingdings" panose="05000000000000000000" pitchFamily="2" charset="2"/>
-              <a:buChar char="§"/>
-              <a:defRPr lang="en-US" sz="1800" dirty="0" smtClean="0">
-                <a:solidFill>
-                  <a:srgbClr val="130F40"/>
-                </a:solidFill>
-                <a:latin typeface="+mn-lt"/>
-                <a:ea typeface="+mn-ea"/>
-                <a:cs typeface="+mn-cs"/>
-              </a:defRPr>
-            </a:lvl4pPr>
-            <a:lvl5pPr marL="1260000" indent="-252000">
-              <a:spcBef>
-                <a:spcPts val="600"/>
-              </a:spcBef>
-              <a:defRPr sz="1800">
-                <a:solidFill>
-                  <a:srgbClr val="130F40"/>
-                </a:solidFill>
-                <a:latin typeface="+mn-lt"/>
-                <a:ea typeface="+mn-ea"/>
-                <a:cs typeface="+mn-cs"/>
-              </a:defRPr>
-            </a:lvl5pPr>
-            <a:lvl6pPr marL="1434922">
-              <a:defRPr>
-                <a:latin typeface="+mn-lt"/>
-                <a:ea typeface="+mn-ea"/>
-                <a:cs typeface="+mn-cs"/>
-              </a:defRPr>
-            </a:lvl6pPr>
-            <a:lvl7pPr marL="1721907">
-              <a:defRPr>
-                <a:latin typeface="+mn-lt"/>
-                <a:ea typeface="+mn-ea"/>
-                <a:cs typeface="+mn-cs"/>
-              </a:defRPr>
-            </a:lvl7pPr>
-            <a:lvl8pPr marL="2008891">
-              <a:defRPr>
-                <a:latin typeface="+mn-lt"/>
-                <a:ea typeface="+mn-ea"/>
-                <a:cs typeface="+mn-cs"/>
-              </a:defRPr>
-            </a:lvl8pPr>
-            <a:lvl9pPr marL="2295876">
-              <a:defRPr>
-                <a:latin typeface="+mn-lt"/>
-                <a:ea typeface="+mn-ea"/>
-                <a:cs typeface="+mn-cs"/>
-              </a:defRPr>
-            </a:lvl9pPr>
-          </a:lstStyle>
-          <a:p>
-            <a:pPr marL="0" indent="0" algn="ctr" defTabSz="914400">
-              <a:buFontTx/>
-              <a:buNone/>
-            </a:pPr>
-            <a:r>
-              <a:rPr lang="de-DE" sz="1600" b="1" kern="0" dirty="0"/>
-              <a:t>Trader</a:t>
-            </a:r>
-          </a:p>
-          <a:p>
-            <a:pPr marL="0" indent="0" algn="ctr" defTabSz="914400">
-              <a:buFontTx/>
-              <a:buNone/>
-            </a:pPr>
-            <a:endParaRPr lang="LID4096" sz="1400" b="1" kern="0" dirty="0"/>
-          </a:p>
-        </p:txBody>
-      </p:sp>
-      <p:grpSp>
-        <p:nvGrpSpPr>
-          <p:cNvPr id="54" name="Group 53">
-            <a:extLst>
-              <a:ext uri="{FF2B5EF4-FFF2-40B4-BE49-F238E27FC236}">
-                <a16:creationId xmlns:a16="http://schemas.microsoft.com/office/drawing/2014/main" id="{2458A9F2-8DCF-490D-87FD-6DF179239FA4}"/>
-              </a:ext>
-            </a:extLst>
-          </p:cNvPr>
-          <p:cNvGrpSpPr/>
-          <p:nvPr/>
-        </p:nvGrpSpPr>
-        <p:grpSpPr>
-          <a:xfrm>
-            <a:off x="5104223" y="1851350"/>
-            <a:ext cx="1329272" cy="886181"/>
-            <a:chOff x="1706326" y="1731405"/>
-            <a:chExt cx="2493192" cy="1662128"/>
-          </a:xfrm>
-        </p:grpSpPr>
-        <p:graphicFrame>
-          <p:nvGraphicFramePr>
-            <p:cNvPr id="55" name="Chart 54">
-              <a:extLst>
-                <a:ext uri="{FF2B5EF4-FFF2-40B4-BE49-F238E27FC236}">
-                  <a16:creationId xmlns:a16="http://schemas.microsoft.com/office/drawing/2014/main" id="{ABC86303-F1BB-4BA4-AD12-1EF08094CFAA}"/>
-                </a:ext>
-              </a:extLst>
-            </p:cNvPr>
-            <p:cNvGraphicFramePr/>
-            <p:nvPr/>
-          </p:nvGraphicFramePr>
-          <p:xfrm>
-            <a:off x="1706326" y="1731405"/>
-            <a:ext cx="2493192" cy="1662128"/>
-          </p:xfrm>
-          <a:graphic>
-            <a:graphicData uri="http://schemas.openxmlformats.org/drawingml/2006/chart">
-              <c:chart xmlns:c="http://schemas.openxmlformats.org/drawingml/2006/chart" xmlns:r="http://schemas.openxmlformats.org/officeDocument/2006/relationships" r:id="rId6"/>
-            </a:graphicData>
-          </a:graphic>
-        </p:graphicFrame>
-        <p:sp>
-          <p:nvSpPr>
-            <p:cNvPr id="56" name="Rectangle 55">
-              <a:extLst>
-                <a:ext uri="{FF2B5EF4-FFF2-40B4-BE49-F238E27FC236}">
-                  <a16:creationId xmlns:a16="http://schemas.microsoft.com/office/drawing/2014/main" id="{0C6DDCCD-879B-4B9B-B283-500FDE3695D9}"/>
-                </a:ext>
-              </a:extLst>
-            </p:cNvPr>
-            <p:cNvSpPr/>
-            <p:nvPr/>
-          </p:nvSpPr>
-          <p:spPr>
-            <a:xfrm>
-              <a:off x="2920671" y="2368232"/>
-              <a:ext cx="653034" cy="404088"/>
-            </a:xfrm>
-            <a:prstGeom prst="rect">
-              <a:avLst/>
-            </a:prstGeom>
-          </p:spPr>
-          <p:txBody>
-            <a:bodyPr wrap="none">
-              <a:spAutoFit/>
-            </a:bodyPr>
-            <a:lstStyle/>
-            <a:p>
-              <a:r>
-                <a:rPr lang="en-US" sz="800" dirty="0">
-                  <a:solidFill>
-                    <a:schemeClr val="bg1"/>
-                  </a:solidFill>
-                </a:rPr>
-                <a:t>ETH</a:t>
-              </a:r>
-              <a:endParaRPr lang="pt-BR" sz="800" dirty="0">
-                <a:solidFill>
-                  <a:schemeClr val="bg1"/>
-                </a:solidFill>
-              </a:endParaRPr>
-            </a:p>
-          </p:txBody>
-        </p:sp>
-        <p:sp>
-          <p:nvSpPr>
-            <p:cNvPr id="57" name="Rectangle 56">
-              <a:extLst>
-                <a:ext uri="{FF2B5EF4-FFF2-40B4-BE49-F238E27FC236}">
-                  <a16:creationId xmlns:a16="http://schemas.microsoft.com/office/drawing/2014/main" id="{364F2C4F-2E5C-4ED2-AD48-095B31ED362B}"/>
-                </a:ext>
-              </a:extLst>
-            </p:cNvPr>
-            <p:cNvSpPr/>
-            <p:nvPr/>
-          </p:nvSpPr>
-          <p:spPr>
-            <a:xfrm>
-              <a:off x="2474972" y="2079118"/>
-              <a:ext cx="577871" cy="317497"/>
-            </a:xfrm>
-            <a:prstGeom prst="rect">
-              <a:avLst/>
-            </a:prstGeom>
-          </p:spPr>
-          <p:txBody>
-            <a:bodyPr wrap="none">
-              <a:spAutoFit/>
-            </a:bodyPr>
-            <a:lstStyle/>
-            <a:p>
-              <a:r>
-                <a:rPr lang="en-US" sz="500" dirty="0">
-                  <a:solidFill>
-                    <a:schemeClr val="bg1"/>
-                  </a:solidFill>
-                </a:rPr>
-                <a:t>MKR</a:t>
-              </a:r>
-              <a:endParaRPr lang="pt-BR" sz="500" dirty="0">
-                <a:solidFill>
-                  <a:schemeClr val="bg1"/>
-                </a:solidFill>
-              </a:endParaRPr>
-            </a:p>
-          </p:txBody>
-        </p:sp>
-        <p:sp>
-          <p:nvSpPr>
-            <p:cNvPr id="58" name="Rectangle 57">
-              <a:extLst>
-                <a:ext uri="{FF2B5EF4-FFF2-40B4-BE49-F238E27FC236}">
-                  <a16:creationId xmlns:a16="http://schemas.microsoft.com/office/drawing/2014/main" id="{388CD7B7-BABE-433B-B08B-7D644E9AF3EF}"/>
-                </a:ext>
-              </a:extLst>
-            </p:cNvPr>
-            <p:cNvSpPr/>
-            <p:nvPr/>
-          </p:nvSpPr>
-          <p:spPr>
-            <a:xfrm>
-              <a:off x="2359360" y="2542285"/>
-              <a:ext cx="641007" cy="404088"/>
-            </a:xfrm>
-            <a:prstGeom prst="rect">
-              <a:avLst/>
-            </a:prstGeom>
-          </p:spPr>
-          <p:txBody>
-            <a:bodyPr wrap="none">
-              <a:spAutoFit/>
-            </a:bodyPr>
-            <a:lstStyle/>
-            <a:p>
-              <a:r>
-                <a:rPr lang="en-US" sz="800" dirty="0">
-                  <a:solidFill>
-                    <a:schemeClr val="bg1"/>
-                  </a:solidFill>
-                </a:rPr>
-                <a:t>ZRX</a:t>
-              </a:r>
-              <a:endParaRPr lang="pt-BR" sz="800" dirty="0">
-                <a:solidFill>
-                  <a:schemeClr val="bg1"/>
-                </a:solidFill>
-              </a:endParaRPr>
-            </a:p>
-          </p:txBody>
-        </p:sp>
-      </p:grpSp>
-      <p:grpSp>
-        <p:nvGrpSpPr>
-          <p:cNvPr id="59" name="Group 58">
-            <a:extLst>
-              <a:ext uri="{FF2B5EF4-FFF2-40B4-BE49-F238E27FC236}">
-                <a16:creationId xmlns:a16="http://schemas.microsoft.com/office/drawing/2014/main" id="{DB68B1D8-6B37-4172-A3DD-5F2B86751296}"/>
-              </a:ext>
-            </a:extLst>
-          </p:cNvPr>
-          <p:cNvGrpSpPr/>
-          <p:nvPr/>
-        </p:nvGrpSpPr>
-        <p:grpSpPr>
-          <a:xfrm>
-            <a:off x="5620438" y="2521012"/>
-            <a:ext cx="1329272" cy="886181"/>
-            <a:chOff x="1706326" y="1731405"/>
-            <a:chExt cx="2493192" cy="1662128"/>
-          </a:xfrm>
-        </p:grpSpPr>
-        <p:graphicFrame>
-          <p:nvGraphicFramePr>
-            <p:cNvPr id="60" name="Chart 59">
-              <a:extLst>
-                <a:ext uri="{FF2B5EF4-FFF2-40B4-BE49-F238E27FC236}">
-                  <a16:creationId xmlns:a16="http://schemas.microsoft.com/office/drawing/2014/main" id="{FE693BEF-500C-4619-908F-03F1FF7FEBDB}"/>
-                </a:ext>
-              </a:extLst>
-            </p:cNvPr>
-            <p:cNvGraphicFramePr/>
-            <p:nvPr/>
-          </p:nvGraphicFramePr>
-          <p:xfrm>
-            <a:off x="1706326" y="1731405"/>
-            <a:ext cx="2493192" cy="1662128"/>
-          </p:xfrm>
-          <a:graphic>
-            <a:graphicData uri="http://schemas.openxmlformats.org/drawingml/2006/chart">
-              <c:chart xmlns:c="http://schemas.openxmlformats.org/drawingml/2006/chart" xmlns:r="http://schemas.openxmlformats.org/officeDocument/2006/relationships" r:id="rId7"/>
-            </a:graphicData>
-          </a:graphic>
-        </p:graphicFrame>
-        <p:sp>
-          <p:nvSpPr>
-            <p:cNvPr id="61" name="Rectangle 60">
-              <a:extLst>
-                <a:ext uri="{FF2B5EF4-FFF2-40B4-BE49-F238E27FC236}">
-                  <a16:creationId xmlns:a16="http://schemas.microsoft.com/office/drawing/2014/main" id="{EC3F22C3-E36D-44B4-A684-A30000079564}"/>
-                </a:ext>
-              </a:extLst>
-            </p:cNvPr>
-            <p:cNvSpPr/>
-            <p:nvPr/>
-          </p:nvSpPr>
-          <p:spPr>
-            <a:xfrm>
-              <a:off x="2853001" y="2178565"/>
-              <a:ext cx="668069" cy="404088"/>
-            </a:xfrm>
-            <a:prstGeom prst="rect">
-              <a:avLst/>
-            </a:prstGeom>
-          </p:spPr>
-          <p:txBody>
-            <a:bodyPr wrap="none">
-              <a:spAutoFit/>
-            </a:bodyPr>
-            <a:lstStyle/>
-            <a:p>
-              <a:r>
-                <a:rPr lang="en-US" sz="800" dirty="0">
-                  <a:solidFill>
-                    <a:schemeClr val="bg1"/>
-                  </a:solidFill>
-                </a:rPr>
-                <a:t>BNT</a:t>
-              </a:r>
-              <a:endParaRPr lang="pt-BR" sz="800" dirty="0">
-                <a:solidFill>
-                  <a:schemeClr val="bg1"/>
-                </a:solidFill>
-              </a:endParaRPr>
-            </a:p>
-          </p:txBody>
-        </p:sp>
-        <p:sp>
-          <p:nvSpPr>
-            <p:cNvPr id="62" name="Rectangle 61">
-              <a:extLst>
-                <a:ext uri="{FF2B5EF4-FFF2-40B4-BE49-F238E27FC236}">
-                  <a16:creationId xmlns:a16="http://schemas.microsoft.com/office/drawing/2014/main" id="{C74EAC9D-A608-4BA0-A5F0-788F17D1D6EE}"/>
-                </a:ext>
-              </a:extLst>
-            </p:cNvPr>
-            <p:cNvSpPr/>
-            <p:nvPr/>
-          </p:nvSpPr>
-          <p:spPr>
-            <a:xfrm>
-              <a:off x="2786346" y="2699939"/>
-              <a:ext cx="556823" cy="317497"/>
-            </a:xfrm>
-            <a:prstGeom prst="rect">
-              <a:avLst/>
-            </a:prstGeom>
-          </p:spPr>
-          <p:txBody>
-            <a:bodyPr wrap="none">
-              <a:spAutoFit/>
-            </a:bodyPr>
-            <a:lstStyle/>
-            <a:p>
-              <a:r>
-                <a:rPr lang="en-US" sz="500" dirty="0">
-                  <a:solidFill>
-                    <a:schemeClr val="bg1"/>
-                  </a:solidFill>
-                </a:rPr>
-                <a:t>GNT</a:t>
-              </a:r>
-              <a:endParaRPr lang="pt-BR" sz="500" dirty="0">
-                <a:solidFill>
-                  <a:schemeClr val="bg1"/>
-                </a:solidFill>
-              </a:endParaRPr>
-            </a:p>
-          </p:txBody>
-        </p:sp>
-        <p:sp>
-          <p:nvSpPr>
-            <p:cNvPr id="63" name="Rectangle 62">
-              <a:extLst>
-                <a:ext uri="{FF2B5EF4-FFF2-40B4-BE49-F238E27FC236}">
-                  <a16:creationId xmlns:a16="http://schemas.microsoft.com/office/drawing/2014/main" id="{9410BE74-7EE7-4558-867B-A574F75EAC6E}"/>
-                </a:ext>
-              </a:extLst>
-            </p:cNvPr>
-            <p:cNvSpPr/>
-            <p:nvPr/>
-          </p:nvSpPr>
-          <p:spPr>
-            <a:xfrm>
-              <a:off x="2332139" y="2272004"/>
-              <a:ext cx="622968" cy="404088"/>
-            </a:xfrm>
-            <a:prstGeom prst="rect">
-              <a:avLst/>
-            </a:prstGeom>
-          </p:spPr>
-          <p:txBody>
-            <a:bodyPr wrap="none">
-              <a:spAutoFit/>
-            </a:bodyPr>
-            <a:lstStyle/>
-            <a:p>
-              <a:r>
-                <a:rPr lang="en-US" sz="800" dirty="0">
-                  <a:solidFill>
-                    <a:schemeClr val="bg1"/>
-                  </a:solidFill>
-                </a:rPr>
-                <a:t>DAI</a:t>
-              </a:r>
-              <a:endParaRPr lang="pt-BR" sz="800" dirty="0">
-                <a:solidFill>
-                  <a:schemeClr val="bg1"/>
-                </a:solidFill>
-              </a:endParaRPr>
-            </a:p>
-          </p:txBody>
-        </p:sp>
-      </p:grpSp>
-      <p:grpSp>
-        <p:nvGrpSpPr>
-          <p:cNvPr id="64" name="Group 63">
-            <a:extLst>
-              <a:ext uri="{FF2B5EF4-FFF2-40B4-BE49-F238E27FC236}">
-                <a16:creationId xmlns:a16="http://schemas.microsoft.com/office/drawing/2014/main" id="{FC99C507-40B0-4C76-BB7C-1317A4FE8FFD}"/>
-              </a:ext>
-            </a:extLst>
-          </p:cNvPr>
-          <p:cNvGrpSpPr/>
-          <p:nvPr/>
-        </p:nvGrpSpPr>
-        <p:grpSpPr>
-          <a:xfrm>
-            <a:off x="6027306" y="1549573"/>
-            <a:ext cx="1644593" cy="1096395"/>
-            <a:chOff x="1706326" y="1731405"/>
-            <a:chExt cx="2493192" cy="1662128"/>
-          </a:xfrm>
-        </p:grpSpPr>
-        <p:graphicFrame>
-          <p:nvGraphicFramePr>
-            <p:cNvPr id="65" name="Chart 64">
-              <a:extLst>
-                <a:ext uri="{FF2B5EF4-FFF2-40B4-BE49-F238E27FC236}">
-                  <a16:creationId xmlns:a16="http://schemas.microsoft.com/office/drawing/2014/main" id="{A04D8A49-DDE5-4DDE-A2ED-4DC792BF2190}"/>
-                </a:ext>
-              </a:extLst>
-            </p:cNvPr>
-            <p:cNvGraphicFramePr/>
-            <p:nvPr/>
-          </p:nvGraphicFramePr>
-          <p:xfrm>
-            <a:off x="1706326" y="1731405"/>
-            <a:ext cx="2493192" cy="1662128"/>
-          </p:xfrm>
-          <a:graphic>
-            <a:graphicData uri="http://schemas.openxmlformats.org/drawingml/2006/chart">
-              <c:chart xmlns:c="http://schemas.openxmlformats.org/drawingml/2006/chart" xmlns:r="http://schemas.openxmlformats.org/officeDocument/2006/relationships" r:id="rId8"/>
-            </a:graphicData>
-          </a:graphic>
-        </p:graphicFrame>
-        <p:sp>
-          <p:nvSpPr>
-            <p:cNvPr id="66" name="Rectangle 65">
-              <a:extLst>
-                <a:ext uri="{FF2B5EF4-FFF2-40B4-BE49-F238E27FC236}">
-                  <a16:creationId xmlns:a16="http://schemas.microsoft.com/office/drawing/2014/main" id="{4456BDFE-A030-47E8-82AE-8A870B1F3BE6}"/>
-                </a:ext>
-              </a:extLst>
-            </p:cNvPr>
-            <p:cNvSpPr/>
-            <p:nvPr/>
-          </p:nvSpPr>
-          <p:spPr>
-            <a:xfrm>
-              <a:off x="2925160" y="2160158"/>
-              <a:ext cx="520538" cy="326612"/>
-            </a:xfrm>
-            <a:prstGeom prst="rect">
-              <a:avLst/>
-            </a:prstGeom>
-          </p:spPr>
-          <p:txBody>
-            <a:bodyPr wrap="none">
-              <a:spAutoFit/>
-            </a:bodyPr>
-            <a:lstStyle/>
-            <a:p>
-              <a:r>
-                <a:rPr lang="en-US" sz="800" dirty="0">
-                  <a:solidFill>
-                    <a:schemeClr val="bg1"/>
-                  </a:solidFill>
-                </a:rPr>
-                <a:t>REP</a:t>
-              </a:r>
-              <a:endParaRPr lang="pt-BR" sz="800" dirty="0">
-                <a:solidFill>
-                  <a:schemeClr val="bg1"/>
-                </a:solidFill>
-              </a:endParaRPr>
-            </a:p>
-          </p:txBody>
-        </p:sp>
-        <p:sp>
-          <p:nvSpPr>
-            <p:cNvPr id="67" name="Rectangle 66">
-              <a:extLst>
-                <a:ext uri="{FF2B5EF4-FFF2-40B4-BE49-F238E27FC236}">
-                  <a16:creationId xmlns:a16="http://schemas.microsoft.com/office/drawing/2014/main" id="{5B5F1720-259C-42E7-8EF6-A91BB12C39BA}"/>
-                </a:ext>
-              </a:extLst>
-            </p:cNvPr>
-            <p:cNvSpPr/>
-            <p:nvPr/>
-          </p:nvSpPr>
-          <p:spPr>
-            <a:xfrm>
-              <a:off x="2901817" y="2648572"/>
-              <a:ext cx="571569" cy="303282"/>
-            </a:xfrm>
-            <a:prstGeom prst="rect">
-              <a:avLst/>
-            </a:prstGeom>
-          </p:spPr>
-          <p:txBody>
-            <a:bodyPr wrap="none">
-              <a:spAutoFit/>
-            </a:bodyPr>
-            <a:lstStyle/>
-            <a:p>
-              <a:r>
-                <a:rPr lang="en-US" sz="700" dirty="0">
-                  <a:solidFill>
-                    <a:schemeClr val="bg1"/>
-                  </a:solidFill>
-                </a:rPr>
-                <a:t>OMG</a:t>
-              </a:r>
-              <a:endParaRPr lang="pt-BR" sz="700" dirty="0">
-                <a:solidFill>
-                  <a:schemeClr val="bg1"/>
-                </a:solidFill>
-              </a:endParaRPr>
-            </a:p>
-          </p:txBody>
-        </p:sp>
-        <p:sp>
-          <p:nvSpPr>
-            <p:cNvPr id="68" name="Rectangle 67">
-              <a:extLst>
-                <a:ext uri="{FF2B5EF4-FFF2-40B4-BE49-F238E27FC236}">
-                  <a16:creationId xmlns:a16="http://schemas.microsoft.com/office/drawing/2014/main" id="{BC66C3AA-CAB1-4BDB-80BE-68F207711FE8}"/>
-                </a:ext>
-              </a:extLst>
-            </p:cNvPr>
-            <p:cNvSpPr/>
-            <p:nvPr/>
-          </p:nvSpPr>
-          <p:spPr>
-            <a:xfrm>
-              <a:off x="2366315" y="2501198"/>
-              <a:ext cx="559420" cy="373270"/>
-            </a:xfrm>
-            <a:prstGeom prst="rect">
-              <a:avLst/>
-            </a:prstGeom>
-          </p:spPr>
-          <p:txBody>
-            <a:bodyPr wrap="none">
-              <a:spAutoFit/>
-            </a:bodyPr>
-            <a:lstStyle/>
-            <a:p>
-              <a:r>
-                <a:rPr lang="en-US" sz="1000" dirty="0">
-                  <a:solidFill>
-                    <a:schemeClr val="bg1"/>
-                  </a:solidFill>
-                </a:rPr>
-                <a:t>DAI</a:t>
-              </a:r>
-              <a:endParaRPr lang="pt-BR" sz="1000" dirty="0">
-                <a:solidFill>
-                  <a:schemeClr val="bg1"/>
-                </a:solidFill>
-              </a:endParaRPr>
-            </a:p>
-          </p:txBody>
-        </p:sp>
-        <p:sp>
-          <p:nvSpPr>
-            <p:cNvPr id="69" name="Rectangle 68">
-              <a:extLst>
-                <a:ext uri="{FF2B5EF4-FFF2-40B4-BE49-F238E27FC236}">
-                  <a16:creationId xmlns:a16="http://schemas.microsoft.com/office/drawing/2014/main" id="{60E41EC8-7FA4-407A-A583-D44BB13DE976}"/>
-                </a:ext>
-              </a:extLst>
-            </p:cNvPr>
-            <p:cNvSpPr/>
-            <p:nvPr/>
-          </p:nvSpPr>
-          <p:spPr>
-            <a:xfrm>
-              <a:off x="2461996" y="2085947"/>
-              <a:ext cx="496236" cy="303282"/>
-            </a:xfrm>
-            <a:prstGeom prst="rect">
-              <a:avLst/>
-            </a:prstGeom>
-          </p:spPr>
-          <p:txBody>
-            <a:bodyPr wrap="none">
-              <a:spAutoFit/>
-            </a:bodyPr>
-            <a:lstStyle/>
-            <a:p>
-              <a:r>
-                <a:rPr lang="de-DE" sz="700" dirty="0">
-                  <a:solidFill>
-                    <a:schemeClr val="bg1"/>
-                  </a:solidFill>
-                </a:rPr>
-                <a:t>BAT</a:t>
-              </a:r>
-              <a:endParaRPr lang="pt-BR" sz="700" dirty="0">
-                <a:solidFill>
-                  <a:schemeClr val="bg1"/>
-                </a:solidFill>
-              </a:endParaRPr>
-            </a:p>
-          </p:txBody>
-        </p:sp>
-      </p:grpSp>
-      <p:graphicFrame>
-        <p:nvGraphicFramePr>
-          <p:cNvPr id="71" name="Chart 70">
-            <a:extLst>
-              <a:ext uri="{FF2B5EF4-FFF2-40B4-BE49-F238E27FC236}">
-                <a16:creationId xmlns:a16="http://schemas.microsoft.com/office/drawing/2014/main" id="{3B51B648-22F7-4191-BCFD-0AB325FD27C6}"/>
-              </a:ext>
-            </a:extLst>
-          </p:cNvPr>
-          <p:cNvGraphicFramePr/>
-          <p:nvPr/>
-        </p:nvGraphicFramePr>
-        <p:xfrm>
-          <a:off x="6600588" y="2306069"/>
-          <a:ext cx="2207940" cy="1471960"/>
-        </p:xfrm>
-        <a:graphic>
-          <a:graphicData uri="http://schemas.openxmlformats.org/drawingml/2006/chart">
-            <c:chart xmlns:c="http://schemas.openxmlformats.org/drawingml/2006/chart" xmlns:r="http://schemas.openxmlformats.org/officeDocument/2006/relationships" r:id="rId9"/>
-          </a:graphicData>
-        </a:graphic>
-      </p:graphicFrame>
-      <p:sp>
-        <p:nvSpPr>
-          <p:cNvPr id="33" name="Partial Circle 32">
-            <a:extLst>
-              <a:ext uri="{FF2B5EF4-FFF2-40B4-BE49-F238E27FC236}">
-                <a16:creationId xmlns:a16="http://schemas.microsoft.com/office/drawing/2014/main" id="{EDF1A217-FF3B-449C-A506-7E01C6335F45}"/>
-              </a:ext>
-            </a:extLst>
-          </p:cNvPr>
-          <p:cNvSpPr/>
-          <p:nvPr/>
-        </p:nvSpPr>
-        <p:spPr>
-          <a:xfrm rot="11910989">
-            <a:off x="6542878" y="3101475"/>
-            <a:ext cx="1109535" cy="1109535"/>
-          </a:xfrm>
-          <a:prstGeom prst="pie">
-            <a:avLst>
-              <a:gd name="adj1" fmla="val 15085037"/>
-              <a:gd name="adj2" fmla="val 16200000"/>
-            </a:avLst>
-          </a:prstGeom>
-          <a:solidFill>
-            <a:schemeClr val="accent3">
-              <a:lumMod val="75000"/>
-            </a:schemeClr>
-          </a:solidFill>
-          <a:ln>
-            <a:noFill/>
-          </a:ln>
-        </p:spPr>
-        <p:style>
-          <a:lnRef idx="2">
-            <a:schemeClr val="accent1">
-              <a:shade val="50000"/>
-            </a:schemeClr>
-          </a:lnRef>
-          <a:fillRef idx="1">
-            <a:schemeClr val="accent1"/>
-          </a:fillRef>
-          <a:effectRef idx="0">
-            <a:schemeClr val="accent1"/>
-          </a:effectRef>
-          <a:fontRef idx="minor">
-            <a:schemeClr val="lt1"/>
-          </a:fontRef>
-        </p:style>
-        <p:txBody>
-          <a:bodyPr rtlCol="0" anchor="ctr"/>
-          <a:lstStyle/>
-          <a:p>
-            <a:pPr algn="ctr"/>
-            <a:endParaRPr lang="pt-BR">
-              <a:solidFill>
-                <a:schemeClr val="tx1"/>
-              </a:solidFill>
-            </a:endParaRPr>
-          </a:p>
-        </p:txBody>
-      </p:sp>
-      <p:sp>
-        <p:nvSpPr>
-          <p:cNvPr id="39" name="Arrow: Left-Right 38">
-            <a:extLst>
-              <a:ext uri="{FF2B5EF4-FFF2-40B4-BE49-F238E27FC236}">
-                <a16:creationId xmlns:a16="http://schemas.microsoft.com/office/drawing/2014/main" id="{9C956586-F57E-4C99-8A8D-A4B4DD86B4E5}"/>
-              </a:ext>
-            </a:extLst>
-          </p:cNvPr>
-          <p:cNvSpPr/>
-          <p:nvPr/>
-        </p:nvSpPr>
-        <p:spPr>
-          <a:xfrm rot="19005749">
-            <a:off x="7083450" y="3646452"/>
-            <a:ext cx="575527" cy="233623"/>
-          </a:xfrm>
-          <a:prstGeom prst="leftRightArrow">
-            <a:avLst>
-              <a:gd name="adj1" fmla="val 50000"/>
-              <a:gd name="adj2" fmla="val 43925"/>
-            </a:avLst>
-          </a:prstGeom>
-          <a:solidFill>
-            <a:schemeClr val="accent1">
-              <a:lumMod val="40000"/>
-              <a:lumOff val="60000"/>
-            </a:schemeClr>
-          </a:solidFill>
-          <a:ln>
-            <a:noFill/>
-          </a:ln>
-        </p:spPr>
-        <p:style>
-          <a:lnRef idx="1">
-            <a:schemeClr val="accent1"/>
-          </a:lnRef>
-          <a:fillRef idx="2">
-            <a:schemeClr val="accent1"/>
-          </a:fillRef>
-          <a:effectRef idx="1">
-            <a:schemeClr val="accent1"/>
-          </a:effectRef>
-          <a:fontRef idx="minor">
-            <a:schemeClr val="dk1"/>
-          </a:fontRef>
-        </p:style>
-        <p:txBody>
-          <a:bodyPr rtlCol="0" anchor="ctr"/>
-          <a:lstStyle/>
-          <a:p>
-            <a:pPr algn="ctr"/>
-            <a:endParaRPr lang="pt-BR"/>
-          </a:p>
-        </p:txBody>
-      </p:sp>
-      <p:sp>
-        <p:nvSpPr>
-          <p:cNvPr id="74" name="Text Placeholder 2">
-            <a:extLst>
-              <a:ext uri="{FF2B5EF4-FFF2-40B4-BE49-F238E27FC236}">
-                <a16:creationId xmlns:a16="http://schemas.microsoft.com/office/drawing/2014/main" id="{3233AB2C-8C7D-4625-AD5A-D041707F1D3C}"/>
-              </a:ext>
-            </a:extLst>
-          </p:cNvPr>
-          <p:cNvSpPr txBox="1">
-            <a:spLocks/>
-          </p:cNvSpPr>
-          <p:nvPr/>
-        </p:nvSpPr>
-        <p:spPr>
-          <a:xfrm>
-            <a:off x="7437674" y="3833686"/>
-            <a:ext cx="598692" cy="300030"/>
-          </a:xfrm>
-          <a:prstGeom prst="rect">
-            <a:avLst/>
-          </a:prstGeom>
-        </p:spPr>
-        <p:txBody>
-          <a:bodyPr vert="horz" lIns="0" tIns="0" rIns="0" bIns="0" rtlCol="0">
-            <a:noAutofit/>
-          </a:bodyPr>
-          <a:lstStyle>
-            <a:lvl1pPr marL="252000" indent="-252000">
-              <a:spcBef>
-                <a:spcPts val="600"/>
-              </a:spcBef>
-              <a:buFontTx/>
-              <a:buBlip>
-                <a:blip r:embed="rId5"/>
-              </a:buBlip>
-              <a:defRPr sz="1800">
-                <a:solidFill>
-                  <a:srgbClr val="130F40"/>
-                </a:solidFill>
-                <a:latin typeface="+mn-lt"/>
-                <a:ea typeface="+mn-ea"/>
-                <a:cs typeface="+mn-cs"/>
-              </a:defRPr>
-            </a:lvl1pPr>
-            <a:lvl2pPr marL="504000" indent="-252000">
-              <a:spcBef>
-                <a:spcPts val="600"/>
-              </a:spcBef>
-              <a:buFont typeface="Arial" panose="020B0604020202020204" pitchFamily="34" charset="0"/>
-              <a:buChar char="•"/>
-              <a:defRPr sz="1800">
-                <a:solidFill>
-                  <a:srgbClr val="130F40"/>
-                </a:solidFill>
-                <a:latin typeface="+mn-lt"/>
-                <a:ea typeface="+mn-ea"/>
-                <a:cs typeface="+mn-cs"/>
-              </a:defRPr>
-            </a:lvl2pPr>
-            <a:lvl3pPr marL="756000" indent="-252000">
-              <a:spcBef>
-                <a:spcPts val="600"/>
-              </a:spcBef>
-              <a:buFont typeface="Avenir" panose="02000503040000020003" pitchFamily="2" charset="0"/>
-              <a:buChar char="Ð"/>
-              <a:defRPr sz="1800">
-                <a:solidFill>
-                  <a:srgbClr val="130F40"/>
-                </a:solidFill>
-                <a:latin typeface="+mn-lt"/>
-                <a:ea typeface="+mn-ea"/>
-                <a:cs typeface="+mn-cs"/>
-              </a:defRPr>
-            </a:lvl3pPr>
-            <a:lvl4pPr marL="1008000" indent="-252000">
-              <a:spcBef>
-                <a:spcPts val="600"/>
-              </a:spcBef>
-              <a:buFont typeface="Wingdings" panose="05000000000000000000" pitchFamily="2" charset="2"/>
-              <a:buChar char="§"/>
-              <a:defRPr lang="en-US" sz="1800" dirty="0" smtClean="0">
-                <a:solidFill>
-                  <a:srgbClr val="130F40"/>
-                </a:solidFill>
-                <a:latin typeface="+mn-lt"/>
-                <a:ea typeface="+mn-ea"/>
-                <a:cs typeface="+mn-cs"/>
-              </a:defRPr>
-            </a:lvl4pPr>
-            <a:lvl5pPr marL="1260000" indent="-252000">
-              <a:spcBef>
-                <a:spcPts val="600"/>
-              </a:spcBef>
-              <a:defRPr sz="1800">
-                <a:solidFill>
-                  <a:srgbClr val="130F40"/>
-                </a:solidFill>
-                <a:latin typeface="+mn-lt"/>
-                <a:ea typeface="+mn-ea"/>
-                <a:cs typeface="+mn-cs"/>
-              </a:defRPr>
-            </a:lvl5pPr>
-            <a:lvl6pPr marL="1434922">
-              <a:defRPr>
-                <a:latin typeface="+mn-lt"/>
-                <a:ea typeface="+mn-ea"/>
-                <a:cs typeface="+mn-cs"/>
-              </a:defRPr>
-            </a:lvl6pPr>
-            <a:lvl7pPr marL="1721907">
-              <a:defRPr>
-                <a:latin typeface="+mn-lt"/>
-                <a:ea typeface="+mn-ea"/>
-                <a:cs typeface="+mn-cs"/>
-              </a:defRPr>
-            </a:lvl7pPr>
-            <a:lvl8pPr marL="2008891">
-              <a:defRPr>
-                <a:latin typeface="+mn-lt"/>
-                <a:ea typeface="+mn-ea"/>
-                <a:cs typeface="+mn-cs"/>
-              </a:defRPr>
-            </a:lvl8pPr>
-            <a:lvl9pPr marL="2295876">
-              <a:defRPr>
-                <a:latin typeface="+mn-lt"/>
-                <a:ea typeface="+mn-ea"/>
-                <a:cs typeface="+mn-cs"/>
-              </a:defRPr>
-            </a:lvl9pPr>
-          </a:lstStyle>
-          <a:p>
-            <a:pPr marL="0" indent="0" algn="ctr" defTabSz="914400">
-              <a:buFontTx/>
-              <a:buNone/>
-            </a:pPr>
-            <a:r>
-              <a:rPr lang="de-DE" sz="1400" b="1" kern="0" dirty="0"/>
-              <a:t>Trade</a:t>
-            </a:r>
-            <a:r>
-              <a:rPr lang="de-DE" sz="1400" b="1" kern="0" baseline="30000" dirty="0"/>
-              <a:t>(2)</a:t>
-            </a:r>
-            <a:endParaRPr lang="LID4096" sz="1200" b="1" kern="0" dirty="0"/>
-          </a:p>
-        </p:txBody>
-      </p:sp>
-      <p:sp>
-        <p:nvSpPr>
-          <p:cNvPr id="79" name="Rectangle 78">
-            <a:extLst>
-              <a:ext uri="{FF2B5EF4-FFF2-40B4-BE49-F238E27FC236}">
-                <a16:creationId xmlns:a16="http://schemas.microsoft.com/office/drawing/2014/main" id="{D59B3A35-ED2C-4B0F-B21B-392DA53AB733}"/>
-              </a:ext>
-            </a:extLst>
-          </p:cNvPr>
-          <p:cNvSpPr/>
-          <p:nvPr/>
-        </p:nvSpPr>
-        <p:spPr>
-          <a:xfrm>
-            <a:off x="7780529" y="2911972"/>
-            <a:ext cx="388248" cy="307777"/>
-          </a:xfrm>
-          <a:prstGeom prst="rect">
-            <a:avLst/>
-          </a:prstGeom>
-        </p:spPr>
-        <p:txBody>
-          <a:bodyPr wrap="none">
-            <a:spAutoFit/>
-          </a:bodyPr>
-          <a:lstStyle/>
-          <a:p>
-            <a:r>
-              <a:rPr lang="en-US" sz="1400" dirty="0">
-                <a:solidFill>
-                  <a:schemeClr val="bg1"/>
-                </a:solidFill>
-              </a:rPr>
-              <a:t>ZIL</a:t>
-            </a:r>
-            <a:endParaRPr lang="pt-BR" sz="1400" dirty="0">
-              <a:solidFill>
-                <a:schemeClr val="bg1"/>
-              </a:solidFill>
-            </a:endParaRPr>
-          </a:p>
-        </p:txBody>
-      </p:sp>
-      <p:sp>
-        <p:nvSpPr>
-          <p:cNvPr id="80" name="Rectangle 79">
-            <a:extLst>
-              <a:ext uri="{FF2B5EF4-FFF2-40B4-BE49-F238E27FC236}">
-                <a16:creationId xmlns:a16="http://schemas.microsoft.com/office/drawing/2014/main" id="{FFAAAC65-27E9-4ECE-9BB4-EA4A1D09E9F4}"/>
-              </a:ext>
-            </a:extLst>
-          </p:cNvPr>
-          <p:cNvSpPr/>
-          <p:nvPr/>
-        </p:nvSpPr>
-        <p:spPr>
-          <a:xfrm>
-            <a:off x="7265812" y="2676083"/>
-            <a:ext cx="482824" cy="253916"/>
-          </a:xfrm>
-          <a:prstGeom prst="rect">
-            <a:avLst/>
-          </a:prstGeom>
-        </p:spPr>
-        <p:txBody>
-          <a:bodyPr wrap="none">
-            <a:spAutoFit/>
-          </a:bodyPr>
-          <a:lstStyle/>
-          <a:p>
-            <a:r>
-              <a:rPr lang="en-US" sz="1050" dirty="0">
-                <a:solidFill>
-                  <a:schemeClr val="bg1"/>
-                </a:solidFill>
-              </a:rPr>
-              <a:t>TUSD</a:t>
-            </a:r>
-            <a:endParaRPr lang="pt-BR" sz="1050" dirty="0">
-              <a:solidFill>
-                <a:schemeClr val="bg1"/>
-              </a:solidFill>
-            </a:endParaRPr>
-          </a:p>
-        </p:txBody>
-      </p:sp>
-      <p:sp>
-        <p:nvSpPr>
-          <p:cNvPr id="81" name="Rectangle 80">
-            <a:extLst>
-              <a:ext uri="{FF2B5EF4-FFF2-40B4-BE49-F238E27FC236}">
-                <a16:creationId xmlns:a16="http://schemas.microsoft.com/office/drawing/2014/main" id="{153D78D5-4D53-4004-93FB-75070B53E0D1}"/>
-              </a:ext>
-            </a:extLst>
-          </p:cNvPr>
-          <p:cNvSpPr/>
-          <p:nvPr/>
-        </p:nvSpPr>
-        <p:spPr>
-          <a:xfrm>
-            <a:off x="7172527" y="3078900"/>
-            <a:ext cx="461601" cy="307777"/>
-          </a:xfrm>
-          <a:prstGeom prst="rect">
-            <a:avLst/>
-          </a:prstGeom>
-        </p:spPr>
-        <p:txBody>
-          <a:bodyPr wrap="none">
-            <a:spAutoFit/>
-          </a:bodyPr>
-          <a:lstStyle/>
-          <a:p>
-            <a:r>
-              <a:rPr lang="en-US" sz="1400" dirty="0">
-                <a:solidFill>
-                  <a:schemeClr val="bg1"/>
-                </a:solidFill>
-              </a:rPr>
-              <a:t>PAX</a:t>
-            </a:r>
-            <a:endParaRPr lang="pt-BR" sz="1400" dirty="0">
-              <a:solidFill>
-                <a:schemeClr val="bg1"/>
-              </a:solidFill>
-            </a:endParaRPr>
-          </a:p>
-        </p:txBody>
-      </p:sp>
-      <p:sp>
-        <p:nvSpPr>
-          <p:cNvPr id="83" name="Text Placeholder 2">
-            <a:extLst>
-              <a:ext uri="{FF2B5EF4-FFF2-40B4-BE49-F238E27FC236}">
-                <a16:creationId xmlns:a16="http://schemas.microsoft.com/office/drawing/2014/main" id="{5742FC19-22AA-4917-9853-98DB3B21BDCC}"/>
-              </a:ext>
-            </a:extLst>
-          </p:cNvPr>
-          <p:cNvSpPr txBox="1">
-            <a:spLocks/>
-          </p:cNvSpPr>
-          <p:nvPr/>
-        </p:nvSpPr>
-        <p:spPr>
-          <a:xfrm>
-            <a:off x="5768859" y="1083046"/>
-            <a:ext cx="2057400" cy="295129"/>
-          </a:xfrm>
-          <a:prstGeom prst="rect">
-            <a:avLst/>
-          </a:prstGeom>
-        </p:spPr>
-        <p:txBody>
-          <a:bodyPr vert="horz" lIns="0" tIns="0" rIns="0" bIns="0" rtlCol="0">
-            <a:noAutofit/>
-          </a:bodyPr>
-          <a:lstStyle>
-            <a:lvl1pPr marL="252000" indent="-252000">
-              <a:spcBef>
-                <a:spcPts val="600"/>
-              </a:spcBef>
-              <a:buFontTx/>
-              <a:buBlip>
-                <a:blip r:embed="rId5"/>
-              </a:buBlip>
-              <a:defRPr sz="1800">
-                <a:solidFill>
-                  <a:srgbClr val="130F40"/>
-                </a:solidFill>
-                <a:latin typeface="+mn-lt"/>
-                <a:ea typeface="+mn-ea"/>
-                <a:cs typeface="+mn-cs"/>
-              </a:defRPr>
-            </a:lvl1pPr>
-            <a:lvl2pPr marL="504000" indent="-252000">
-              <a:spcBef>
-                <a:spcPts val="600"/>
-              </a:spcBef>
-              <a:buFont typeface="Arial" panose="020B0604020202020204" pitchFamily="34" charset="0"/>
-              <a:buChar char="•"/>
-              <a:defRPr sz="1800">
-                <a:solidFill>
-                  <a:srgbClr val="130F40"/>
-                </a:solidFill>
-                <a:latin typeface="+mn-lt"/>
-                <a:ea typeface="+mn-ea"/>
-                <a:cs typeface="+mn-cs"/>
-              </a:defRPr>
-            </a:lvl2pPr>
-            <a:lvl3pPr marL="756000" indent="-252000">
-              <a:spcBef>
-                <a:spcPts val="600"/>
-              </a:spcBef>
-              <a:buFont typeface="Avenir" panose="02000503040000020003" pitchFamily="2" charset="0"/>
-              <a:buChar char="Ð"/>
-              <a:defRPr sz="1800">
-                <a:solidFill>
-                  <a:srgbClr val="130F40"/>
-                </a:solidFill>
-                <a:latin typeface="+mn-lt"/>
-                <a:ea typeface="+mn-ea"/>
-                <a:cs typeface="+mn-cs"/>
-              </a:defRPr>
-            </a:lvl3pPr>
-            <a:lvl4pPr marL="1008000" indent="-252000">
-              <a:spcBef>
-                <a:spcPts val="600"/>
-              </a:spcBef>
-              <a:buFont typeface="Wingdings" panose="05000000000000000000" pitchFamily="2" charset="2"/>
-              <a:buChar char="§"/>
-              <a:defRPr lang="en-US" sz="1800" dirty="0" smtClean="0">
-                <a:solidFill>
-                  <a:srgbClr val="130F40"/>
-                </a:solidFill>
-                <a:latin typeface="+mn-lt"/>
-                <a:ea typeface="+mn-ea"/>
-                <a:cs typeface="+mn-cs"/>
-              </a:defRPr>
-            </a:lvl4pPr>
-            <a:lvl5pPr marL="1260000" indent="-252000">
-              <a:spcBef>
-                <a:spcPts val="600"/>
-              </a:spcBef>
-              <a:defRPr sz="1800">
-                <a:solidFill>
-                  <a:srgbClr val="130F40"/>
-                </a:solidFill>
-                <a:latin typeface="+mn-lt"/>
-                <a:ea typeface="+mn-ea"/>
-                <a:cs typeface="+mn-cs"/>
-              </a:defRPr>
-            </a:lvl5pPr>
-            <a:lvl6pPr marL="1434922">
-              <a:defRPr>
-                <a:latin typeface="+mn-lt"/>
-                <a:ea typeface="+mn-ea"/>
-                <a:cs typeface="+mn-cs"/>
-              </a:defRPr>
-            </a:lvl6pPr>
-            <a:lvl7pPr marL="1721907">
-              <a:defRPr>
-                <a:latin typeface="+mn-lt"/>
-                <a:ea typeface="+mn-ea"/>
-                <a:cs typeface="+mn-cs"/>
-              </a:defRPr>
-            </a:lvl7pPr>
-            <a:lvl8pPr marL="2008891">
-              <a:defRPr>
-                <a:latin typeface="+mn-lt"/>
-                <a:ea typeface="+mn-ea"/>
-                <a:cs typeface="+mn-cs"/>
-              </a:defRPr>
-            </a:lvl8pPr>
-            <a:lvl9pPr marL="2295876">
-              <a:defRPr>
-                <a:latin typeface="+mn-lt"/>
-                <a:ea typeface="+mn-ea"/>
-                <a:cs typeface="+mn-cs"/>
-              </a:defRPr>
-            </a:lvl9pPr>
-          </a:lstStyle>
-          <a:p>
-            <a:pPr marL="0" indent="0" algn="ctr" defTabSz="914400">
-              <a:buFontTx/>
-              <a:buNone/>
-            </a:pPr>
-            <a:r>
-              <a:rPr lang="de-DE" sz="1400" b="1" kern="0" dirty="0"/>
-              <a:t>Balancer common liquidity pool</a:t>
-            </a:r>
-            <a:r>
-              <a:rPr lang="de-DE" sz="1400" b="1" kern="0" baseline="30000" dirty="0"/>
-              <a:t>(1)</a:t>
-            </a:r>
-            <a:endParaRPr lang="de-DE" sz="1400" b="1" kern="0" dirty="0"/>
-          </a:p>
-          <a:p>
-            <a:pPr marL="0" indent="0" algn="ctr" defTabSz="914400">
-              <a:buFontTx/>
-              <a:buNone/>
-            </a:pPr>
-            <a:endParaRPr lang="LID4096" sz="1200" b="1" kern="0" dirty="0"/>
-          </a:p>
-        </p:txBody>
-      </p:sp>
-      <p:graphicFrame>
-        <p:nvGraphicFramePr>
-          <p:cNvPr id="86" name="Chart 85">
-            <a:extLst>
-              <a:ext uri="{FF2B5EF4-FFF2-40B4-BE49-F238E27FC236}">
-                <a16:creationId xmlns:a16="http://schemas.microsoft.com/office/drawing/2014/main" id="{068AB511-48F4-4F39-934E-88BC3B13A0C5}"/>
-              </a:ext>
-            </a:extLst>
-          </p:cNvPr>
-          <p:cNvGraphicFramePr/>
-          <p:nvPr/>
-        </p:nvGraphicFramePr>
-        <p:xfrm>
-          <a:off x="7409495" y="1704214"/>
-          <a:ext cx="1041726" cy="556114"/>
-        </p:xfrm>
-        <a:graphic>
-          <a:graphicData uri="http://schemas.openxmlformats.org/drawingml/2006/chart">
-            <c:chart xmlns:c="http://schemas.openxmlformats.org/drawingml/2006/chart" xmlns:r="http://schemas.openxmlformats.org/officeDocument/2006/relationships" r:id="rId10"/>
-          </a:graphicData>
-        </a:graphic>
-      </p:graphicFrame>
-    </p:spTree>
-    <p:extLst>
-      <p:ext uri="{BB962C8B-B14F-4D97-AF65-F5344CB8AC3E}">
-        <p14:creationId xmlns:p14="http://schemas.microsoft.com/office/powerpoint/2010/main" val="2164958950"/>
-      </p:ext>
-    </p:extLst>
-  </p:cSld>
-  <p:clrMapOvr>
-    <a:masterClrMapping/>
-  </p:clrMapOvr>
-</p:sld>
-</file>
-
-<file path=ppt/slides/slide3.xml><?xml version="1.0" encoding="utf-8"?>
 <p:sld xmlns:a="http://schemas.openxmlformats.org/drawingml/2006/main" xmlns:r="http://schemas.openxmlformats.org/officeDocument/2006/relationships" xmlns:p="http://schemas.openxmlformats.org/presentationml/2006/main">
   <p:cSld>
     <p:spTree>
@@ -26943,7 +21684,7 @@
           <a:p>
             <a:fld id="{1CD8CD30-02E3-43BF-9B50-B3A65A7C9611}" type="slidenum">
               <a:rPr lang="LID4096" smtClean="0"/>
-              <a:t>3</a:t>
+              <a:t>2</a:t>
             </a:fld>
             <a:endParaRPr lang="LID4096"/>
           </a:p>
@@ -26951,10 +21692,10 @@
       </p:sp>
       <p:grpSp>
         <p:nvGrpSpPr>
-          <p:cNvPr id="4" name="Group 3">
+          <p:cNvPr id="63" name="Group 62">
             <a:extLst>
               <a:ext uri="{FF2B5EF4-FFF2-40B4-BE49-F238E27FC236}">
-                <a16:creationId xmlns:a16="http://schemas.microsoft.com/office/drawing/2014/main" id="{8CCBE0DA-5BBD-4AF1-BFC0-9E764BE7278E}"/>
+                <a16:creationId xmlns:a16="http://schemas.microsoft.com/office/drawing/2014/main" id="{F4DB7C49-28B7-4721-B3AF-19D38735A84C}"/>
               </a:ext>
             </a:extLst>
           </p:cNvPr>
@@ -26963,57 +21704,397 @@
         </p:nvGrpSpPr>
         <p:grpSpPr>
           <a:xfrm>
-            <a:off x="541622" y="2344855"/>
-            <a:ext cx="668162" cy="870678"/>
-            <a:chOff x="5656692" y="3591183"/>
-            <a:chExt cx="668162" cy="870678"/>
+            <a:off x="541622" y="1324816"/>
+            <a:ext cx="5261294" cy="3151934"/>
+            <a:chOff x="541622" y="1324816"/>
+            <a:chExt cx="5261294" cy="3151934"/>
           </a:xfrm>
         </p:grpSpPr>
-        <p:pic>
-          <p:nvPicPr>
-            <p:cNvPr id="26" name="Graphic 25" descr="User">
+        <p:grpSp>
+          <p:nvGrpSpPr>
+            <p:cNvPr id="4" name="Group 3">
               <a:extLst>
                 <a:ext uri="{FF2B5EF4-FFF2-40B4-BE49-F238E27FC236}">
-                  <a16:creationId xmlns:a16="http://schemas.microsoft.com/office/drawing/2014/main" id="{00BDCF85-C58B-4B33-8B96-2A5E296BA507}"/>
+                  <a16:creationId xmlns:a16="http://schemas.microsoft.com/office/drawing/2014/main" id="{8CCBE0DA-5BBD-4AF1-BFC0-9E764BE7278E}"/>
                 </a:ext>
               </a:extLst>
             </p:cNvPr>
-            <p:cNvPicPr>
-              <a:picLocks noChangeAspect="1"/>
-            </p:cNvPicPr>
+            <p:cNvGrpSpPr/>
             <p:nvPr/>
-          </p:nvPicPr>
-          <p:blipFill>
-            <a:blip r:embed="rId3">
+          </p:nvGrpSpPr>
+          <p:grpSpPr>
+            <a:xfrm>
+              <a:off x="541622" y="2344855"/>
+              <a:ext cx="668162" cy="870678"/>
+              <a:chOff x="5656692" y="3591183"/>
+              <a:chExt cx="668162" cy="870678"/>
+            </a:xfrm>
+          </p:grpSpPr>
+          <p:pic>
+            <p:nvPicPr>
+              <p:cNvPr id="26" name="Graphic 25" descr="User">
+                <a:extLst>
+                  <a:ext uri="{FF2B5EF4-FFF2-40B4-BE49-F238E27FC236}">
+                    <a16:creationId xmlns:a16="http://schemas.microsoft.com/office/drawing/2014/main" id="{00BDCF85-C58B-4B33-8B96-2A5E296BA507}"/>
+                  </a:ext>
+                </a:extLst>
+              </p:cNvPr>
+              <p:cNvPicPr>
+                <a:picLocks noChangeAspect="1"/>
+              </p:cNvPicPr>
+              <p:nvPr/>
+            </p:nvPicPr>
+            <p:blipFill>
+              <a:blip r:embed="rId3">
+                <a:extLst>
+                  <a:ext uri="{28A0092B-C50C-407E-A947-70E740481C1C}">
+                    <a14:useLocalDpi xmlns:a14="http://schemas.microsoft.com/office/drawing/2010/main" val="0"/>
+                  </a:ext>
+                  <a:ext uri="{96DAC541-7B7A-43D3-8B79-37D633B846F1}">
+                    <asvg:svgBlip xmlns:asvg="http://schemas.microsoft.com/office/drawing/2016/SVG/main" r:embed="rId4"/>
+                  </a:ext>
+                </a:extLst>
+              </a:blip>
+              <a:stretch>
+                <a:fillRect/>
+              </a:stretch>
+            </p:blipFill>
+            <p:spPr>
+              <a:xfrm>
+                <a:off x="5656692" y="3591183"/>
+                <a:ext cx="668162" cy="668162"/>
+              </a:xfrm>
+              <a:prstGeom prst="rect">
+                <a:avLst/>
+              </a:prstGeom>
+            </p:spPr>
+          </p:pic>
+          <p:sp>
+            <p:nvSpPr>
+              <p:cNvPr id="52" name="Text Placeholder 2">
+                <a:extLst>
+                  <a:ext uri="{FF2B5EF4-FFF2-40B4-BE49-F238E27FC236}">
+                    <a16:creationId xmlns:a16="http://schemas.microsoft.com/office/drawing/2014/main" id="{CECDC7D4-CD3D-4804-A03D-1E19314DDD4A}"/>
+                  </a:ext>
+                </a:extLst>
+              </p:cNvPr>
+              <p:cNvSpPr txBox="1">
+                <a:spLocks/>
+              </p:cNvSpPr>
+              <p:nvPr/>
+            </p:nvSpPr>
+            <p:spPr>
+              <a:xfrm>
+                <a:off x="5691427" y="4161831"/>
+                <a:ext cx="598692" cy="300030"/>
+              </a:xfrm>
+              <a:prstGeom prst="rect">
+                <a:avLst/>
+              </a:prstGeom>
+            </p:spPr>
+            <p:txBody>
+              <a:bodyPr vert="horz" lIns="0" tIns="0" rIns="0" bIns="0" rtlCol="0">
+                <a:noAutofit/>
+              </a:bodyPr>
+              <a:lstStyle>
+                <a:lvl1pPr marL="252000" indent="-252000">
+                  <a:spcBef>
+                    <a:spcPts val="600"/>
+                  </a:spcBef>
+                  <a:buFontTx/>
+                  <a:buBlip>
+                    <a:blip r:embed="rId5"/>
+                  </a:buBlip>
+                  <a:defRPr sz="1800">
+                    <a:solidFill>
+                      <a:srgbClr val="130F40"/>
+                    </a:solidFill>
+                    <a:latin typeface="+mn-lt"/>
+                    <a:ea typeface="+mn-ea"/>
+                    <a:cs typeface="+mn-cs"/>
+                  </a:defRPr>
+                </a:lvl1pPr>
+                <a:lvl2pPr marL="504000" indent="-252000">
+                  <a:spcBef>
+                    <a:spcPts val="600"/>
+                  </a:spcBef>
+                  <a:buFont typeface="Arial" panose="020B0604020202020204" pitchFamily="34" charset="0"/>
+                  <a:buChar char="•"/>
+                  <a:defRPr sz="1800">
+                    <a:solidFill>
+                      <a:srgbClr val="130F40"/>
+                    </a:solidFill>
+                    <a:latin typeface="+mn-lt"/>
+                    <a:ea typeface="+mn-ea"/>
+                    <a:cs typeface="+mn-cs"/>
+                  </a:defRPr>
+                </a:lvl2pPr>
+                <a:lvl3pPr marL="756000" indent="-252000">
+                  <a:spcBef>
+                    <a:spcPts val="600"/>
+                  </a:spcBef>
+                  <a:buFont typeface="Avenir" panose="02000503040000020003" pitchFamily="2" charset="0"/>
+                  <a:buChar char="Ð"/>
+                  <a:defRPr sz="1800">
+                    <a:solidFill>
+                      <a:srgbClr val="130F40"/>
+                    </a:solidFill>
+                    <a:latin typeface="+mn-lt"/>
+                    <a:ea typeface="+mn-ea"/>
+                    <a:cs typeface="+mn-cs"/>
+                  </a:defRPr>
+                </a:lvl3pPr>
+                <a:lvl4pPr marL="1008000" indent="-252000">
+                  <a:spcBef>
+                    <a:spcPts val="600"/>
+                  </a:spcBef>
+                  <a:buFont typeface="Wingdings" panose="05000000000000000000" pitchFamily="2" charset="2"/>
+                  <a:buChar char="§"/>
+                  <a:defRPr lang="en-US" sz="1800" dirty="0" smtClean="0">
+                    <a:solidFill>
+                      <a:srgbClr val="130F40"/>
+                    </a:solidFill>
+                    <a:latin typeface="+mn-lt"/>
+                    <a:ea typeface="+mn-ea"/>
+                    <a:cs typeface="+mn-cs"/>
+                  </a:defRPr>
+                </a:lvl4pPr>
+                <a:lvl5pPr marL="1260000" indent="-252000">
+                  <a:spcBef>
+                    <a:spcPts val="600"/>
+                  </a:spcBef>
+                  <a:defRPr sz="1800">
+                    <a:solidFill>
+                      <a:srgbClr val="130F40"/>
+                    </a:solidFill>
+                    <a:latin typeface="+mn-lt"/>
+                    <a:ea typeface="+mn-ea"/>
+                    <a:cs typeface="+mn-cs"/>
+                  </a:defRPr>
+                </a:lvl5pPr>
+                <a:lvl6pPr marL="1434922">
+                  <a:defRPr>
+                    <a:latin typeface="+mn-lt"/>
+                    <a:ea typeface="+mn-ea"/>
+                    <a:cs typeface="+mn-cs"/>
+                  </a:defRPr>
+                </a:lvl6pPr>
+                <a:lvl7pPr marL="1721907">
+                  <a:defRPr>
+                    <a:latin typeface="+mn-lt"/>
+                    <a:ea typeface="+mn-ea"/>
+                    <a:cs typeface="+mn-cs"/>
+                  </a:defRPr>
+                </a:lvl7pPr>
+                <a:lvl8pPr marL="2008891">
+                  <a:defRPr>
+                    <a:latin typeface="+mn-lt"/>
+                    <a:ea typeface="+mn-ea"/>
+                    <a:cs typeface="+mn-cs"/>
+                  </a:defRPr>
+                </a:lvl8pPr>
+                <a:lvl9pPr marL="2295876">
+                  <a:defRPr>
+                    <a:latin typeface="+mn-lt"/>
+                    <a:ea typeface="+mn-ea"/>
+                    <a:cs typeface="+mn-cs"/>
+                  </a:defRPr>
+                </a:lvl9pPr>
+              </a:lstStyle>
+              <a:p>
+                <a:pPr marL="0" indent="0" algn="ctr" defTabSz="914400">
+                  <a:buFontTx/>
+                  <a:buNone/>
+                </a:pPr>
+                <a:r>
+                  <a:rPr lang="de-DE" sz="1600" b="1" kern="0" dirty="0"/>
+                  <a:t>Trader</a:t>
+                </a:r>
+              </a:p>
+              <a:p>
+                <a:pPr marL="0" indent="0" algn="ctr" defTabSz="914400">
+                  <a:buFontTx/>
+                  <a:buNone/>
+                </a:pPr>
+                <a:endParaRPr lang="LID4096" sz="1400" b="1" kern="0" dirty="0"/>
+              </a:p>
+            </p:txBody>
+          </p:sp>
+        </p:grpSp>
+        <p:grpSp>
+          <p:nvGrpSpPr>
+            <p:cNvPr id="54" name="Group 53">
               <a:extLst>
-                <a:ext uri="{28A0092B-C50C-407E-A947-70E740481C1C}">
-                  <a14:useLocalDpi xmlns:a14="http://schemas.microsoft.com/office/drawing/2010/main" val="0"/>
-                </a:ext>
-                <a:ext uri="{96DAC541-7B7A-43D3-8B79-37D633B846F1}">
-                  <asvg:svgBlip xmlns:asvg="http://schemas.microsoft.com/office/drawing/2016/SVG/main" r:embed="rId4"/>
+                <a:ext uri="{FF2B5EF4-FFF2-40B4-BE49-F238E27FC236}">
+                  <a16:creationId xmlns:a16="http://schemas.microsoft.com/office/drawing/2014/main" id="{2458A9F2-8DCF-490D-87FD-6DF179239FA4}"/>
                 </a:ext>
               </a:extLst>
-            </a:blip>
-            <a:stretch>
-              <a:fillRect/>
-            </a:stretch>
-          </p:blipFill>
-          <p:spPr>
+            </p:cNvPr>
+            <p:cNvGrpSpPr/>
+            <p:nvPr/>
+          </p:nvGrpSpPr>
+          <p:grpSpPr>
             <a:xfrm>
-              <a:off x="5656692" y="3591183"/>
-              <a:ext cx="668162" cy="668162"/>
+              <a:off x="3602865" y="2344855"/>
+              <a:ext cx="1329272" cy="886181"/>
+              <a:chOff x="1706326" y="1731405"/>
+              <a:chExt cx="2493192" cy="1662128"/>
             </a:xfrm>
-            <a:prstGeom prst="rect">
-              <a:avLst/>
-            </a:prstGeom>
-          </p:spPr>
-        </p:pic>
+          </p:grpSpPr>
+          <p:graphicFrame>
+            <p:nvGraphicFramePr>
+              <p:cNvPr id="55" name="Chart 54">
+                <a:extLst>
+                  <a:ext uri="{FF2B5EF4-FFF2-40B4-BE49-F238E27FC236}">
+                    <a16:creationId xmlns:a16="http://schemas.microsoft.com/office/drawing/2014/main" id="{ABC86303-F1BB-4BA4-AD12-1EF08094CFAA}"/>
+                  </a:ext>
+                </a:extLst>
+              </p:cNvPr>
+              <p:cNvGraphicFramePr/>
+              <p:nvPr>
+                <p:extLst>
+                  <p:ext uri="{D42A27DB-BD31-4B8C-83A1-F6EECF244321}">
+                    <p14:modId xmlns:p14="http://schemas.microsoft.com/office/powerpoint/2010/main" val="2678424864"/>
+                  </p:ext>
+                </p:extLst>
+              </p:nvPr>
+            </p:nvGraphicFramePr>
+            <p:xfrm>
+              <a:off x="1706326" y="1731405"/>
+              <a:ext cx="2493192" cy="1662128"/>
+            </p:xfrm>
+            <a:graphic>
+              <a:graphicData uri="http://schemas.openxmlformats.org/drawingml/2006/chart">
+                <c:chart xmlns:c="http://schemas.openxmlformats.org/drawingml/2006/chart" xmlns:r="http://schemas.openxmlformats.org/officeDocument/2006/relationships" r:id="rId6"/>
+              </a:graphicData>
+            </a:graphic>
+          </p:graphicFrame>
+          <p:sp>
+            <p:nvSpPr>
+              <p:cNvPr id="56" name="Rectangle 55">
+                <a:extLst>
+                  <a:ext uri="{FF2B5EF4-FFF2-40B4-BE49-F238E27FC236}">
+                    <a16:creationId xmlns:a16="http://schemas.microsoft.com/office/drawing/2014/main" id="{0C6DDCCD-879B-4B9B-B283-500FDE3695D9}"/>
+                  </a:ext>
+                </a:extLst>
+              </p:cNvPr>
+              <p:cNvSpPr/>
+              <p:nvPr/>
+            </p:nvSpPr>
+            <p:spPr>
+              <a:xfrm>
+                <a:off x="2920671" y="2368232"/>
+                <a:ext cx="346483" cy="404088"/>
+              </a:xfrm>
+              <a:prstGeom prst="rect">
+                <a:avLst/>
+              </a:prstGeom>
+            </p:spPr>
+            <p:txBody>
+              <a:bodyPr wrap="none">
+                <a:spAutoFit/>
+              </a:bodyPr>
+              <a:lstStyle/>
+              <a:p>
+                <a:endParaRPr lang="pt-BR" sz="800" dirty="0">
+                  <a:solidFill>
+                    <a:schemeClr val="bg1"/>
+                  </a:solidFill>
+                </a:endParaRPr>
+              </a:p>
+            </p:txBody>
+          </p:sp>
+        </p:grpSp>
+        <p:graphicFrame>
+          <p:nvGraphicFramePr>
+            <p:cNvPr id="60" name="Chart 59">
+              <a:extLst>
+                <a:ext uri="{FF2B5EF4-FFF2-40B4-BE49-F238E27FC236}">
+                  <a16:creationId xmlns:a16="http://schemas.microsoft.com/office/drawing/2014/main" id="{FE693BEF-500C-4619-908F-03F1FF7FEBDB}"/>
+                </a:ext>
+              </a:extLst>
+            </p:cNvPr>
+            <p:cNvGraphicFramePr/>
+            <p:nvPr>
+              <p:extLst>
+                <p:ext uri="{D42A27DB-BD31-4B8C-83A1-F6EECF244321}">
+                  <p14:modId xmlns:p14="http://schemas.microsoft.com/office/powerpoint/2010/main" val="3704729755"/>
+                </p:ext>
+              </p:extLst>
+            </p:nvPr>
+          </p:nvGraphicFramePr>
+          <p:xfrm>
+            <a:off x="4938862" y="2134238"/>
+            <a:ext cx="864054" cy="886181"/>
+          </p:xfrm>
+          <a:graphic>
+            <a:graphicData uri="http://schemas.openxmlformats.org/drawingml/2006/chart">
+              <c:chart xmlns:c="http://schemas.openxmlformats.org/drawingml/2006/chart" xmlns:r="http://schemas.openxmlformats.org/officeDocument/2006/relationships" r:id="rId7"/>
+            </a:graphicData>
+          </a:graphic>
+        </p:graphicFrame>
+        <p:graphicFrame>
+          <p:nvGraphicFramePr>
+            <p:cNvPr id="65" name="Chart 64">
+              <a:extLst>
+                <a:ext uri="{FF2B5EF4-FFF2-40B4-BE49-F238E27FC236}">
+                  <a16:creationId xmlns:a16="http://schemas.microsoft.com/office/drawing/2014/main" id="{A04D8A49-DDE5-4DDE-A2ED-4DC792BF2190}"/>
+                </a:ext>
+              </a:extLst>
+            </p:cNvPr>
+            <p:cNvGraphicFramePr/>
+            <p:nvPr>
+              <p:extLst>
+                <p:ext uri="{D42A27DB-BD31-4B8C-83A1-F6EECF244321}">
+                  <p14:modId xmlns:p14="http://schemas.microsoft.com/office/powerpoint/2010/main" val="2569176551"/>
+                </p:ext>
+              </p:extLst>
+            </p:nvPr>
+          </p:nvGraphicFramePr>
+          <p:xfrm>
+            <a:off x="3868717" y="1549573"/>
+            <a:ext cx="1644593" cy="1096395"/>
+          </p:xfrm>
+          <a:graphic>
+            <a:graphicData uri="http://schemas.openxmlformats.org/drawingml/2006/chart">
+              <c:chart xmlns:c="http://schemas.openxmlformats.org/drawingml/2006/chart" xmlns:r="http://schemas.openxmlformats.org/officeDocument/2006/relationships" r:id="rId8"/>
+            </a:graphicData>
+          </a:graphic>
+        </p:graphicFrame>
+        <p:graphicFrame>
+          <p:nvGraphicFramePr>
+            <p:cNvPr id="71" name="Chart 70">
+              <a:extLst>
+                <a:ext uri="{FF2B5EF4-FFF2-40B4-BE49-F238E27FC236}">
+                  <a16:creationId xmlns:a16="http://schemas.microsoft.com/office/drawing/2014/main" id="{3B51B648-22F7-4191-BCFD-0AB325FD27C6}"/>
+                </a:ext>
+              </a:extLst>
+            </p:cNvPr>
+            <p:cNvGraphicFramePr/>
+            <p:nvPr>
+              <p:extLst>
+                <p:ext uri="{D42A27DB-BD31-4B8C-83A1-F6EECF244321}">
+                  <p14:modId xmlns:p14="http://schemas.microsoft.com/office/powerpoint/2010/main" val="16806802"/>
+                </p:ext>
+              </p:extLst>
+            </p:nvPr>
+          </p:nvGraphicFramePr>
+          <p:xfrm>
+            <a:off x="3952010" y="3004790"/>
+            <a:ext cx="1478006" cy="1471960"/>
+          </p:xfrm>
+          <a:graphic>
+            <a:graphicData uri="http://schemas.openxmlformats.org/drawingml/2006/chart">
+              <c:chart xmlns:c="http://schemas.openxmlformats.org/drawingml/2006/chart" xmlns:r="http://schemas.openxmlformats.org/officeDocument/2006/relationships" r:id="rId9"/>
+            </a:graphicData>
+          </a:graphic>
+        </p:graphicFrame>
         <p:sp>
           <p:nvSpPr>
-            <p:cNvPr id="52" name="Text Placeholder 2">
+            <p:cNvPr id="83" name="Text Placeholder 2">
               <a:extLst>
                 <a:ext uri="{FF2B5EF4-FFF2-40B4-BE49-F238E27FC236}">
-                  <a16:creationId xmlns:a16="http://schemas.microsoft.com/office/drawing/2014/main" id="{CECDC7D4-CD3D-4804-A03D-1E19314DDD4A}"/>
+                  <a16:creationId xmlns:a16="http://schemas.microsoft.com/office/drawing/2014/main" id="{5742FC19-22AA-4917-9853-98DB3B21BDCC}"/>
                 </a:ext>
               </a:extLst>
             </p:cNvPr>
@@ -27024,8 +22105,8 @@
           </p:nvSpPr>
           <p:spPr>
             <a:xfrm>
-              <a:off x="5691427" y="4161831"/>
-              <a:ext cx="598692" cy="300030"/>
+              <a:off x="3610270" y="1324816"/>
+              <a:ext cx="2057400" cy="295129"/>
             </a:xfrm>
             <a:prstGeom prst="rect">
               <a:avLst/>
@@ -27146,46 +22227,19 @@
                 <a:buNone/>
               </a:pPr>
               <a:r>
-                <a:rPr lang="de-DE" sz="1600" b="1" kern="0" dirty="0"/>
-                <a:t>Trader</a:t>
+                <a:rPr lang="de-DE" sz="1400" b="1" kern="0" dirty="0"/>
+                <a:t>Balancer Pools</a:t>
               </a:r>
-            </a:p>
-            <a:p>
-              <a:pPr marL="0" indent="0" algn="ctr" defTabSz="914400">
-                <a:buFontTx/>
-                <a:buNone/>
-              </a:pPr>
-              <a:endParaRPr lang="LID4096" sz="1400" b="1" kern="0" dirty="0"/>
+              <a:endParaRPr lang="LID4096" sz="1200" b="1" kern="0" dirty="0"/>
             </a:p>
           </p:txBody>
         </p:sp>
-      </p:grpSp>
-      <p:grpSp>
-        <p:nvGrpSpPr>
-          <p:cNvPr id="54" name="Group 53">
-            <a:extLst>
-              <a:ext uri="{FF2B5EF4-FFF2-40B4-BE49-F238E27FC236}">
-                <a16:creationId xmlns:a16="http://schemas.microsoft.com/office/drawing/2014/main" id="{2458A9F2-8DCF-490D-87FD-6DF179239FA4}"/>
-              </a:ext>
-            </a:extLst>
-          </p:cNvPr>
-          <p:cNvGrpSpPr/>
-          <p:nvPr/>
-        </p:nvGrpSpPr>
-        <p:grpSpPr>
-          <a:xfrm>
-            <a:off x="3602865" y="2344855"/>
-            <a:ext cx="1329272" cy="886181"/>
-            <a:chOff x="1706326" y="1731405"/>
-            <a:chExt cx="2493192" cy="1662128"/>
-          </a:xfrm>
-        </p:grpSpPr>
         <p:graphicFrame>
           <p:nvGraphicFramePr>
-            <p:cNvPr id="55" name="Chart 54">
+            <p:cNvPr id="86" name="Chart 85">
               <a:extLst>
                 <a:ext uri="{FF2B5EF4-FFF2-40B4-BE49-F238E27FC236}">
-                  <a16:creationId xmlns:a16="http://schemas.microsoft.com/office/drawing/2014/main" id="{ABC86303-F1BB-4BA4-AD12-1EF08094CFAA}"/>
+                  <a16:creationId xmlns:a16="http://schemas.microsoft.com/office/drawing/2014/main" id="{068AB511-48F4-4F39-934E-88BC3B13A0C5}"/>
                 </a:ext>
               </a:extLst>
             </p:cNvPr>
@@ -27193,27 +22247,27 @@
             <p:nvPr>
               <p:extLst>
                 <p:ext uri="{D42A27DB-BD31-4B8C-83A1-F6EECF244321}">
-                  <p14:modId xmlns:p14="http://schemas.microsoft.com/office/powerpoint/2010/main" val="2678424864"/>
+                  <p14:modId xmlns:p14="http://schemas.microsoft.com/office/powerpoint/2010/main" val="2541053334"/>
                 </p:ext>
               </p:extLst>
             </p:nvPr>
           </p:nvGraphicFramePr>
           <p:xfrm>
-            <a:off x="1706326" y="1731405"/>
-            <a:ext cx="2493192" cy="1662128"/>
+            <a:off x="4398490" y="2629610"/>
+            <a:ext cx="1041726" cy="556114"/>
           </p:xfrm>
           <a:graphic>
             <a:graphicData uri="http://schemas.openxmlformats.org/drawingml/2006/chart">
-              <c:chart xmlns:c="http://schemas.openxmlformats.org/drawingml/2006/chart" xmlns:r="http://schemas.openxmlformats.org/officeDocument/2006/relationships" r:id="rId6"/>
+              <c:chart xmlns:c="http://schemas.openxmlformats.org/drawingml/2006/chart" xmlns:r="http://schemas.openxmlformats.org/officeDocument/2006/relationships" r:id="rId10"/>
             </a:graphicData>
           </a:graphic>
         </p:graphicFrame>
         <p:sp>
           <p:nvSpPr>
-            <p:cNvPr id="56" name="Rectangle 55">
+            <p:cNvPr id="5" name="Rectangle: Rounded Corners 4">
               <a:extLst>
                 <a:ext uri="{FF2B5EF4-FFF2-40B4-BE49-F238E27FC236}">
-                  <a16:creationId xmlns:a16="http://schemas.microsoft.com/office/drawing/2014/main" id="{0C6DDCCD-879B-4B9B-B283-500FDE3695D9}"/>
+                  <a16:creationId xmlns:a16="http://schemas.microsoft.com/office/drawing/2014/main" id="{82B7755A-082D-431B-B0D6-9E57300BAB51}"/>
                 </a:ext>
               </a:extLst>
             </p:cNvPr>
@@ -27222,1114 +22276,822 @@
           </p:nvSpPr>
           <p:spPr>
             <a:xfrm>
-              <a:off x="2920671" y="2368232"/>
-              <a:ext cx="346483" cy="404088"/>
+              <a:off x="2065967" y="2311791"/>
+              <a:ext cx="929787" cy="886180"/>
+            </a:xfrm>
+            <a:prstGeom prst="roundRect">
+              <a:avLst/>
+            </a:prstGeom>
+            <a:ln>
+              <a:noFill/>
+            </a:ln>
+          </p:spPr>
+          <p:style>
+            <a:lnRef idx="1">
+              <a:schemeClr val="accent5"/>
+            </a:lnRef>
+            <a:fillRef idx="2">
+              <a:schemeClr val="accent5"/>
+            </a:fillRef>
+            <a:effectRef idx="1">
+              <a:schemeClr val="accent5"/>
+            </a:effectRef>
+            <a:fontRef idx="minor">
+              <a:schemeClr val="dk1"/>
+            </a:fontRef>
+          </p:style>
+          <p:txBody>
+            <a:bodyPr rtlCol="0" anchor="ctr"/>
+            <a:lstStyle/>
+            <a:p>
+              <a:pPr algn="ctr"/>
+              <a:r>
+                <a:rPr lang="en-US" sz="1800" dirty="0"/>
+                <a:t>SOR</a:t>
+              </a:r>
+              <a:br>
+                <a:rPr lang="en-US" sz="1800" dirty="0"/>
+              </a:br>
+              <a:r>
+                <a:rPr lang="en-US" sz="1000" dirty="0"/>
+                <a:t>(smart order routing)</a:t>
+              </a:r>
+              <a:endParaRPr lang="pt-BR" sz="1800" dirty="0"/>
+            </a:p>
+          </p:txBody>
+        </p:sp>
+        <p:sp>
+          <p:nvSpPr>
+            <p:cNvPr id="6" name="Arrow: Right 5">
+              <a:extLst>
+                <a:ext uri="{FF2B5EF4-FFF2-40B4-BE49-F238E27FC236}">
+                  <a16:creationId xmlns:a16="http://schemas.microsoft.com/office/drawing/2014/main" id="{DA63E176-EDB8-49F3-B979-166DBA1BE099}"/>
+                </a:ext>
+              </a:extLst>
+            </p:cNvPr>
+            <p:cNvSpPr/>
+            <p:nvPr/>
+          </p:nvSpPr>
+          <p:spPr>
+            <a:xfrm>
+              <a:off x="1296373" y="2517436"/>
+              <a:ext cx="684827" cy="130514"/>
+            </a:xfrm>
+            <a:prstGeom prst="rightArrow">
+              <a:avLst/>
+            </a:prstGeom>
+            <a:solidFill>
+              <a:srgbClr val="17375E"/>
+            </a:solidFill>
+            <a:ln>
+              <a:noFill/>
+            </a:ln>
+          </p:spPr>
+          <p:style>
+            <a:lnRef idx="2">
+              <a:schemeClr val="accent1">
+                <a:shade val="50000"/>
+              </a:schemeClr>
+            </a:lnRef>
+            <a:fillRef idx="1">
+              <a:schemeClr val="accent1"/>
+            </a:fillRef>
+            <a:effectRef idx="0">
+              <a:schemeClr val="accent1"/>
+            </a:effectRef>
+            <a:fontRef idx="minor">
+              <a:schemeClr val="lt1"/>
+            </a:fontRef>
+          </p:style>
+          <p:txBody>
+            <a:bodyPr rtlCol="0" anchor="ctr"/>
+            <a:lstStyle/>
+            <a:p>
+              <a:pPr algn="ctr"/>
+              <a:endParaRPr lang="pt-BR"/>
+            </a:p>
+          </p:txBody>
+        </p:sp>
+        <p:sp>
+          <p:nvSpPr>
+            <p:cNvPr id="7" name="TextBox 6">
+              <a:extLst>
+                <a:ext uri="{FF2B5EF4-FFF2-40B4-BE49-F238E27FC236}">
+                  <a16:creationId xmlns:a16="http://schemas.microsoft.com/office/drawing/2014/main" id="{6C210CEB-62CD-4F7F-A25A-1A06698A0D05}"/>
+                </a:ext>
+              </a:extLst>
+            </p:cNvPr>
+            <p:cNvSpPr txBox="1"/>
+            <p:nvPr/>
+          </p:nvSpPr>
+          <p:spPr>
+            <a:xfrm>
+              <a:off x="1283287" y="2344855"/>
+              <a:ext cx="681277" cy="161583"/>
             </a:xfrm>
             <a:prstGeom prst="rect">
               <a:avLst/>
             </a:prstGeom>
           </p:spPr>
           <p:txBody>
-            <a:bodyPr wrap="none">
+            <a:bodyPr vert="horz" wrap="none" lIns="0" tIns="0" rIns="0" bIns="0" rtlCol="0">
               <a:spAutoFit/>
             </a:bodyPr>
             <a:lstStyle/>
             <a:p>
-              <a:endParaRPr lang="pt-BR" sz="800" dirty="0">
+              <a:r>
+                <a:rPr lang="en-US" sz="1050" dirty="0">
+                  <a:solidFill>
+                    <a:srgbClr val="130F36"/>
+                  </a:solidFill>
+                  <a:latin typeface="+mn-lt"/>
+                </a:rPr>
+                <a:t>100 Token A</a:t>
+              </a:r>
+              <a:endParaRPr lang="pt-BR" sz="1050" dirty="0">
                 <a:solidFill>
-                  <a:schemeClr val="bg1"/>
+                  <a:srgbClr val="130F36"/>
+                </a:solidFill>
+                <a:latin typeface="+mn-lt"/>
+              </a:endParaRPr>
+            </a:p>
+          </p:txBody>
+        </p:sp>
+        <p:cxnSp>
+          <p:nvCxnSpPr>
+            <p:cNvPr id="9" name="Connector: Curved 8">
+              <a:extLst>
+                <a:ext uri="{FF2B5EF4-FFF2-40B4-BE49-F238E27FC236}">
+                  <a16:creationId xmlns:a16="http://schemas.microsoft.com/office/drawing/2014/main" id="{FD790C05-C815-4AC5-A193-6680F09748ED}"/>
+                </a:ext>
+              </a:extLst>
+            </p:cNvPr>
+            <p:cNvCxnSpPr>
+              <a:cxnSpLocks/>
+            </p:cNvCxnSpPr>
+            <p:nvPr/>
+          </p:nvCxnSpPr>
+          <p:spPr>
+            <a:xfrm flipV="1">
+              <a:off x="2995754" y="1759787"/>
+              <a:ext cx="1469840" cy="789058"/>
+            </a:xfrm>
+            <a:prstGeom prst="curvedConnector3">
+              <a:avLst>
+                <a:gd name="adj1" fmla="val 14155"/>
+              </a:avLst>
+            </a:prstGeom>
+            <a:ln w="19050">
+              <a:solidFill>
+                <a:srgbClr val="17375E"/>
+              </a:solidFill>
+              <a:tailEnd type="triangle"/>
+            </a:ln>
+          </p:spPr>
+          <p:style>
+            <a:lnRef idx="1">
+              <a:schemeClr val="accent1"/>
+            </a:lnRef>
+            <a:fillRef idx="0">
+              <a:schemeClr val="accent1"/>
+            </a:fillRef>
+            <a:effectRef idx="0">
+              <a:schemeClr val="accent1"/>
+            </a:effectRef>
+            <a:fontRef idx="minor">
+              <a:schemeClr val="tx1"/>
+            </a:fontRef>
+          </p:style>
+        </p:cxnSp>
+        <p:cxnSp>
+          <p:nvCxnSpPr>
+            <p:cNvPr id="32" name="Connector: Curved 31">
+              <a:extLst>
+                <a:ext uri="{FF2B5EF4-FFF2-40B4-BE49-F238E27FC236}">
+                  <a16:creationId xmlns:a16="http://schemas.microsoft.com/office/drawing/2014/main" id="{89D3FB2D-AC4B-4EBB-84A9-FCD7EA800EBF}"/>
+                </a:ext>
+              </a:extLst>
+            </p:cNvPr>
+            <p:cNvCxnSpPr>
+              <a:cxnSpLocks/>
+            </p:cNvCxnSpPr>
+            <p:nvPr/>
+          </p:nvCxnSpPr>
+          <p:spPr>
+            <a:xfrm flipV="1">
+              <a:off x="2995754" y="2552158"/>
+              <a:ext cx="1071427" cy="69024"/>
+            </a:xfrm>
+            <a:prstGeom prst="curvedConnector3">
+              <a:avLst>
+                <a:gd name="adj1" fmla="val 50000"/>
+              </a:avLst>
+            </a:prstGeom>
+            <a:ln w="12700">
+              <a:solidFill>
+                <a:srgbClr val="17375E"/>
+              </a:solidFill>
+              <a:tailEnd type="triangle"/>
+            </a:ln>
+          </p:spPr>
+          <p:style>
+            <a:lnRef idx="1">
+              <a:schemeClr val="accent1"/>
+            </a:lnRef>
+            <a:fillRef idx="0">
+              <a:schemeClr val="accent1"/>
+            </a:fillRef>
+            <a:effectRef idx="0">
+              <a:schemeClr val="accent1"/>
+            </a:effectRef>
+            <a:fontRef idx="minor">
+              <a:schemeClr val="tx1"/>
+            </a:fontRef>
+          </p:style>
+        </p:cxnSp>
+        <p:cxnSp>
+          <p:nvCxnSpPr>
+            <p:cNvPr id="34" name="Connector: Curved 33">
+              <a:extLst>
+                <a:ext uri="{FF2B5EF4-FFF2-40B4-BE49-F238E27FC236}">
+                  <a16:creationId xmlns:a16="http://schemas.microsoft.com/office/drawing/2014/main" id="{D9043745-006D-4243-9A8A-04B0329FCA9B}"/>
+                </a:ext>
+              </a:extLst>
+            </p:cNvPr>
+            <p:cNvCxnSpPr>
+              <a:cxnSpLocks/>
+            </p:cNvCxnSpPr>
+            <p:nvPr/>
+          </p:nvCxnSpPr>
+          <p:spPr>
+            <a:xfrm>
+              <a:off x="2995754" y="2693995"/>
+              <a:ext cx="1346917" cy="541679"/>
+            </a:xfrm>
+            <a:prstGeom prst="curvedConnector3">
+              <a:avLst>
+                <a:gd name="adj1" fmla="val 50000"/>
+              </a:avLst>
+            </a:prstGeom>
+            <a:ln w="19050">
+              <a:solidFill>
+                <a:srgbClr val="17375E"/>
+              </a:solidFill>
+              <a:tailEnd type="triangle"/>
+            </a:ln>
+          </p:spPr>
+          <p:style>
+            <a:lnRef idx="1">
+              <a:schemeClr val="accent1"/>
+            </a:lnRef>
+            <a:fillRef idx="0">
+              <a:schemeClr val="accent1"/>
+            </a:fillRef>
+            <a:effectRef idx="0">
+              <a:schemeClr val="accent1"/>
+            </a:effectRef>
+            <a:fontRef idx="minor">
+              <a:schemeClr val="tx1"/>
+            </a:fontRef>
+          </p:style>
+        </p:cxnSp>
+        <p:cxnSp>
+          <p:nvCxnSpPr>
+            <p:cNvPr id="40" name="Connector: Curved 39">
+              <a:extLst>
+                <a:ext uri="{FF2B5EF4-FFF2-40B4-BE49-F238E27FC236}">
+                  <a16:creationId xmlns:a16="http://schemas.microsoft.com/office/drawing/2014/main" id="{B90807A9-E8F0-4EA1-9FF9-11B50790971F}"/>
+                </a:ext>
+              </a:extLst>
+            </p:cNvPr>
+            <p:cNvCxnSpPr>
+              <a:cxnSpLocks/>
+            </p:cNvCxnSpPr>
+            <p:nvPr/>
+          </p:nvCxnSpPr>
+          <p:spPr>
+            <a:xfrm rot="10800000">
+              <a:off x="2997938" y="3028957"/>
+              <a:ext cx="1252370" cy="794760"/>
+            </a:xfrm>
+            <a:prstGeom prst="curvedConnector3">
+              <a:avLst>
+                <a:gd name="adj1" fmla="val 50000"/>
+              </a:avLst>
+            </a:prstGeom>
+            <a:ln w="19050">
+              <a:solidFill>
+                <a:srgbClr val="31859C"/>
+              </a:solidFill>
+              <a:tailEnd type="triangle"/>
+            </a:ln>
+          </p:spPr>
+          <p:style>
+            <a:lnRef idx="1">
+              <a:schemeClr val="accent1"/>
+            </a:lnRef>
+            <a:fillRef idx="0">
+              <a:schemeClr val="accent1"/>
+            </a:fillRef>
+            <a:effectRef idx="0">
+              <a:schemeClr val="accent1"/>
+            </a:effectRef>
+            <a:fontRef idx="minor">
+              <a:schemeClr val="tx1"/>
+            </a:fontRef>
+          </p:style>
+        </p:cxnSp>
+        <p:sp>
+          <p:nvSpPr>
+            <p:cNvPr id="43" name="TextBox 42">
+              <a:extLst>
+                <a:ext uri="{FF2B5EF4-FFF2-40B4-BE49-F238E27FC236}">
+                  <a16:creationId xmlns:a16="http://schemas.microsoft.com/office/drawing/2014/main" id="{E00CC6D9-F26D-402C-A744-B24A3469AFF1}"/>
+                </a:ext>
+              </a:extLst>
+            </p:cNvPr>
+            <p:cNvSpPr txBox="1"/>
+            <p:nvPr/>
+          </p:nvSpPr>
+          <p:spPr>
+            <a:xfrm>
+              <a:off x="4196674" y="1629187"/>
+              <a:ext cx="165110" cy="107722"/>
+            </a:xfrm>
+            <a:prstGeom prst="rect">
+              <a:avLst/>
+            </a:prstGeom>
+          </p:spPr>
+          <p:txBody>
+            <a:bodyPr vert="horz" wrap="none" lIns="0" tIns="0" rIns="0" bIns="0" rtlCol="0">
+              <a:spAutoFit/>
+            </a:bodyPr>
+            <a:lstStyle/>
+            <a:p>
+              <a:r>
+                <a:rPr lang="en-US" sz="700" b="1" dirty="0">
+                  <a:solidFill>
+                    <a:srgbClr val="17375E"/>
+                  </a:solidFill>
+                </a:rPr>
+                <a:t>3</a:t>
+              </a:r>
+              <a:r>
+                <a:rPr lang="en-US" sz="700" b="1" dirty="0">
+                  <a:solidFill>
+                    <a:srgbClr val="17375E"/>
+                  </a:solidFill>
+                  <a:latin typeface="+mn-lt"/>
+                </a:rPr>
+                <a:t>0 A</a:t>
+              </a:r>
+              <a:endParaRPr lang="pt-BR" sz="700" b="1" dirty="0">
+                <a:solidFill>
+                  <a:srgbClr val="17375E"/>
+                </a:solidFill>
+                <a:latin typeface="+mn-lt"/>
+              </a:endParaRPr>
+            </a:p>
+          </p:txBody>
+        </p:sp>
+        <p:sp>
+          <p:nvSpPr>
+            <p:cNvPr id="44" name="TextBox 43">
+              <a:extLst>
+                <a:ext uri="{FF2B5EF4-FFF2-40B4-BE49-F238E27FC236}">
+                  <a16:creationId xmlns:a16="http://schemas.microsoft.com/office/drawing/2014/main" id="{8F1F129E-3CF2-412D-82D9-B097ECDAF981}"/>
+                </a:ext>
+              </a:extLst>
+            </p:cNvPr>
+            <p:cNvSpPr txBox="1"/>
+            <p:nvPr/>
+          </p:nvSpPr>
+          <p:spPr>
+            <a:xfrm>
+              <a:off x="3998721" y="3248227"/>
+              <a:ext cx="187552" cy="123111"/>
+            </a:xfrm>
+            <a:prstGeom prst="rect">
+              <a:avLst/>
+            </a:prstGeom>
+          </p:spPr>
+          <p:txBody>
+            <a:bodyPr vert="horz" wrap="none" lIns="0" tIns="0" rIns="0" bIns="0" rtlCol="0">
+              <a:spAutoFit/>
+            </a:bodyPr>
+            <a:lstStyle/>
+            <a:p>
+              <a:r>
+                <a:rPr lang="en-US" sz="800" b="1" dirty="0">
+                  <a:solidFill>
+                    <a:srgbClr val="17375E"/>
+                  </a:solidFill>
+                  <a:latin typeface="+mn-lt"/>
+                </a:rPr>
+                <a:t>60 A</a:t>
+              </a:r>
+              <a:endParaRPr lang="pt-BR" sz="800" b="1" dirty="0">
+                <a:solidFill>
+                  <a:srgbClr val="17375E"/>
+                </a:solidFill>
+                <a:latin typeface="+mn-lt"/>
+              </a:endParaRPr>
+            </a:p>
+          </p:txBody>
+        </p:sp>
+        <p:sp>
+          <p:nvSpPr>
+            <p:cNvPr id="45" name="TextBox 44">
+              <a:extLst>
+                <a:ext uri="{FF2B5EF4-FFF2-40B4-BE49-F238E27FC236}">
+                  <a16:creationId xmlns:a16="http://schemas.microsoft.com/office/drawing/2014/main" id="{03D5C755-3DBA-48F2-A31B-D371F65D1FDD}"/>
+                </a:ext>
+              </a:extLst>
+            </p:cNvPr>
+            <p:cNvSpPr txBox="1"/>
+            <p:nvPr/>
+          </p:nvSpPr>
+          <p:spPr>
+            <a:xfrm>
+              <a:off x="3988178" y="2429555"/>
+              <a:ext cx="139462" cy="92333"/>
+            </a:xfrm>
+            <a:prstGeom prst="rect">
+              <a:avLst/>
+            </a:prstGeom>
+          </p:spPr>
+          <p:txBody>
+            <a:bodyPr vert="horz" wrap="none" lIns="0" tIns="0" rIns="0" bIns="0" rtlCol="0">
+              <a:noAutofit/>
+            </a:bodyPr>
+            <a:lstStyle/>
+            <a:p>
+              <a:r>
+                <a:rPr lang="en-US" sz="600" b="1" dirty="0">
+                  <a:solidFill>
+                    <a:srgbClr val="17375E"/>
+                  </a:solidFill>
+                  <a:latin typeface="+mn-lt"/>
+                </a:rPr>
+                <a:t>10 A</a:t>
+              </a:r>
+              <a:endParaRPr lang="pt-BR" sz="600" b="1" dirty="0">
+                <a:solidFill>
+                  <a:srgbClr val="17375E"/>
+                </a:solidFill>
+                <a:latin typeface="+mn-lt"/>
+              </a:endParaRPr>
+            </a:p>
+          </p:txBody>
+        </p:sp>
+        <p:cxnSp>
+          <p:nvCxnSpPr>
+            <p:cNvPr id="47" name="Connector: Curved 46">
+              <a:extLst>
+                <a:ext uri="{FF2B5EF4-FFF2-40B4-BE49-F238E27FC236}">
+                  <a16:creationId xmlns:a16="http://schemas.microsoft.com/office/drawing/2014/main" id="{273AADC3-8B95-4CA0-93CD-6829B298AA4D}"/>
+                </a:ext>
+              </a:extLst>
+            </p:cNvPr>
+            <p:cNvCxnSpPr>
+              <a:cxnSpLocks/>
+            </p:cNvCxnSpPr>
+            <p:nvPr/>
+          </p:nvCxnSpPr>
+          <p:spPr>
+            <a:xfrm rot="10800000" flipV="1">
+              <a:off x="2997939" y="2899831"/>
+              <a:ext cx="1069243" cy="56313"/>
+            </a:xfrm>
+            <a:prstGeom prst="curvedConnector3">
+              <a:avLst>
+                <a:gd name="adj1" fmla="val 50000"/>
+              </a:avLst>
+            </a:prstGeom>
+            <a:ln w="12700">
+              <a:solidFill>
+                <a:srgbClr val="31859C"/>
+              </a:solidFill>
+              <a:tailEnd type="triangle"/>
+            </a:ln>
+          </p:spPr>
+          <p:style>
+            <a:lnRef idx="1">
+              <a:schemeClr val="accent1"/>
+            </a:lnRef>
+            <a:fillRef idx="0">
+              <a:schemeClr val="accent1"/>
+            </a:fillRef>
+            <a:effectRef idx="0">
+              <a:schemeClr val="accent1"/>
+            </a:effectRef>
+            <a:fontRef idx="minor">
+              <a:schemeClr val="tx1"/>
+            </a:fontRef>
+          </p:style>
+        </p:cxnSp>
+        <p:cxnSp>
+          <p:nvCxnSpPr>
+            <p:cNvPr id="53" name="Connector: Curved 52">
+              <a:extLst>
+                <a:ext uri="{FF2B5EF4-FFF2-40B4-BE49-F238E27FC236}">
+                  <a16:creationId xmlns:a16="http://schemas.microsoft.com/office/drawing/2014/main" id="{BE5B20F6-24AF-4881-B6EF-62D196658952}"/>
+                </a:ext>
+              </a:extLst>
+            </p:cNvPr>
+            <p:cNvCxnSpPr>
+              <a:cxnSpLocks/>
+            </p:cNvCxnSpPr>
+            <p:nvPr/>
+          </p:nvCxnSpPr>
+          <p:spPr>
+            <a:xfrm rot="10800000" flipV="1">
+              <a:off x="2997938" y="2306313"/>
+              <a:ext cx="1400552" cy="576327"/>
+            </a:xfrm>
+            <a:prstGeom prst="curvedConnector3">
+              <a:avLst>
+                <a:gd name="adj1" fmla="val 50000"/>
+              </a:avLst>
+            </a:prstGeom>
+            <a:ln w="19050">
+              <a:solidFill>
+                <a:srgbClr val="31859C"/>
+              </a:solidFill>
+              <a:tailEnd type="triangle"/>
+            </a:ln>
+          </p:spPr>
+          <p:style>
+            <a:lnRef idx="1">
+              <a:schemeClr val="accent1"/>
+            </a:lnRef>
+            <a:fillRef idx="0">
+              <a:schemeClr val="accent1"/>
+            </a:fillRef>
+            <a:effectRef idx="0">
+              <a:schemeClr val="accent1"/>
+            </a:effectRef>
+            <a:fontRef idx="minor">
+              <a:schemeClr val="tx1"/>
+            </a:fontRef>
+          </p:style>
+        </p:cxnSp>
+        <p:sp>
+          <p:nvSpPr>
+            <p:cNvPr id="66" name="Arrow: Right 65">
+              <a:extLst>
+                <a:ext uri="{FF2B5EF4-FFF2-40B4-BE49-F238E27FC236}">
+                  <a16:creationId xmlns:a16="http://schemas.microsoft.com/office/drawing/2014/main" id="{C803032B-2897-4516-831D-69A54E19255D}"/>
+                </a:ext>
+              </a:extLst>
+            </p:cNvPr>
+            <p:cNvSpPr/>
+            <p:nvPr/>
+          </p:nvSpPr>
+          <p:spPr>
+            <a:xfrm flipH="1">
+              <a:off x="1296373" y="2900756"/>
+              <a:ext cx="684828" cy="111914"/>
+            </a:xfrm>
+            <a:prstGeom prst="rightArrow">
+              <a:avLst/>
+            </a:prstGeom>
+            <a:solidFill>
+              <a:srgbClr val="31859C"/>
+            </a:solidFill>
+            <a:ln>
+              <a:noFill/>
+            </a:ln>
+          </p:spPr>
+          <p:style>
+            <a:lnRef idx="2">
+              <a:schemeClr val="accent1">
+                <a:shade val="50000"/>
+              </a:schemeClr>
+            </a:lnRef>
+            <a:fillRef idx="1">
+              <a:schemeClr val="accent1"/>
+            </a:fillRef>
+            <a:effectRef idx="0">
+              <a:schemeClr val="accent1"/>
+            </a:effectRef>
+            <a:fontRef idx="minor">
+              <a:schemeClr val="lt1"/>
+            </a:fontRef>
+          </p:style>
+          <p:txBody>
+            <a:bodyPr rtlCol="0" anchor="ctr"/>
+            <a:lstStyle/>
+            <a:p>
+              <a:pPr algn="ctr"/>
+              <a:endParaRPr lang="pt-BR"/>
+            </a:p>
+          </p:txBody>
+        </p:sp>
+        <p:sp>
+          <p:nvSpPr>
+            <p:cNvPr id="67" name="TextBox 66">
+              <a:extLst>
+                <a:ext uri="{FF2B5EF4-FFF2-40B4-BE49-F238E27FC236}">
+                  <a16:creationId xmlns:a16="http://schemas.microsoft.com/office/drawing/2014/main" id="{000F0833-BCFF-4732-82CF-05C3C8B5EC9F}"/>
+                </a:ext>
+              </a:extLst>
+            </p:cNvPr>
+            <p:cNvSpPr txBox="1"/>
+            <p:nvPr/>
+          </p:nvSpPr>
+          <p:spPr>
+            <a:xfrm>
+              <a:off x="1283287" y="3036388"/>
+              <a:ext cx="676467" cy="161583"/>
+            </a:xfrm>
+            <a:prstGeom prst="rect">
+              <a:avLst/>
+            </a:prstGeom>
+          </p:spPr>
+          <p:txBody>
+            <a:bodyPr vert="horz" wrap="none" lIns="0" tIns="0" rIns="0" bIns="0" rtlCol="0">
+              <a:spAutoFit/>
+            </a:bodyPr>
+            <a:lstStyle/>
+            <a:p>
+              <a:r>
+                <a:rPr lang="en-US" sz="1050" dirty="0">
+                  <a:solidFill>
+                    <a:srgbClr val="31859C"/>
+                  </a:solidFill>
+                  <a:latin typeface="+mn-lt"/>
+                </a:rPr>
+                <a:t>200 Token </a:t>
+              </a:r>
+              <a:r>
+                <a:rPr lang="en-US" sz="1050" dirty="0">
+                  <a:solidFill>
+                    <a:srgbClr val="31859C"/>
+                  </a:solidFill>
+                </a:rPr>
+                <a:t>B</a:t>
+              </a:r>
+              <a:endParaRPr lang="pt-BR" sz="1050" dirty="0">
+                <a:solidFill>
+                  <a:srgbClr val="31859C"/>
                 </a:solidFill>
               </a:endParaRPr>
             </a:p>
           </p:txBody>
         </p:sp>
-      </p:grpSp>
-      <p:graphicFrame>
-        <p:nvGraphicFramePr>
-          <p:cNvPr id="60" name="Chart 59">
-            <a:extLst>
-              <a:ext uri="{FF2B5EF4-FFF2-40B4-BE49-F238E27FC236}">
-                <a16:creationId xmlns:a16="http://schemas.microsoft.com/office/drawing/2014/main" id="{FE693BEF-500C-4619-908F-03F1FF7FEBDB}"/>
-              </a:ext>
-            </a:extLst>
-          </p:cNvPr>
-          <p:cNvGraphicFramePr/>
-          <p:nvPr>
-            <p:extLst>
-              <p:ext uri="{D42A27DB-BD31-4B8C-83A1-F6EECF244321}">
-                <p14:modId xmlns:p14="http://schemas.microsoft.com/office/powerpoint/2010/main" val="1206165135"/>
-              </p:ext>
-            </p:extLst>
-          </p:nvPr>
-        </p:nvGraphicFramePr>
-        <p:xfrm>
-          <a:off x="4938862" y="2134238"/>
-          <a:ext cx="864054" cy="886181"/>
-        </p:xfrm>
-        <a:graphic>
-          <a:graphicData uri="http://schemas.openxmlformats.org/drawingml/2006/chart">
-            <c:chart xmlns:c="http://schemas.openxmlformats.org/drawingml/2006/chart" xmlns:r="http://schemas.openxmlformats.org/officeDocument/2006/relationships" r:id="rId7"/>
-          </a:graphicData>
-        </a:graphic>
-      </p:graphicFrame>
-      <p:graphicFrame>
-        <p:nvGraphicFramePr>
-          <p:cNvPr id="65" name="Chart 64">
-            <a:extLst>
-              <a:ext uri="{FF2B5EF4-FFF2-40B4-BE49-F238E27FC236}">
-                <a16:creationId xmlns:a16="http://schemas.microsoft.com/office/drawing/2014/main" id="{A04D8A49-DDE5-4DDE-A2ED-4DC792BF2190}"/>
-              </a:ext>
-            </a:extLst>
-          </p:cNvPr>
-          <p:cNvGraphicFramePr/>
-          <p:nvPr>
-            <p:extLst>
-              <p:ext uri="{D42A27DB-BD31-4B8C-83A1-F6EECF244321}">
-                <p14:modId xmlns:p14="http://schemas.microsoft.com/office/powerpoint/2010/main" val="332034218"/>
-              </p:ext>
-            </p:extLst>
-          </p:nvPr>
-        </p:nvGraphicFramePr>
-        <p:xfrm>
-          <a:off x="3868717" y="1549573"/>
-          <a:ext cx="1644593" cy="1096395"/>
-        </p:xfrm>
-        <a:graphic>
-          <a:graphicData uri="http://schemas.openxmlformats.org/drawingml/2006/chart">
-            <c:chart xmlns:c="http://schemas.openxmlformats.org/drawingml/2006/chart" xmlns:r="http://schemas.openxmlformats.org/officeDocument/2006/relationships" r:id="rId8"/>
-          </a:graphicData>
-        </a:graphic>
-      </p:graphicFrame>
-      <p:graphicFrame>
-        <p:nvGraphicFramePr>
-          <p:cNvPr id="71" name="Chart 70">
-            <a:extLst>
-              <a:ext uri="{FF2B5EF4-FFF2-40B4-BE49-F238E27FC236}">
-                <a16:creationId xmlns:a16="http://schemas.microsoft.com/office/drawing/2014/main" id="{3B51B648-22F7-4191-BCFD-0AB325FD27C6}"/>
-              </a:ext>
-            </a:extLst>
-          </p:cNvPr>
-          <p:cNvGraphicFramePr/>
-          <p:nvPr>
-            <p:extLst>
-              <p:ext uri="{D42A27DB-BD31-4B8C-83A1-F6EECF244321}">
-                <p14:modId xmlns:p14="http://schemas.microsoft.com/office/powerpoint/2010/main" val="685646330"/>
-              </p:ext>
-            </p:extLst>
-          </p:nvPr>
-        </p:nvGraphicFramePr>
-        <p:xfrm>
-          <a:off x="3952010" y="3004790"/>
-          <a:ext cx="1478006" cy="1471960"/>
-        </p:xfrm>
-        <a:graphic>
-          <a:graphicData uri="http://schemas.openxmlformats.org/drawingml/2006/chart">
-            <c:chart xmlns:c="http://schemas.openxmlformats.org/drawingml/2006/chart" xmlns:r="http://schemas.openxmlformats.org/officeDocument/2006/relationships" r:id="rId9"/>
-          </a:graphicData>
-        </a:graphic>
-      </p:graphicFrame>
-      <p:sp>
-        <p:nvSpPr>
-          <p:cNvPr id="83" name="Text Placeholder 2">
-            <a:extLst>
-              <a:ext uri="{FF2B5EF4-FFF2-40B4-BE49-F238E27FC236}">
-                <a16:creationId xmlns:a16="http://schemas.microsoft.com/office/drawing/2014/main" id="{5742FC19-22AA-4917-9853-98DB3B21BDCC}"/>
-              </a:ext>
-            </a:extLst>
-          </p:cNvPr>
-          <p:cNvSpPr txBox="1">
-            <a:spLocks/>
-          </p:cNvSpPr>
-          <p:nvPr/>
-        </p:nvSpPr>
-        <p:spPr>
-          <a:xfrm>
-            <a:off x="3610270" y="1324816"/>
-            <a:ext cx="2057400" cy="295129"/>
-          </a:xfrm>
-          <a:prstGeom prst="rect">
-            <a:avLst/>
-          </a:prstGeom>
-        </p:spPr>
-        <p:txBody>
-          <a:bodyPr vert="horz" lIns="0" tIns="0" rIns="0" bIns="0" rtlCol="0">
-            <a:noAutofit/>
-          </a:bodyPr>
-          <a:lstStyle>
-            <a:lvl1pPr marL="252000" indent="-252000">
-              <a:spcBef>
-                <a:spcPts val="600"/>
-              </a:spcBef>
-              <a:buFontTx/>
-              <a:buBlip>
-                <a:blip r:embed="rId5"/>
-              </a:buBlip>
-              <a:defRPr sz="1800">
-                <a:solidFill>
-                  <a:srgbClr val="130F40"/>
-                </a:solidFill>
-                <a:latin typeface="+mn-lt"/>
-                <a:ea typeface="+mn-ea"/>
-                <a:cs typeface="+mn-cs"/>
-              </a:defRPr>
-            </a:lvl1pPr>
-            <a:lvl2pPr marL="504000" indent="-252000">
-              <a:spcBef>
-                <a:spcPts val="600"/>
-              </a:spcBef>
-              <a:buFont typeface="Arial" panose="020B0604020202020204" pitchFamily="34" charset="0"/>
-              <a:buChar char="•"/>
-              <a:defRPr sz="1800">
-                <a:solidFill>
-                  <a:srgbClr val="130F40"/>
-                </a:solidFill>
-                <a:latin typeface="+mn-lt"/>
-                <a:ea typeface="+mn-ea"/>
-                <a:cs typeface="+mn-cs"/>
-              </a:defRPr>
-            </a:lvl2pPr>
-            <a:lvl3pPr marL="756000" indent="-252000">
-              <a:spcBef>
-                <a:spcPts val="600"/>
-              </a:spcBef>
-              <a:buFont typeface="Avenir" panose="02000503040000020003" pitchFamily="2" charset="0"/>
-              <a:buChar char="Ð"/>
-              <a:defRPr sz="1800">
-                <a:solidFill>
-                  <a:srgbClr val="130F40"/>
-                </a:solidFill>
-                <a:latin typeface="+mn-lt"/>
-                <a:ea typeface="+mn-ea"/>
-                <a:cs typeface="+mn-cs"/>
-              </a:defRPr>
-            </a:lvl3pPr>
-            <a:lvl4pPr marL="1008000" indent="-252000">
-              <a:spcBef>
-                <a:spcPts val="600"/>
-              </a:spcBef>
-              <a:buFont typeface="Wingdings" panose="05000000000000000000" pitchFamily="2" charset="2"/>
-              <a:buChar char="§"/>
-              <a:defRPr lang="en-US" sz="1800" dirty="0" smtClean="0">
-                <a:solidFill>
-                  <a:srgbClr val="130F40"/>
-                </a:solidFill>
-                <a:latin typeface="+mn-lt"/>
-                <a:ea typeface="+mn-ea"/>
-                <a:cs typeface="+mn-cs"/>
-              </a:defRPr>
-            </a:lvl4pPr>
-            <a:lvl5pPr marL="1260000" indent="-252000">
-              <a:spcBef>
-                <a:spcPts val="600"/>
-              </a:spcBef>
-              <a:defRPr sz="1800">
-                <a:solidFill>
-                  <a:srgbClr val="130F40"/>
-                </a:solidFill>
-                <a:latin typeface="+mn-lt"/>
-                <a:ea typeface="+mn-ea"/>
-                <a:cs typeface="+mn-cs"/>
-              </a:defRPr>
-            </a:lvl5pPr>
-            <a:lvl6pPr marL="1434922">
-              <a:defRPr>
-                <a:latin typeface="+mn-lt"/>
-                <a:ea typeface="+mn-ea"/>
-                <a:cs typeface="+mn-cs"/>
-              </a:defRPr>
-            </a:lvl6pPr>
-            <a:lvl7pPr marL="1721907">
-              <a:defRPr>
-                <a:latin typeface="+mn-lt"/>
-                <a:ea typeface="+mn-ea"/>
-                <a:cs typeface="+mn-cs"/>
-              </a:defRPr>
-            </a:lvl7pPr>
-            <a:lvl8pPr marL="2008891">
-              <a:defRPr>
-                <a:latin typeface="+mn-lt"/>
-                <a:ea typeface="+mn-ea"/>
-                <a:cs typeface="+mn-cs"/>
-              </a:defRPr>
-            </a:lvl8pPr>
-            <a:lvl9pPr marL="2295876">
-              <a:defRPr>
-                <a:latin typeface="+mn-lt"/>
-                <a:ea typeface="+mn-ea"/>
-                <a:cs typeface="+mn-cs"/>
-              </a:defRPr>
-            </a:lvl9pPr>
-          </a:lstStyle>
-          <a:p>
-            <a:pPr marL="0" indent="0" algn="ctr" defTabSz="914400">
-              <a:buFontTx/>
-              <a:buNone/>
-            </a:pPr>
-            <a:r>
-              <a:rPr lang="de-DE" sz="1400" b="1" kern="0" dirty="0"/>
-              <a:t>Balancer Pools</a:t>
-            </a:r>
-            <a:endParaRPr lang="LID4096" sz="1200" b="1" kern="0" dirty="0"/>
-          </a:p>
-        </p:txBody>
-      </p:sp>
-      <p:graphicFrame>
-        <p:nvGraphicFramePr>
-          <p:cNvPr id="86" name="Chart 85">
-            <a:extLst>
-              <a:ext uri="{FF2B5EF4-FFF2-40B4-BE49-F238E27FC236}">
-                <a16:creationId xmlns:a16="http://schemas.microsoft.com/office/drawing/2014/main" id="{068AB511-48F4-4F39-934E-88BC3B13A0C5}"/>
-              </a:ext>
-            </a:extLst>
-          </p:cNvPr>
-          <p:cNvGraphicFramePr/>
-          <p:nvPr>
-            <p:extLst>
-              <p:ext uri="{D42A27DB-BD31-4B8C-83A1-F6EECF244321}">
-                <p14:modId xmlns:p14="http://schemas.microsoft.com/office/powerpoint/2010/main" val="93424872"/>
-              </p:ext>
-            </p:extLst>
-          </p:nvPr>
-        </p:nvGraphicFramePr>
-        <p:xfrm>
-          <a:off x="4398490" y="2629610"/>
-          <a:ext cx="1041726" cy="556114"/>
-        </p:xfrm>
-        <a:graphic>
-          <a:graphicData uri="http://schemas.openxmlformats.org/drawingml/2006/chart">
-            <c:chart xmlns:c="http://schemas.openxmlformats.org/drawingml/2006/chart" xmlns:r="http://schemas.openxmlformats.org/officeDocument/2006/relationships" r:id="rId10"/>
-          </a:graphicData>
-        </a:graphic>
-      </p:graphicFrame>
-      <p:sp>
-        <p:nvSpPr>
-          <p:cNvPr id="5" name="Rectangle: Rounded Corners 4">
-            <a:extLst>
-              <a:ext uri="{FF2B5EF4-FFF2-40B4-BE49-F238E27FC236}">
-                <a16:creationId xmlns:a16="http://schemas.microsoft.com/office/drawing/2014/main" id="{82B7755A-082D-431B-B0D6-9E57300BAB51}"/>
-              </a:ext>
-            </a:extLst>
-          </p:cNvPr>
-          <p:cNvSpPr/>
-          <p:nvPr/>
-        </p:nvSpPr>
-        <p:spPr>
-          <a:xfrm>
-            <a:off x="2065967" y="2311791"/>
-            <a:ext cx="929787" cy="886180"/>
-          </a:xfrm>
-          <a:prstGeom prst="roundRect">
-            <a:avLst/>
-          </a:prstGeom>
-          <a:ln>
-            <a:noFill/>
-          </a:ln>
-        </p:spPr>
-        <p:style>
-          <a:lnRef idx="1">
-            <a:schemeClr val="accent5"/>
-          </a:lnRef>
-          <a:fillRef idx="2">
-            <a:schemeClr val="accent5"/>
-          </a:fillRef>
-          <a:effectRef idx="1">
-            <a:schemeClr val="accent5"/>
-          </a:effectRef>
-          <a:fontRef idx="minor">
-            <a:schemeClr val="dk1"/>
-          </a:fontRef>
-        </p:style>
-        <p:txBody>
-          <a:bodyPr rtlCol="0" anchor="ctr"/>
-          <a:lstStyle/>
-          <a:p>
-            <a:pPr algn="ctr"/>
-            <a:r>
-              <a:rPr lang="en-US" sz="1800" dirty="0"/>
-              <a:t>SOR</a:t>
-            </a:r>
-            <a:br>
-              <a:rPr lang="en-US" sz="1800" dirty="0"/>
-            </a:br>
-            <a:r>
-              <a:rPr lang="en-US" sz="1000" dirty="0"/>
-              <a:t>(smart order routing)</a:t>
-            </a:r>
-            <a:endParaRPr lang="pt-BR" sz="1800" dirty="0"/>
-          </a:p>
-        </p:txBody>
-      </p:sp>
-      <p:sp>
-        <p:nvSpPr>
-          <p:cNvPr id="6" name="Arrow: Right 5">
-            <a:extLst>
-              <a:ext uri="{FF2B5EF4-FFF2-40B4-BE49-F238E27FC236}">
-                <a16:creationId xmlns:a16="http://schemas.microsoft.com/office/drawing/2014/main" id="{DA63E176-EDB8-49F3-B979-166DBA1BE099}"/>
-              </a:ext>
-            </a:extLst>
-          </p:cNvPr>
-          <p:cNvSpPr/>
-          <p:nvPr/>
-        </p:nvSpPr>
-        <p:spPr>
-          <a:xfrm>
-            <a:off x="1296373" y="2517436"/>
-            <a:ext cx="684827" cy="130514"/>
-          </a:xfrm>
-          <a:prstGeom prst="rightArrow">
-            <a:avLst/>
-          </a:prstGeom>
-          <a:solidFill>
-            <a:srgbClr val="17375E"/>
-          </a:solidFill>
-          <a:ln>
-            <a:noFill/>
-          </a:ln>
-        </p:spPr>
-        <p:style>
-          <a:lnRef idx="2">
-            <a:schemeClr val="accent1">
-              <a:shade val="50000"/>
-            </a:schemeClr>
-          </a:lnRef>
-          <a:fillRef idx="1">
-            <a:schemeClr val="accent1"/>
-          </a:fillRef>
-          <a:effectRef idx="0">
-            <a:schemeClr val="accent1"/>
-          </a:effectRef>
-          <a:fontRef idx="minor">
-            <a:schemeClr val="lt1"/>
-          </a:fontRef>
-        </p:style>
-        <p:txBody>
-          <a:bodyPr rtlCol="0" anchor="ctr"/>
-          <a:lstStyle/>
-          <a:p>
-            <a:pPr algn="ctr"/>
-            <a:endParaRPr lang="pt-BR"/>
-          </a:p>
-        </p:txBody>
-      </p:sp>
-      <p:sp>
-        <p:nvSpPr>
-          <p:cNvPr id="7" name="TextBox 6">
-            <a:extLst>
-              <a:ext uri="{FF2B5EF4-FFF2-40B4-BE49-F238E27FC236}">
-                <a16:creationId xmlns:a16="http://schemas.microsoft.com/office/drawing/2014/main" id="{6C210CEB-62CD-4F7F-A25A-1A06698A0D05}"/>
-              </a:ext>
-            </a:extLst>
-          </p:cNvPr>
-          <p:cNvSpPr txBox="1"/>
-          <p:nvPr/>
-        </p:nvSpPr>
-        <p:spPr>
-          <a:xfrm>
-            <a:off x="1283287" y="2344855"/>
-            <a:ext cx="681277" cy="161583"/>
-          </a:xfrm>
-          <a:prstGeom prst="rect">
-            <a:avLst/>
-          </a:prstGeom>
-        </p:spPr>
-        <p:txBody>
-          <a:bodyPr vert="horz" wrap="none" lIns="0" tIns="0" rIns="0" bIns="0" rtlCol="0">
-            <a:spAutoFit/>
-          </a:bodyPr>
-          <a:lstStyle/>
-          <a:p>
-            <a:r>
-              <a:rPr lang="en-US" sz="1050" dirty="0">
-                <a:solidFill>
-                  <a:srgbClr val="130F36"/>
-                </a:solidFill>
-                <a:latin typeface="+mn-lt"/>
-              </a:rPr>
-              <a:t>100 Token A</a:t>
-            </a:r>
-            <a:endParaRPr lang="pt-BR" sz="1050" dirty="0">
-              <a:solidFill>
-                <a:srgbClr val="130F36"/>
-              </a:solidFill>
-              <a:latin typeface="+mn-lt"/>
-            </a:endParaRPr>
-          </a:p>
-        </p:txBody>
-      </p:sp>
-      <p:cxnSp>
-        <p:nvCxnSpPr>
-          <p:cNvPr id="9" name="Connector: Curved 8">
-            <a:extLst>
-              <a:ext uri="{FF2B5EF4-FFF2-40B4-BE49-F238E27FC236}">
-                <a16:creationId xmlns:a16="http://schemas.microsoft.com/office/drawing/2014/main" id="{FD790C05-C815-4AC5-A193-6680F09748ED}"/>
-              </a:ext>
-            </a:extLst>
-          </p:cNvPr>
-          <p:cNvCxnSpPr>
-            <a:cxnSpLocks/>
-          </p:cNvCxnSpPr>
-          <p:nvPr/>
-        </p:nvCxnSpPr>
-        <p:spPr>
-          <a:xfrm flipV="1">
-            <a:off x="2995754" y="1759787"/>
-            <a:ext cx="1469840" cy="789058"/>
-          </a:xfrm>
-          <a:prstGeom prst="curvedConnector3">
-            <a:avLst>
-              <a:gd name="adj1" fmla="val 14155"/>
-            </a:avLst>
-          </a:prstGeom>
-          <a:ln w="19050">
-            <a:solidFill>
-              <a:srgbClr val="17375E"/>
-            </a:solidFill>
-            <a:tailEnd type="triangle"/>
-          </a:ln>
-        </p:spPr>
-        <p:style>
-          <a:lnRef idx="1">
-            <a:schemeClr val="accent1"/>
-          </a:lnRef>
-          <a:fillRef idx="0">
-            <a:schemeClr val="accent1"/>
-          </a:fillRef>
-          <a:effectRef idx="0">
-            <a:schemeClr val="accent1"/>
-          </a:effectRef>
-          <a:fontRef idx="minor">
-            <a:schemeClr val="tx1"/>
-          </a:fontRef>
-        </p:style>
-      </p:cxnSp>
-      <p:cxnSp>
-        <p:nvCxnSpPr>
-          <p:cNvPr id="32" name="Connector: Curved 31">
-            <a:extLst>
-              <a:ext uri="{FF2B5EF4-FFF2-40B4-BE49-F238E27FC236}">
-                <a16:creationId xmlns:a16="http://schemas.microsoft.com/office/drawing/2014/main" id="{89D3FB2D-AC4B-4EBB-84A9-FCD7EA800EBF}"/>
-              </a:ext>
-            </a:extLst>
-          </p:cNvPr>
-          <p:cNvCxnSpPr>
-            <a:cxnSpLocks/>
-          </p:cNvCxnSpPr>
-          <p:nvPr/>
-        </p:nvCxnSpPr>
-        <p:spPr>
-          <a:xfrm flipV="1">
-            <a:off x="2995754" y="2552158"/>
-            <a:ext cx="1071427" cy="69024"/>
-          </a:xfrm>
-          <a:prstGeom prst="curvedConnector3">
-            <a:avLst>
-              <a:gd name="adj1" fmla="val 50000"/>
-            </a:avLst>
-          </a:prstGeom>
-          <a:ln w="12700">
-            <a:solidFill>
-              <a:srgbClr val="17375E"/>
-            </a:solidFill>
-            <a:tailEnd type="triangle"/>
-          </a:ln>
-        </p:spPr>
-        <p:style>
-          <a:lnRef idx="1">
-            <a:schemeClr val="accent1"/>
-          </a:lnRef>
-          <a:fillRef idx="0">
-            <a:schemeClr val="accent1"/>
-          </a:fillRef>
-          <a:effectRef idx="0">
-            <a:schemeClr val="accent1"/>
-          </a:effectRef>
-          <a:fontRef idx="minor">
-            <a:schemeClr val="tx1"/>
-          </a:fontRef>
-        </p:style>
-      </p:cxnSp>
-      <p:cxnSp>
-        <p:nvCxnSpPr>
-          <p:cNvPr id="34" name="Connector: Curved 33">
-            <a:extLst>
-              <a:ext uri="{FF2B5EF4-FFF2-40B4-BE49-F238E27FC236}">
-                <a16:creationId xmlns:a16="http://schemas.microsoft.com/office/drawing/2014/main" id="{D9043745-006D-4243-9A8A-04B0329FCA9B}"/>
-              </a:ext>
-            </a:extLst>
-          </p:cNvPr>
-          <p:cNvCxnSpPr>
-            <a:cxnSpLocks/>
-          </p:cNvCxnSpPr>
-          <p:nvPr/>
-        </p:nvCxnSpPr>
-        <p:spPr>
-          <a:xfrm>
-            <a:off x="2995754" y="2693995"/>
-            <a:ext cx="1346917" cy="541679"/>
-          </a:xfrm>
-          <a:prstGeom prst="curvedConnector3">
-            <a:avLst>
-              <a:gd name="adj1" fmla="val 50000"/>
-            </a:avLst>
-          </a:prstGeom>
-          <a:ln w="19050">
-            <a:solidFill>
-              <a:srgbClr val="17375E"/>
-            </a:solidFill>
-            <a:tailEnd type="triangle"/>
-          </a:ln>
-        </p:spPr>
-        <p:style>
-          <a:lnRef idx="1">
-            <a:schemeClr val="accent1"/>
-          </a:lnRef>
-          <a:fillRef idx="0">
-            <a:schemeClr val="accent1"/>
-          </a:fillRef>
-          <a:effectRef idx="0">
-            <a:schemeClr val="accent1"/>
-          </a:effectRef>
-          <a:fontRef idx="minor">
-            <a:schemeClr val="tx1"/>
-          </a:fontRef>
-        </p:style>
-      </p:cxnSp>
-      <p:cxnSp>
-        <p:nvCxnSpPr>
-          <p:cNvPr id="40" name="Connector: Curved 39">
-            <a:extLst>
-              <a:ext uri="{FF2B5EF4-FFF2-40B4-BE49-F238E27FC236}">
-                <a16:creationId xmlns:a16="http://schemas.microsoft.com/office/drawing/2014/main" id="{B90807A9-E8F0-4EA1-9FF9-11B50790971F}"/>
-              </a:ext>
-            </a:extLst>
-          </p:cNvPr>
-          <p:cNvCxnSpPr>
-            <a:cxnSpLocks/>
-          </p:cNvCxnSpPr>
-          <p:nvPr/>
-        </p:nvCxnSpPr>
-        <p:spPr>
-          <a:xfrm rot="10800000">
-            <a:off x="2997938" y="3028957"/>
-            <a:ext cx="1252370" cy="794760"/>
-          </a:xfrm>
-          <a:prstGeom prst="curvedConnector3">
-            <a:avLst>
-              <a:gd name="adj1" fmla="val 50000"/>
-            </a:avLst>
-          </a:prstGeom>
-          <a:ln w="19050">
-            <a:solidFill>
-              <a:srgbClr val="31859C"/>
-            </a:solidFill>
-            <a:tailEnd type="triangle"/>
-          </a:ln>
-        </p:spPr>
-        <p:style>
-          <a:lnRef idx="1">
-            <a:schemeClr val="accent1"/>
-          </a:lnRef>
-          <a:fillRef idx="0">
-            <a:schemeClr val="accent1"/>
-          </a:fillRef>
-          <a:effectRef idx="0">
-            <a:schemeClr val="accent1"/>
-          </a:effectRef>
-          <a:fontRef idx="minor">
-            <a:schemeClr val="tx1"/>
-          </a:fontRef>
-        </p:style>
-      </p:cxnSp>
-      <p:sp>
-        <p:nvSpPr>
-          <p:cNvPr id="43" name="TextBox 42">
-            <a:extLst>
-              <a:ext uri="{FF2B5EF4-FFF2-40B4-BE49-F238E27FC236}">
-                <a16:creationId xmlns:a16="http://schemas.microsoft.com/office/drawing/2014/main" id="{E00CC6D9-F26D-402C-A744-B24A3469AFF1}"/>
-              </a:ext>
-            </a:extLst>
-          </p:cNvPr>
-          <p:cNvSpPr txBox="1"/>
-          <p:nvPr/>
-        </p:nvSpPr>
-        <p:spPr>
-          <a:xfrm>
-            <a:off x="4196674" y="1629187"/>
-            <a:ext cx="165110" cy="107722"/>
-          </a:xfrm>
-          <a:prstGeom prst="rect">
-            <a:avLst/>
-          </a:prstGeom>
-        </p:spPr>
-        <p:txBody>
-          <a:bodyPr vert="horz" wrap="none" lIns="0" tIns="0" rIns="0" bIns="0" rtlCol="0">
-            <a:spAutoFit/>
-          </a:bodyPr>
-          <a:lstStyle/>
-          <a:p>
-            <a:r>
-              <a:rPr lang="en-US" sz="700" b="1" dirty="0">
-                <a:solidFill>
-                  <a:srgbClr val="17375E"/>
-                </a:solidFill>
-              </a:rPr>
-              <a:t>3</a:t>
-            </a:r>
-            <a:r>
-              <a:rPr lang="en-US" sz="700" b="1" dirty="0">
-                <a:solidFill>
-                  <a:srgbClr val="17375E"/>
-                </a:solidFill>
-                <a:latin typeface="+mn-lt"/>
-              </a:rPr>
-              <a:t>0 A</a:t>
-            </a:r>
-            <a:endParaRPr lang="pt-BR" sz="700" b="1" dirty="0">
-              <a:solidFill>
-                <a:srgbClr val="17375E"/>
-              </a:solidFill>
-              <a:latin typeface="+mn-lt"/>
-            </a:endParaRPr>
-          </a:p>
-        </p:txBody>
-      </p:sp>
-      <p:sp>
-        <p:nvSpPr>
-          <p:cNvPr id="44" name="TextBox 43">
-            <a:extLst>
-              <a:ext uri="{FF2B5EF4-FFF2-40B4-BE49-F238E27FC236}">
-                <a16:creationId xmlns:a16="http://schemas.microsoft.com/office/drawing/2014/main" id="{8F1F129E-3CF2-412D-82D9-B097ECDAF981}"/>
-              </a:ext>
-            </a:extLst>
-          </p:cNvPr>
-          <p:cNvSpPr txBox="1"/>
-          <p:nvPr/>
-        </p:nvSpPr>
-        <p:spPr>
-          <a:xfrm>
-            <a:off x="3998721" y="3248227"/>
-            <a:ext cx="187552" cy="123111"/>
-          </a:xfrm>
-          <a:prstGeom prst="rect">
-            <a:avLst/>
-          </a:prstGeom>
-        </p:spPr>
-        <p:txBody>
-          <a:bodyPr vert="horz" wrap="none" lIns="0" tIns="0" rIns="0" bIns="0" rtlCol="0">
-            <a:spAutoFit/>
-          </a:bodyPr>
-          <a:lstStyle/>
-          <a:p>
-            <a:r>
-              <a:rPr lang="en-US" sz="800" b="1" dirty="0">
-                <a:solidFill>
-                  <a:srgbClr val="17375E"/>
-                </a:solidFill>
-                <a:latin typeface="+mn-lt"/>
-              </a:rPr>
-              <a:t>60 A</a:t>
-            </a:r>
-            <a:endParaRPr lang="pt-BR" sz="800" b="1" dirty="0">
-              <a:solidFill>
-                <a:srgbClr val="17375E"/>
-              </a:solidFill>
-              <a:latin typeface="+mn-lt"/>
-            </a:endParaRPr>
-          </a:p>
-        </p:txBody>
-      </p:sp>
-      <p:sp>
-        <p:nvSpPr>
-          <p:cNvPr id="45" name="TextBox 44">
-            <a:extLst>
-              <a:ext uri="{FF2B5EF4-FFF2-40B4-BE49-F238E27FC236}">
-                <a16:creationId xmlns:a16="http://schemas.microsoft.com/office/drawing/2014/main" id="{03D5C755-3DBA-48F2-A31B-D371F65D1FDD}"/>
-              </a:ext>
-            </a:extLst>
-          </p:cNvPr>
-          <p:cNvSpPr txBox="1"/>
-          <p:nvPr/>
-        </p:nvSpPr>
-        <p:spPr>
-          <a:xfrm>
-            <a:off x="3988178" y="2429555"/>
-            <a:ext cx="139462" cy="92333"/>
-          </a:xfrm>
-          <a:prstGeom prst="rect">
-            <a:avLst/>
-          </a:prstGeom>
-        </p:spPr>
-        <p:txBody>
-          <a:bodyPr vert="horz" wrap="none" lIns="0" tIns="0" rIns="0" bIns="0" rtlCol="0">
-            <a:noAutofit/>
-          </a:bodyPr>
-          <a:lstStyle/>
-          <a:p>
-            <a:r>
-              <a:rPr lang="en-US" sz="600" b="1" dirty="0">
-                <a:solidFill>
-                  <a:srgbClr val="17375E"/>
-                </a:solidFill>
-                <a:latin typeface="+mn-lt"/>
-              </a:rPr>
-              <a:t>10 A</a:t>
-            </a:r>
-            <a:endParaRPr lang="pt-BR" sz="600" b="1" dirty="0">
-              <a:solidFill>
-                <a:srgbClr val="17375E"/>
-              </a:solidFill>
-              <a:latin typeface="+mn-lt"/>
-            </a:endParaRPr>
-          </a:p>
-        </p:txBody>
-      </p:sp>
-      <p:cxnSp>
-        <p:nvCxnSpPr>
-          <p:cNvPr id="47" name="Connector: Curved 46">
-            <a:extLst>
-              <a:ext uri="{FF2B5EF4-FFF2-40B4-BE49-F238E27FC236}">
-                <a16:creationId xmlns:a16="http://schemas.microsoft.com/office/drawing/2014/main" id="{273AADC3-8B95-4CA0-93CD-6829B298AA4D}"/>
-              </a:ext>
-            </a:extLst>
-          </p:cNvPr>
-          <p:cNvCxnSpPr>
-            <a:cxnSpLocks/>
-          </p:cNvCxnSpPr>
-          <p:nvPr/>
-        </p:nvCxnSpPr>
-        <p:spPr>
-          <a:xfrm rot="10800000" flipV="1">
-            <a:off x="2997939" y="2899831"/>
-            <a:ext cx="1069243" cy="56313"/>
-          </a:xfrm>
-          <a:prstGeom prst="curvedConnector3">
-            <a:avLst>
-              <a:gd name="adj1" fmla="val 50000"/>
-            </a:avLst>
-          </a:prstGeom>
-          <a:ln w="12700">
-            <a:solidFill>
-              <a:srgbClr val="31859C"/>
-            </a:solidFill>
-            <a:tailEnd type="triangle"/>
-          </a:ln>
-        </p:spPr>
-        <p:style>
-          <a:lnRef idx="1">
-            <a:schemeClr val="accent1"/>
-          </a:lnRef>
-          <a:fillRef idx="0">
-            <a:schemeClr val="accent1"/>
-          </a:fillRef>
-          <a:effectRef idx="0">
-            <a:schemeClr val="accent1"/>
-          </a:effectRef>
-          <a:fontRef idx="minor">
-            <a:schemeClr val="tx1"/>
-          </a:fontRef>
-        </p:style>
-      </p:cxnSp>
-      <p:cxnSp>
-        <p:nvCxnSpPr>
-          <p:cNvPr id="53" name="Connector: Curved 52">
-            <a:extLst>
-              <a:ext uri="{FF2B5EF4-FFF2-40B4-BE49-F238E27FC236}">
-                <a16:creationId xmlns:a16="http://schemas.microsoft.com/office/drawing/2014/main" id="{BE5B20F6-24AF-4881-B6EF-62D196658952}"/>
-              </a:ext>
-            </a:extLst>
-          </p:cNvPr>
-          <p:cNvCxnSpPr>
-            <a:cxnSpLocks/>
-          </p:cNvCxnSpPr>
-          <p:nvPr/>
-        </p:nvCxnSpPr>
-        <p:spPr>
-          <a:xfrm rot="10800000" flipV="1">
-            <a:off x="2997938" y="2306313"/>
-            <a:ext cx="1400552" cy="576327"/>
-          </a:xfrm>
-          <a:prstGeom prst="curvedConnector3">
-            <a:avLst>
-              <a:gd name="adj1" fmla="val 50000"/>
-            </a:avLst>
-          </a:prstGeom>
-          <a:ln w="19050">
-            <a:solidFill>
-              <a:srgbClr val="31859C"/>
-            </a:solidFill>
-            <a:tailEnd type="triangle"/>
-          </a:ln>
-        </p:spPr>
-        <p:style>
-          <a:lnRef idx="1">
-            <a:schemeClr val="accent1"/>
-          </a:lnRef>
-          <a:fillRef idx="0">
-            <a:schemeClr val="accent1"/>
-          </a:fillRef>
-          <a:effectRef idx="0">
-            <a:schemeClr val="accent1"/>
-          </a:effectRef>
-          <a:fontRef idx="minor">
-            <a:schemeClr val="tx1"/>
-          </a:fontRef>
-        </p:style>
-      </p:cxnSp>
-      <p:sp>
-        <p:nvSpPr>
-          <p:cNvPr id="66" name="Arrow: Right 65">
-            <a:extLst>
-              <a:ext uri="{FF2B5EF4-FFF2-40B4-BE49-F238E27FC236}">
-                <a16:creationId xmlns:a16="http://schemas.microsoft.com/office/drawing/2014/main" id="{C803032B-2897-4516-831D-69A54E19255D}"/>
-              </a:ext>
-            </a:extLst>
-          </p:cNvPr>
-          <p:cNvSpPr/>
-          <p:nvPr/>
-        </p:nvSpPr>
-        <p:spPr>
-          <a:xfrm flipH="1">
-            <a:off x="1296373" y="2900756"/>
-            <a:ext cx="684828" cy="111914"/>
-          </a:xfrm>
-          <a:prstGeom prst="rightArrow">
-            <a:avLst/>
-          </a:prstGeom>
-          <a:solidFill>
-            <a:srgbClr val="31859C"/>
-          </a:solidFill>
-          <a:ln>
-            <a:noFill/>
-          </a:ln>
-        </p:spPr>
-        <p:style>
-          <a:lnRef idx="2">
-            <a:schemeClr val="accent1">
-              <a:shade val="50000"/>
-            </a:schemeClr>
-          </a:lnRef>
-          <a:fillRef idx="1">
-            <a:schemeClr val="accent1"/>
-          </a:fillRef>
-          <a:effectRef idx="0">
-            <a:schemeClr val="accent1"/>
-          </a:effectRef>
-          <a:fontRef idx="minor">
-            <a:schemeClr val="lt1"/>
-          </a:fontRef>
-        </p:style>
-        <p:txBody>
-          <a:bodyPr rtlCol="0" anchor="ctr"/>
-          <a:lstStyle/>
-          <a:p>
-            <a:pPr algn="ctr"/>
-            <a:endParaRPr lang="pt-BR"/>
-          </a:p>
-        </p:txBody>
-      </p:sp>
-      <p:sp>
-        <p:nvSpPr>
-          <p:cNvPr id="67" name="TextBox 66">
-            <a:extLst>
-              <a:ext uri="{FF2B5EF4-FFF2-40B4-BE49-F238E27FC236}">
-                <a16:creationId xmlns:a16="http://schemas.microsoft.com/office/drawing/2014/main" id="{000F0833-BCFF-4732-82CF-05C3C8B5EC9F}"/>
-              </a:ext>
-            </a:extLst>
-          </p:cNvPr>
-          <p:cNvSpPr txBox="1"/>
-          <p:nvPr/>
-        </p:nvSpPr>
-        <p:spPr>
-          <a:xfrm>
-            <a:off x="1283287" y="3036388"/>
-            <a:ext cx="676467" cy="161583"/>
-          </a:xfrm>
-          <a:prstGeom prst="rect">
-            <a:avLst/>
-          </a:prstGeom>
-        </p:spPr>
-        <p:txBody>
-          <a:bodyPr vert="horz" wrap="none" lIns="0" tIns="0" rIns="0" bIns="0" rtlCol="0">
-            <a:spAutoFit/>
-          </a:bodyPr>
-          <a:lstStyle/>
-          <a:p>
-            <a:r>
-              <a:rPr lang="en-US" sz="1050" dirty="0">
+        <p:sp>
+          <p:nvSpPr>
+            <p:cNvPr id="68" name="TextBox 67">
+              <a:extLst>
+                <a:ext uri="{FF2B5EF4-FFF2-40B4-BE49-F238E27FC236}">
+                  <a16:creationId xmlns:a16="http://schemas.microsoft.com/office/drawing/2014/main" id="{C44C64D4-F9BC-4853-83D7-0C69501CB9EC}"/>
+                </a:ext>
+              </a:extLst>
+            </p:cNvPr>
+            <p:cNvSpPr txBox="1"/>
+            <p:nvPr/>
+          </p:nvSpPr>
+          <p:spPr>
+            <a:xfrm>
+              <a:off x="4115152" y="2190750"/>
+              <a:ext cx="160300" cy="107722"/>
+            </a:xfrm>
+            <a:prstGeom prst="rect">
+              <a:avLst/>
+            </a:prstGeom>
+          </p:spPr>
+          <p:txBody>
+            <a:bodyPr vert="horz" wrap="none" lIns="0" tIns="0" rIns="0" bIns="0" rtlCol="0">
+              <a:spAutoFit/>
+            </a:bodyPr>
+            <a:lstStyle/>
+            <a:p>
+              <a:r>
+                <a:rPr lang="en-US" sz="700" b="1" dirty="0">
+                  <a:solidFill>
+                    <a:srgbClr val="31859C"/>
+                  </a:solidFill>
+                  <a:latin typeface="+mn-lt"/>
+                </a:rPr>
+                <a:t>60 B</a:t>
+              </a:r>
+              <a:endParaRPr lang="pt-BR" sz="700" b="1" dirty="0">
                 <a:solidFill>
                   <a:srgbClr val="31859C"/>
                 </a:solidFill>
                 <a:latin typeface="+mn-lt"/>
-              </a:rPr>
-              <a:t>200 Token </a:t>
-            </a:r>
-            <a:r>
-              <a:rPr lang="en-US" sz="1050" dirty="0">
-                <a:solidFill>
-                  <a:srgbClr val="31859C"/>
-                </a:solidFill>
-              </a:rPr>
-              <a:t>B</a:t>
-            </a:r>
-            <a:endParaRPr lang="pt-BR" sz="1050" dirty="0">
-              <a:solidFill>
-                <a:srgbClr val="31859C"/>
-              </a:solidFill>
-            </a:endParaRPr>
-          </a:p>
-        </p:txBody>
-      </p:sp>
-      <p:sp>
-        <p:nvSpPr>
-          <p:cNvPr id="68" name="TextBox 67">
-            <a:extLst>
-              <a:ext uri="{FF2B5EF4-FFF2-40B4-BE49-F238E27FC236}">
-                <a16:creationId xmlns:a16="http://schemas.microsoft.com/office/drawing/2014/main" id="{C44C64D4-F9BC-4853-83D7-0C69501CB9EC}"/>
-              </a:ext>
-            </a:extLst>
-          </p:cNvPr>
-          <p:cNvSpPr txBox="1"/>
-          <p:nvPr/>
-        </p:nvSpPr>
-        <p:spPr>
-          <a:xfrm>
-            <a:off x="4115152" y="2190750"/>
-            <a:ext cx="160300" cy="107722"/>
-          </a:xfrm>
-          <a:prstGeom prst="rect">
-            <a:avLst/>
-          </a:prstGeom>
-        </p:spPr>
-        <p:txBody>
-          <a:bodyPr vert="horz" wrap="none" lIns="0" tIns="0" rIns="0" bIns="0" rtlCol="0">
-            <a:spAutoFit/>
-          </a:bodyPr>
-          <a:lstStyle/>
-          <a:p>
-            <a:r>
-              <a:rPr lang="en-US" sz="700" b="1" dirty="0">
+              </a:endParaRPr>
+            </a:p>
+          </p:txBody>
+        </p:sp>
+        <p:sp>
+          <p:nvSpPr>
+            <p:cNvPr id="69" name="TextBox 68">
+              <a:extLst>
+                <a:ext uri="{FF2B5EF4-FFF2-40B4-BE49-F238E27FC236}">
+                  <a16:creationId xmlns:a16="http://schemas.microsoft.com/office/drawing/2014/main" id="{4CC0723B-DC69-4C3C-BCE5-8F53D48602A1}"/>
+                </a:ext>
+              </a:extLst>
+            </p:cNvPr>
+            <p:cNvSpPr txBox="1"/>
+            <p:nvPr/>
+          </p:nvSpPr>
+          <p:spPr>
+            <a:xfrm>
+              <a:off x="3818708" y="3571058"/>
+              <a:ext cx="234038" cy="123111"/>
+            </a:xfrm>
+            <a:prstGeom prst="rect">
+              <a:avLst/>
+            </a:prstGeom>
+          </p:spPr>
+          <p:txBody>
+            <a:bodyPr vert="horz" wrap="none" lIns="0" tIns="0" rIns="0" bIns="0" rtlCol="0">
+              <a:spAutoFit/>
+            </a:bodyPr>
+            <a:lstStyle/>
+            <a:p>
+              <a:r>
+                <a:rPr lang="en-US" sz="800" b="1" dirty="0">
+                  <a:solidFill>
+                    <a:srgbClr val="31859C"/>
+                  </a:solidFill>
+                </a:rPr>
+                <a:t>12</a:t>
+              </a:r>
+              <a:r>
+                <a:rPr lang="en-US" sz="800" b="1" dirty="0">
+                  <a:solidFill>
+                    <a:srgbClr val="31859C"/>
+                  </a:solidFill>
+                  <a:latin typeface="+mn-lt"/>
+                </a:rPr>
+                <a:t>0 B</a:t>
+              </a:r>
+              <a:endParaRPr lang="pt-BR" sz="800" b="1" dirty="0">
                 <a:solidFill>
                   <a:srgbClr val="31859C"/>
                 </a:solidFill>
                 <a:latin typeface="+mn-lt"/>
-              </a:rPr>
-              <a:t>60 B</a:t>
-            </a:r>
-            <a:endParaRPr lang="pt-BR" sz="700" b="1" dirty="0">
-              <a:solidFill>
-                <a:srgbClr val="31859C"/>
-              </a:solidFill>
-              <a:latin typeface="+mn-lt"/>
-            </a:endParaRPr>
-          </a:p>
-        </p:txBody>
-      </p:sp>
-      <p:sp>
-        <p:nvSpPr>
-          <p:cNvPr id="69" name="TextBox 68">
-            <a:extLst>
-              <a:ext uri="{FF2B5EF4-FFF2-40B4-BE49-F238E27FC236}">
-                <a16:creationId xmlns:a16="http://schemas.microsoft.com/office/drawing/2014/main" id="{4CC0723B-DC69-4C3C-BCE5-8F53D48602A1}"/>
-              </a:ext>
-            </a:extLst>
-          </p:cNvPr>
-          <p:cNvSpPr txBox="1"/>
-          <p:nvPr/>
-        </p:nvSpPr>
-        <p:spPr>
-          <a:xfrm>
-            <a:off x="3818708" y="3571058"/>
-            <a:ext cx="234038" cy="123111"/>
-          </a:xfrm>
-          <a:prstGeom prst="rect">
-            <a:avLst/>
-          </a:prstGeom>
-        </p:spPr>
-        <p:txBody>
-          <a:bodyPr vert="horz" wrap="none" lIns="0" tIns="0" rIns="0" bIns="0" rtlCol="0">
-            <a:spAutoFit/>
-          </a:bodyPr>
-          <a:lstStyle/>
-          <a:p>
-            <a:r>
-              <a:rPr lang="en-US" sz="800" b="1" dirty="0">
-                <a:solidFill>
-                  <a:srgbClr val="31859C"/>
-                </a:solidFill>
-              </a:rPr>
-              <a:t>12</a:t>
-            </a:r>
-            <a:r>
-              <a:rPr lang="en-US" sz="800" b="1" dirty="0">
+              </a:endParaRPr>
+            </a:p>
+          </p:txBody>
+        </p:sp>
+        <p:sp>
+          <p:nvSpPr>
+            <p:cNvPr id="72" name="TextBox 71">
+              <a:extLst>
+                <a:ext uri="{FF2B5EF4-FFF2-40B4-BE49-F238E27FC236}">
+                  <a16:creationId xmlns:a16="http://schemas.microsoft.com/office/drawing/2014/main" id="{B5A048D4-8478-4496-BF34-7552678F962C}"/>
+                </a:ext>
+              </a:extLst>
+            </p:cNvPr>
+            <p:cNvSpPr txBox="1"/>
+            <p:nvPr/>
+          </p:nvSpPr>
+          <p:spPr>
+            <a:xfrm>
+              <a:off x="3817255" y="2797279"/>
+              <a:ext cx="139462" cy="92333"/>
+            </a:xfrm>
+            <a:prstGeom prst="rect">
+              <a:avLst/>
+            </a:prstGeom>
+          </p:spPr>
+          <p:txBody>
+            <a:bodyPr vert="horz" wrap="none" lIns="0" tIns="0" rIns="0" bIns="0" rtlCol="0">
+              <a:noAutofit/>
+            </a:bodyPr>
+            <a:lstStyle/>
+            <a:p>
+              <a:r>
+                <a:rPr lang="en-US" sz="600" b="1" dirty="0">
+                  <a:solidFill>
+                    <a:srgbClr val="31859C"/>
+                  </a:solidFill>
+                </a:rPr>
+                <a:t>2</a:t>
+              </a:r>
+              <a:r>
+                <a:rPr lang="en-US" sz="600" b="1" dirty="0">
+                  <a:solidFill>
+                    <a:srgbClr val="31859C"/>
+                  </a:solidFill>
+                  <a:latin typeface="+mn-lt"/>
+                </a:rPr>
+                <a:t>0 B</a:t>
+              </a:r>
+              <a:endParaRPr lang="pt-BR" sz="600" b="1" dirty="0">
                 <a:solidFill>
                   <a:srgbClr val="31859C"/>
                 </a:solidFill>
                 <a:latin typeface="+mn-lt"/>
-              </a:rPr>
-              <a:t>0 B</a:t>
-            </a:r>
-            <a:endParaRPr lang="pt-BR" sz="800" b="1" dirty="0">
-              <a:solidFill>
-                <a:srgbClr val="31859C"/>
-              </a:solidFill>
-              <a:latin typeface="+mn-lt"/>
-            </a:endParaRPr>
-          </a:p>
-        </p:txBody>
-      </p:sp>
-      <p:sp>
-        <p:nvSpPr>
-          <p:cNvPr id="72" name="TextBox 71">
-            <a:extLst>
-              <a:ext uri="{FF2B5EF4-FFF2-40B4-BE49-F238E27FC236}">
-                <a16:creationId xmlns:a16="http://schemas.microsoft.com/office/drawing/2014/main" id="{B5A048D4-8478-4496-BF34-7552678F962C}"/>
-              </a:ext>
-            </a:extLst>
-          </p:cNvPr>
-          <p:cNvSpPr txBox="1"/>
-          <p:nvPr/>
-        </p:nvSpPr>
-        <p:spPr>
-          <a:xfrm>
-            <a:off x="3817255" y="2797279"/>
-            <a:ext cx="139462" cy="92333"/>
-          </a:xfrm>
-          <a:prstGeom prst="rect">
-            <a:avLst/>
-          </a:prstGeom>
-        </p:spPr>
-        <p:txBody>
-          <a:bodyPr vert="horz" wrap="none" lIns="0" tIns="0" rIns="0" bIns="0" rtlCol="0">
-            <a:noAutofit/>
-          </a:bodyPr>
-          <a:lstStyle/>
-          <a:p>
-            <a:r>
-              <a:rPr lang="en-US" sz="600" b="1" dirty="0">
-                <a:solidFill>
-                  <a:srgbClr val="31859C"/>
-                </a:solidFill>
-              </a:rPr>
-              <a:t>2</a:t>
-            </a:r>
-            <a:r>
-              <a:rPr lang="en-US" sz="600" b="1" dirty="0">
-                <a:solidFill>
-                  <a:srgbClr val="31859C"/>
-                </a:solidFill>
-                <a:latin typeface="+mn-lt"/>
-              </a:rPr>
-              <a:t>0 B</a:t>
-            </a:r>
-            <a:endParaRPr lang="pt-BR" sz="600" b="1" dirty="0">
-              <a:solidFill>
-                <a:srgbClr val="31859C"/>
-              </a:solidFill>
-              <a:latin typeface="+mn-lt"/>
-            </a:endParaRPr>
-          </a:p>
-        </p:txBody>
-      </p:sp>
+              </a:endParaRPr>
+            </a:p>
+          </p:txBody>
+        </p:sp>
+      </p:grpSp>
     </p:spTree>
     <p:extLst>
       <p:ext uri="{BB962C8B-B14F-4D97-AF65-F5344CB8AC3E}">
